--- a/Articulos/11_R+Tree presentation Prof Xunfei Jiang/R+ Tree.pptx
+++ b/Articulos/11_R+Tree presentation Prof Xunfei Jiang/R+ Tree.pptx
@@ -133,6 +133,22 @@
       </a:defRPr>
     </a:lvl9pPr>
   </p:defaultTextStyle>
+  <p:extLst>
+    <p:ext uri="{EFAFB233-063F-42B5-8137-9DF3F51BA10A}">
+      <p15:sldGuideLst xmlns:p15="http://schemas.microsoft.com/office/powerpoint/2012/main">
+        <p15:guide id="1" orient="horz" pos="2160">
+          <p15:clr>
+            <a:srgbClr val="A4A3A4"/>
+          </p15:clr>
+        </p15:guide>
+        <p15:guide id="2" pos="2880">
+          <p15:clr>
+            <a:srgbClr val="A4A3A4"/>
+          </p15:clr>
+        </p15:guide>
+      </p15:sldGuideLst>
+    </p:ext>
+  </p:extLst>
 </p:presentation>
 </file>
 
@@ -224,10 +240,9 @@
           <a:lstStyle/>
           <a:p>
             <a:r>
-              <a:rPr kumimoji="0" lang="en-US" smtClean="0"/>
+              <a:rPr kumimoji="0" lang="en-US"/>
               <a:t>Click to edit Master title style</a:t>
             </a:r>
-            <a:endParaRPr kumimoji="0" lang="en-US"/>
           </a:p>
         </p:txBody>
       </p:sp>
@@ -287,10 +302,9 @@
           </a:lstStyle>
           <a:p>
             <a:r>
-              <a:rPr kumimoji="0" lang="en-US" smtClean="0"/>
+              <a:rPr kumimoji="0" lang="en-US"/>
               <a:t>Click to edit Master subtitle style</a:t>
             </a:r>
-            <a:endParaRPr kumimoji="0" lang="en-US"/>
           </a:p>
         </p:txBody>
       </p:sp>
@@ -312,7 +326,7 @@
             <a:fld id="{1D8BD707-D9CF-40AE-B4C6-C98DA3205C09}" type="datetimeFigureOut">
               <a:rPr lang="en-US" smtClean="0"/>
               <a:pPr/>
-              <a:t>2/21/2013</a:t>
+              <a:t>5/6/2025</a:t>
             </a:fld>
             <a:endParaRPr lang="en-US"/>
           </a:p>
@@ -360,7 +374,7 @@
             <a:fld id="{B6F15528-21DE-4FAA-801E-634DDDAF4B2B}" type="slidenum">
               <a:rPr lang="en-US" smtClean="0"/>
               <a:pPr/>
-              <a:t>‹#›</a:t>
+              <a:t>‹Nº›</a:t>
             </a:fld>
             <a:endParaRPr lang="en-US"/>
           </a:p>
@@ -407,10 +421,9 @@
           <a:lstStyle/>
           <a:p>
             <a:r>
-              <a:rPr kumimoji="0" lang="en-US" smtClean="0"/>
+              <a:rPr kumimoji="0" lang="en-US"/>
               <a:t>Click to edit Master title style</a:t>
             </a:r>
-            <a:endParaRPr kumimoji="0" lang="en-US"/>
           </a:p>
         </p:txBody>
       </p:sp>
@@ -431,35 +444,35 @@
           <a:p>
             <a:pPr lvl="0" eaLnBrk="1" latinLnBrk="0" hangingPunct="1"/>
             <a:r>
-              <a:rPr lang="en-US" smtClean="0"/>
+              <a:rPr lang="en-US"/>
               <a:t>Click to edit Master text styles</a:t>
             </a:r>
           </a:p>
           <a:p>
             <a:pPr lvl="1" eaLnBrk="1" latinLnBrk="0" hangingPunct="1"/>
             <a:r>
-              <a:rPr lang="en-US" smtClean="0"/>
+              <a:rPr lang="en-US"/>
               <a:t>Second level</a:t>
             </a:r>
           </a:p>
           <a:p>
             <a:pPr lvl="2" eaLnBrk="1" latinLnBrk="0" hangingPunct="1"/>
             <a:r>
-              <a:rPr lang="en-US" smtClean="0"/>
+              <a:rPr lang="en-US"/>
               <a:t>Third level</a:t>
             </a:r>
           </a:p>
           <a:p>
             <a:pPr lvl="3" eaLnBrk="1" latinLnBrk="0" hangingPunct="1"/>
             <a:r>
-              <a:rPr lang="en-US" smtClean="0"/>
+              <a:rPr lang="en-US"/>
               <a:t>Fourth level</a:t>
             </a:r>
           </a:p>
           <a:p>
             <a:pPr lvl="4" eaLnBrk="1" latinLnBrk="0" hangingPunct="1"/>
             <a:r>
-              <a:rPr lang="en-US" smtClean="0"/>
+              <a:rPr lang="en-US"/>
               <a:t>Fifth level</a:t>
             </a:r>
             <a:endParaRPr kumimoji="0" lang="en-US"/>
@@ -484,7 +497,7 @@
             <a:fld id="{1D8BD707-D9CF-40AE-B4C6-C98DA3205C09}" type="datetimeFigureOut">
               <a:rPr lang="en-US" smtClean="0"/>
               <a:pPr/>
-              <a:t>2/21/2013</a:t>
+              <a:t>5/6/2025</a:t>
             </a:fld>
             <a:endParaRPr lang="en-US"/>
           </a:p>
@@ -527,7 +540,7 @@
             <a:fld id="{B6F15528-21DE-4FAA-801E-634DDDAF4B2B}" type="slidenum">
               <a:rPr lang="en-US" smtClean="0"/>
               <a:pPr/>
-              <a:t>‹#›</a:t>
+              <a:t>‹Nº›</a:t>
             </a:fld>
             <a:endParaRPr lang="en-US"/>
           </a:p>
@@ -579,10 +592,9 @@
           <a:lstStyle/>
           <a:p>
             <a:r>
-              <a:rPr kumimoji="0" lang="en-US" smtClean="0"/>
+              <a:rPr kumimoji="0" lang="en-US"/>
               <a:t>Click to edit Master title style</a:t>
             </a:r>
-            <a:endParaRPr kumimoji="0" lang="en-US"/>
           </a:p>
         </p:txBody>
       </p:sp>
@@ -608,35 +620,35 @@
           <a:p>
             <a:pPr lvl="0" eaLnBrk="1" latinLnBrk="0" hangingPunct="1"/>
             <a:r>
-              <a:rPr lang="en-US" smtClean="0"/>
+              <a:rPr lang="en-US"/>
               <a:t>Click to edit Master text styles</a:t>
             </a:r>
           </a:p>
           <a:p>
             <a:pPr lvl="1" eaLnBrk="1" latinLnBrk="0" hangingPunct="1"/>
             <a:r>
-              <a:rPr lang="en-US" smtClean="0"/>
+              <a:rPr lang="en-US"/>
               <a:t>Second level</a:t>
             </a:r>
           </a:p>
           <a:p>
             <a:pPr lvl="2" eaLnBrk="1" latinLnBrk="0" hangingPunct="1"/>
             <a:r>
-              <a:rPr lang="en-US" smtClean="0"/>
+              <a:rPr lang="en-US"/>
               <a:t>Third level</a:t>
             </a:r>
           </a:p>
           <a:p>
             <a:pPr lvl="3" eaLnBrk="1" latinLnBrk="0" hangingPunct="1"/>
             <a:r>
-              <a:rPr lang="en-US" smtClean="0"/>
+              <a:rPr lang="en-US"/>
               <a:t>Fourth level</a:t>
             </a:r>
           </a:p>
           <a:p>
             <a:pPr lvl="4" eaLnBrk="1" latinLnBrk="0" hangingPunct="1"/>
             <a:r>
-              <a:rPr lang="en-US" smtClean="0"/>
+              <a:rPr lang="en-US"/>
               <a:t>Fifth level</a:t>
             </a:r>
             <a:endParaRPr kumimoji="0" lang="en-US"/>
@@ -661,7 +673,7 @@
             <a:fld id="{1D8BD707-D9CF-40AE-B4C6-C98DA3205C09}" type="datetimeFigureOut">
               <a:rPr lang="en-US" smtClean="0"/>
               <a:pPr/>
-              <a:t>2/21/2013</a:t>
+              <a:t>5/6/2025</a:t>
             </a:fld>
             <a:endParaRPr lang="en-US"/>
           </a:p>
@@ -704,7 +716,7 @@
             <a:fld id="{B6F15528-21DE-4FAA-801E-634DDDAF4B2B}" type="slidenum">
               <a:rPr lang="en-US" smtClean="0"/>
               <a:pPr/>
-              <a:t>‹#›</a:t>
+              <a:t>‹Nº›</a:t>
             </a:fld>
             <a:endParaRPr lang="en-US"/>
           </a:p>
@@ -751,10 +763,9 @@
           <a:lstStyle/>
           <a:p>
             <a:r>
-              <a:rPr kumimoji="0" lang="en-US" smtClean="0"/>
+              <a:rPr kumimoji="0" lang="en-US"/>
               <a:t>Click to edit Master title style</a:t>
             </a:r>
-            <a:endParaRPr kumimoji="0" lang="en-US"/>
           </a:p>
         </p:txBody>
       </p:sp>
@@ -775,35 +786,35 @@
           <a:p>
             <a:pPr lvl="0" eaLnBrk="1" latinLnBrk="0" hangingPunct="1"/>
             <a:r>
-              <a:rPr lang="en-US" smtClean="0"/>
+              <a:rPr lang="en-US"/>
               <a:t>Click to edit Master text styles</a:t>
             </a:r>
           </a:p>
           <a:p>
             <a:pPr lvl="1" eaLnBrk="1" latinLnBrk="0" hangingPunct="1"/>
             <a:r>
-              <a:rPr lang="en-US" smtClean="0"/>
+              <a:rPr lang="en-US"/>
               <a:t>Second level</a:t>
             </a:r>
           </a:p>
           <a:p>
             <a:pPr lvl="2" eaLnBrk="1" latinLnBrk="0" hangingPunct="1"/>
             <a:r>
-              <a:rPr lang="en-US" smtClean="0"/>
+              <a:rPr lang="en-US"/>
               <a:t>Third level</a:t>
             </a:r>
           </a:p>
           <a:p>
             <a:pPr lvl="3" eaLnBrk="1" latinLnBrk="0" hangingPunct="1"/>
             <a:r>
-              <a:rPr lang="en-US" smtClean="0"/>
+              <a:rPr lang="en-US"/>
               <a:t>Fourth level</a:t>
             </a:r>
           </a:p>
           <a:p>
             <a:pPr lvl="4" eaLnBrk="1" latinLnBrk="0" hangingPunct="1"/>
             <a:r>
-              <a:rPr lang="en-US" smtClean="0"/>
+              <a:rPr lang="en-US"/>
               <a:t>Fifth level</a:t>
             </a:r>
             <a:endParaRPr kumimoji="0" lang="en-US"/>
@@ -828,7 +839,7 @@
             <a:fld id="{1D8BD707-D9CF-40AE-B4C6-C98DA3205C09}" type="datetimeFigureOut">
               <a:rPr lang="en-US" smtClean="0"/>
               <a:pPr/>
-              <a:t>2/21/2013</a:t>
+              <a:t>5/6/2025</a:t>
             </a:fld>
             <a:endParaRPr lang="en-US"/>
           </a:p>
@@ -881,7 +892,7 @@
             <a:fld id="{B6F15528-21DE-4FAA-801E-634DDDAF4B2B}" type="slidenum">
               <a:rPr lang="en-US" smtClean="0"/>
               <a:pPr/>
-              <a:t>‹#›</a:t>
+              <a:t>‹Nº›</a:t>
             </a:fld>
             <a:endParaRPr lang="en-US"/>
           </a:p>
@@ -1040,7 +1051,7 @@
           <a:p>
             <a:pPr lvl="0" eaLnBrk="1" latinLnBrk="0" hangingPunct="1"/>
             <a:r>
-              <a:rPr kumimoji="0" lang="en-US" smtClean="0"/>
+              <a:rPr kumimoji="0" lang="en-US"/>
               <a:t>Click to edit Master text styles</a:t>
             </a:r>
           </a:p>
@@ -1064,7 +1075,7 @@
             <a:fld id="{1D8BD707-D9CF-40AE-B4C6-C98DA3205C09}" type="datetimeFigureOut">
               <a:rPr lang="en-US" smtClean="0"/>
               <a:pPr/>
-              <a:t>2/21/2013</a:t>
+              <a:t>5/6/2025</a:t>
             </a:fld>
             <a:endParaRPr lang="en-US"/>
           </a:p>
@@ -1107,7 +1118,7 @@
             <a:fld id="{B6F15528-21DE-4FAA-801E-634DDDAF4B2B}" type="slidenum">
               <a:rPr lang="en-US" smtClean="0"/>
               <a:pPr/>
-              <a:t>‹#›</a:t>
+              <a:t>‹Nº›</a:t>
             </a:fld>
             <a:endParaRPr lang="en-US"/>
           </a:p>
@@ -1138,10 +1149,9 @@
           </a:lstStyle>
           <a:p>
             <a:r>
-              <a:rPr kumimoji="0" lang="en-US" smtClean="0"/>
+              <a:rPr kumimoji="0" lang="en-US"/>
               <a:t>Click to edit Master title style</a:t>
             </a:r>
-            <a:endParaRPr kumimoji="0" lang="en-US"/>
           </a:p>
         </p:txBody>
       </p:sp>
@@ -1191,10 +1201,9 @@
           <a:lstStyle/>
           <a:p>
             <a:r>
-              <a:rPr kumimoji="0" lang="en-US" smtClean="0"/>
+              <a:rPr kumimoji="0" lang="en-US"/>
               <a:t>Click to edit Master title style</a:t>
             </a:r>
-            <a:endParaRPr kumimoji="0" lang="en-US"/>
           </a:p>
         </p:txBody>
       </p:sp>
@@ -1236,35 +1245,35 @@
           <a:p>
             <a:pPr lvl="0" eaLnBrk="1" latinLnBrk="0" hangingPunct="1"/>
             <a:r>
-              <a:rPr lang="en-US" smtClean="0"/>
+              <a:rPr lang="en-US"/>
               <a:t>Click to edit Master text styles</a:t>
             </a:r>
           </a:p>
           <a:p>
             <a:pPr lvl="1" eaLnBrk="1" latinLnBrk="0" hangingPunct="1"/>
             <a:r>
-              <a:rPr lang="en-US" smtClean="0"/>
+              <a:rPr lang="en-US"/>
               <a:t>Second level</a:t>
             </a:r>
           </a:p>
           <a:p>
             <a:pPr lvl="2" eaLnBrk="1" latinLnBrk="0" hangingPunct="1"/>
             <a:r>
-              <a:rPr lang="en-US" smtClean="0"/>
+              <a:rPr lang="en-US"/>
               <a:t>Third level</a:t>
             </a:r>
           </a:p>
           <a:p>
             <a:pPr lvl="3" eaLnBrk="1" latinLnBrk="0" hangingPunct="1"/>
             <a:r>
-              <a:rPr lang="en-US" smtClean="0"/>
+              <a:rPr lang="en-US"/>
               <a:t>Fourth level</a:t>
             </a:r>
           </a:p>
           <a:p>
             <a:pPr lvl="4" eaLnBrk="1" latinLnBrk="0" hangingPunct="1"/>
             <a:r>
-              <a:rPr lang="en-US" smtClean="0"/>
+              <a:rPr lang="en-US"/>
               <a:t>Fifth level</a:t>
             </a:r>
             <a:endParaRPr kumimoji="0" lang="en-US"/>
@@ -1309,35 +1318,35 @@
           <a:p>
             <a:pPr lvl="0" eaLnBrk="1" latinLnBrk="0" hangingPunct="1"/>
             <a:r>
-              <a:rPr lang="en-US" smtClean="0"/>
+              <a:rPr lang="en-US"/>
               <a:t>Click to edit Master text styles</a:t>
             </a:r>
           </a:p>
           <a:p>
             <a:pPr lvl="1" eaLnBrk="1" latinLnBrk="0" hangingPunct="1"/>
             <a:r>
-              <a:rPr lang="en-US" smtClean="0"/>
+              <a:rPr lang="en-US"/>
               <a:t>Second level</a:t>
             </a:r>
           </a:p>
           <a:p>
             <a:pPr lvl="2" eaLnBrk="1" latinLnBrk="0" hangingPunct="1"/>
             <a:r>
-              <a:rPr lang="en-US" smtClean="0"/>
+              <a:rPr lang="en-US"/>
               <a:t>Third level</a:t>
             </a:r>
           </a:p>
           <a:p>
             <a:pPr lvl="3" eaLnBrk="1" latinLnBrk="0" hangingPunct="1"/>
             <a:r>
-              <a:rPr lang="en-US" smtClean="0"/>
+              <a:rPr lang="en-US"/>
               <a:t>Fourth level</a:t>
             </a:r>
           </a:p>
           <a:p>
             <a:pPr lvl="4" eaLnBrk="1" latinLnBrk="0" hangingPunct="1"/>
             <a:r>
-              <a:rPr lang="en-US" smtClean="0"/>
+              <a:rPr lang="en-US"/>
               <a:t>Fifth level</a:t>
             </a:r>
             <a:endParaRPr kumimoji="0" lang="en-US"/>
@@ -1362,7 +1371,7 @@
             <a:fld id="{1D8BD707-D9CF-40AE-B4C6-C98DA3205C09}" type="datetimeFigureOut">
               <a:rPr lang="en-US" smtClean="0"/>
               <a:pPr/>
-              <a:t>2/21/2013</a:t>
+              <a:t>5/6/2025</a:t>
             </a:fld>
             <a:endParaRPr lang="en-US"/>
           </a:p>
@@ -1405,7 +1414,7 @@
             <a:fld id="{B6F15528-21DE-4FAA-801E-634DDDAF4B2B}" type="slidenum">
               <a:rPr lang="en-US" smtClean="0"/>
               <a:pPr/>
-              <a:t>‹#›</a:t>
+              <a:t>‹Nº›</a:t>
             </a:fld>
             <a:endParaRPr lang="en-US"/>
           </a:p>
@@ -1461,10 +1470,9 @@
           </a:lstStyle>
           <a:p>
             <a:r>
-              <a:rPr kumimoji="0" lang="en-US" smtClean="0"/>
+              <a:rPr kumimoji="0" lang="en-US"/>
               <a:t>Click to edit Master title style</a:t>
             </a:r>
-            <a:endParaRPr kumimoji="0" lang="en-US"/>
           </a:p>
         </p:txBody>
       </p:sp>
@@ -1520,7 +1528,7 @@
           <a:p>
             <a:pPr lvl="0" eaLnBrk="1" latinLnBrk="0" hangingPunct="1"/>
             <a:r>
-              <a:rPr kumimoji="0" lang="en-US" smtClean="0"/>
+              <a:rPr kumimoji="0" lang="en-US"/>
               <a:t>Click to edit Master text styles</a:t>
             </a:r>
           </a:p>
@@ -1578,7 +1586,7 @@
           <a:p>
             <a:pPr lvl="0" eaLnBrk="1" latinLnBrk="0" hangingPunct="1"/>
             <a:r>
-              <a:rPr kumimoji="0" lang="en-US" smtClean="0"/>
+              <a:rPr kumimoji="0" lang="en-US"/>
               <a:t>Click to edit Master text styles</a:t>
             </a:r>
           </a:p>
@@ -1622,35 +1630,35 @@
           <a:p>
             <a:pPr lvl="0" eaLnBrk="1" latinLnBrk="0" hangingPunct="1"/>
             <a:r>
-              <a:rPr lang="en-US" smtClean="0"/>
+              <a:rPr lang="en-US"/>
               <a:t>Click to edit Master text styles</a:t>
             </a:r>
           </a:p>
           <a:p>
             <a:pPr lvl="1" eaLnBrk="1" latinLnBrk="0" hangingPunct="1"/>
             <a:r>
-              <a:rPr lang="en-US" smtClean="0"/>
+              <a:rPr lang="en-US"/>
               <a:t>Second level</a:t>
             </a:r>
           </a:p>
           <a:p>
             <a:pPr lvl="2" eaLnBrk="1" latinLnBrk="0" hangingPunct="1"/>
             <a:r>
-              <a:rPr lang="en-US" smtClean="0"/>
+              <a:rPr lang="en-US"/>
               <a:t>Third level</a:t>
             </a:r>
           </a:p>
           <a:p>
             <a:pPr lvl="3" eaLnBrk="1" latinLnBrk="0" hangingPunct="1"/>
             <a:r>
-              <a:rPr lang="en-US" smtClean="0"/>
+              <a:rPr lang="en-US"/>
               <a:t>Fourth level</a:t>
             </a:r>
           </a:p>
           <a:p>
             <a:pPr lvl="4" eaLnBrk="1" latinLnBrk="0" hangingPunct="1"/>
             <a:r>
-              <a:rPr lang="en-US" smtClean="0"/>
+              <a:rPr lang="en-US"/>
               <a:t>Fifth level</a:t>
             </a:r>
             <a:endParaRPr kumimoji="0" lang="en-US"/>
@@ -1695,35 +1703,35 @@
           <a:p>
             <a:pPr lvl="0" eaLnBrk="1" latinLnBrk="0" hangingPunct="1"/>
             <a:r>
-              <a:rPr lang="en-US" smtClean="0"/>
+              <a:rPr lang="en-US"/>
               <a:t>Click to edit Master text styles</a:t>
             </a:r>
           </a:p>
           <a:p>
             <a:pPr lvl="1" eaLnBrk="1" latinLnBrk="0" hangingPunct="1"/>
             <a:r>
-              <a:rPr lang="en-US" smtClean="0"/>
+              <a:rPr lang="en-US"/>
               <a:t>Second level</a:t>
             </a:r>
           </a:p>
           <a:p>
             <a:pPr lvl="2" eaLnBrk="1" latinLnBrk="0" hangingPunct="1"/>
             <a:r>
-              <a:rPr lang="en-US" smtClean="0"/>
+              <a:rPr lang="en-US"/>
               <a:t>Third level</a:t>
             </a:r>
           </a:p>
           <a:p>
             <a:pPr lvl="3" eaLnBrk="1" latinLnBrk="0" hangingPunct="1"/>
             <a:r>
-              <a:rPr lang="en-US" smtClean="0"/>
+              <a:rPr lang="en-US"/>
               <a:t>Fourth level</a:t>
             </a:r>
           </a:p>
           <a:p>
             <a:pPr lvl="4" eaLnBrk="1" latinLnBrk="0" hangingPunct="1"/>
             <a:r>
-              <a:rPr lang="en-US" smtClean="0"/>
+              <a:rPr lang="en-US"/>
               <a:t>Fifth level</a:t>
             </a:r>
             <a:endParaRPr kumimoji="0" lang="en-US"/>
@@ -1748,7 +1756,7 @@
             <a:fld id="{1D8BD707-D9CF-40AE-B4C6-C98DA3205C09}" type="datetimeFigureOut">
               <a:rPr lang="en-US" smtClean="0"/>
               <a:pPr/>
-              <a:t>2/21/2013</a:t>
+              <a:t>5/6/2025</a:t>
             </a:fld>
             <a:endParaRPr lang="en-US"/>
           </a:p>
@@ -1796,7 +1804,7 @@
             <a:fld id="{B6F15528-21DE-4FAA-801E-634DDDAF4B2B}" type="slidenum">
               <a:rPr lang="en-US" smtClean="0"/>
               <a:pPr/>
-              <a:t>‹#›</a:t>
+              <a:t>‹Nº›</a:t>
             </a:fld>
             <a:endParaRPr lang="en-US"/>
           </a:p>
@@ -1898,10 +1906,9 @@
           <a:lstStyle/>
           <a:p>
             <a:r>
-              <a:rPr kumimoji="0" lang="en-US" smtClean="0"/>
+              <a:rPr kumimoji="0" lang="en-US"/>
               <a:t>Click to edit Master title style</a:t>
             </a:r>
-            <a:endParaRPr kumimoji="0" lang="en-US"/>
           </a:p>
         </p:txBody>
       </p:sp>
@@ -1923,7 +1930,7 @@
             <a:fld id="{1D8BD707-D9CF-40AE-B4C6-C98DA3205C09}" type="datetimeFigureOut">
               <a:rPr lang="en-US" smtClean="0"/>
               <a:pPr/>
-              <a:t>2/21/2013</a:t>
+              <a:t>5/6/2025</a:t>
             </a:fld>
             <a:endParaRPr lang="en-US"/>
           </a:p>
@@ -1966,7 +1973,7 @@
             <a:fld id="{B6F15528-21DE-4FAA-801E-634DDDAF4B2B}" type="slidenum">
               <a:rPr lang="en-US" smtClean="0"/>
               <a:pPr/>
-              <a:t>‹#›</a:t>
+              <a:t>‹Nº›</a:t>
             </a:fld>
             <a:endParaRPr lang="en-US"/>
           </a:p>
@@ -2015,7 +2022,7 @@
             <a:fld id="{1D8BD707-D9CF-40AE-B4C6-C98DA3205C09}" type="datetimeFigureOut">
               <a:rPr lang="en-US" smtClean="0"/>
               <a:pPr/>
-              <a:t>2/21/2013</a:t>
+              <a:t>5/6/2025</a:t>
             </a:fld>
             <a:endParaRPr lang="en-US"/>
           </a:p>
@@ -2058,7 +2065,7 @@
             <a:fld id="{B6F15528-21DE-4FAA-801E-634DDDAF4B2B}" type="slidenum">
               <a:rPr lang="en-US" smtClean="0"/>
               <a:pPr/>
-              <a:t>‹#›</a:t>
+              <a:t>‹Nº›</a:t>
             </a:fld>
             <a:endParaRPr lang="en-US"/>
           </a:p>
@@ -2165,10 +2172,9 @@
           </a:lstStyle>
           <a:p>
             <a:r>
-              <a:rPr kumimoji="0" lang="en-US" smtClean="0"/>
+              <a:rPr kumimoji="0" lang="en-US"/>
               <a:t>Click to edit Master title style</a:t>
             </a:r>
-            <a:endParaRPr kumimoji="0" lang="en-US"/>
           </a:p>
         </p:txBody>
       </p:sp>
@@ -2215,7 +2221,7 @@
           <a:p>
             <a:pPr lvl="0" eaLnBrk="1" latinLnBrk="0" hangingPunct="1"/>
             <a:r>
-              <a:rPr kumimoji="0" lang="en-US" smtClean="0"/>
+              <a:rPr kumimoji="0" lang="en-US"/>
               <a:t>Click to edit Master text styles</a:t>
             </a:r>
           </a:p>
@@ -2259,35 +2265,35 @@
           <a:p>
             <a:pPr lvl="0" eaLnBrk="1" latinLnBrk="0" hangingPunct="1"/>
             <a:r>
-              <a:rPr lang="en-US" smtClean="0"/>
+              <a:rPr lang="en-US"/>
               <a:t>Click to edit Master text styles</a:t>
             </a:r>
           </a:p>
           <a:p>
             <a:pPr lvl="1" eaLnBrk="1" latinLnBrk="0" hangingPunct="1"/>
             <a:r>
-              <a:rPr lang="en-US" smtClean="0"/>
+              <a:rPr lang="en-US"/>
               <a:t>Second level</a:t>
             </a:r>
           </a:p>
           <a:p>
             <a:pPr lvl="2" eaLnBrk="1" latinLnBrk="0" hangingPunct="1"/>
             <a:r>
-              <a:rPr lang="en-US" smtClean="0"/>
+              <a:rPr lang="en-US"/>
               <a:t>Third level</a:t>
             </a:r>
           </a:p>
           <a:p>
             <a:pPr lvl="3" eaLnBrk="1" latinLnBrk="0" hangingPunct="1"/>
             <a:r>
-              <a:rPr lang="en-US" smtClean="0"/>
+              <a:rPr lang="en-US"/>
               <a:t>Fourth level</a:t>
             </a:r>
           </a:p>
           <a:p>
             <a:pPr lvl="4" eaLnBrk="1" latinLnBrk="0" hangingPunct="1"/>
             <a:r>
-              <a:rPr lang="en-US" smtClean="0"/>
+              <a:rPr lang="en-US"/>
               <a:t>Fifth level</a:t>
             </a:r>
             <a:endParaRPr kumimoji="0" lang="en-US"/>
@@ -2312,7 +2318,7 @@
             <a:fld id="{1D8BD707-D9CF-40AE-B4C6-C98DA3205C09}" type="datetimeFigureOut">
               <a:rPr lang="en-US" smtClean="0"/>
               <a:pPr/>
-              <a:t>2/21/2013</a:t>
+              <a:t>5/6/2025</a:t>
             </a:fld>
             <a:endParaRPr lang="en-US"/>
           </a:p>
@@ -2355,7 +2361,7 @@
             <a:fld id="{B6F15528-21DE-4FAA-801E-634DDDAF4B2B}" type="slidenum">
               <a:rPr lang="en-US" smtClean="0"/>
               <a:pPr/>
-              <a:t>‹#›</a:t>
+              <a:t>‹Nº›</a:t>
             </a:fld>
             <a:endParaRPr lang="en-US"/>
           </a:p>
@@ -2423,7 +2429,7 @@
           </a:lstStyle>
           <a:p>
             <a:r>
-              <a:rPr kumimoji="0" lang="en-US" smtClean="0"/>
+              <a:rPr kumimoji="0" lang="en-US"/>
               <a:t>Click icon to add picture</a:t>
             </a:r>
             <a:endParaRPr kumimoji="0" lang="en-US" dirty="0"/>
@@ -2448,7 +2454,7 @@
             <a:fld id="{1D8BD707-D9CF-40AE-B4C6-C98DA3205C09}" type="datetimeFigureOut">
               <a:rPr lang="en-US" smtClean="0"/>
               <a:pPr/>
-              <a:t>2/21/2013</a:t>
+              <a:t>5/6/2025</a:t>
             </a:fld>
             <a:endParaRPr lang="en-US"/>
           </a:p>
@@ -2491,7 +2497,7 @@
             <a:fld id="{B6F15528-21DE-4FAA-801E-634DDDAF4B2B}" type="slidenum">
               <a:rPr lang="en-US" smtClean="0"/>
               <a:pPr/>
-              <a:t>‹#›</a:t>
+              <a:t>‹Nº›</a:t>
             </a:fld>
             <a:endParaRPr lang="en-US"/>
           </a:p>
@@ -2523,10 +2529,9 @@
           </a:lstStyle>
           <a:p>
             <a:r>
-              <a:rPr kumimoji="0" lang="en-US" smtClean="0"/>
+              <a:rPr kumimoji="0" lang="en-US"/>
               <a:t>Click to edit Master title style</a:t>
             </a:r>
-            <a:endParaRPr kumimoji="0" lang="en-US"/>
           </a:p>
         </p:txBody>
       </p:sp>
@@ -2569,7 +2574,7 @@
           <a:p>
             <a:pPr lvl="0" eaLnBrk="1" latinLnBrk="0" hangingPunct="1"/>
             <a:r>
-              <a:rPr kumimoji="0" lang="en-US" smtClean="0"/>
+              <a:rPr kumimoji="0" lang="en-US"/>
               <a:t>Click to edit Master text styles</a:t>
             </a:r>
           </a:p>
@@ -2682,38 +2687,37 @@
           <a:p>
             <a:pPr lvl="0" eaLnBrk="1" latinLnBrk="0" hangingPunct="1"/>
             <a:r>
-              <a:rPr kumimoji="0" lang="en-US" smtClean="0"/>
+              <a:rPr kumimoji="0" lang="en-US"/>
               <a:t>Click to edit Master text styles</a:t>
             </a:r>
           </a:p>
           <a:p>
             <a:pPr lvl="1" eaLnBrk="1" latinLnBrk="0" hangingPunct="1"/>
             <a:r>
-              <a:rPr kumimoji="0" lang="en-US" smtClean="0"/>
+              <a:rPr kumimoji="0" lang="en-US"/>
               <a:t>Second level</a:t>
             </a:r>
           </a:p>
           <a:p>
             <a:pPr lvl="2" eaLnBrk="1" latinLnBrk="0" hangingPunct="1"/>
             <a:r>
-              <a:rPr kumimoji="0" lang="en-US" smtClean="0"/>
+              <a:rPr kumimoji="0" lang="en-US"/>
               <a:t>Third level</a:t>
             </a:r>
           </a:p>
           <a:p>
             <a:pPr lvl="3" eaLnBrk="1" latinLnBrk="0" hangingPunct="1"/>
             <a:r>
-              <a:rPr kumimoji="0" lang="en-US" smtClean="0"/>
+              <a:rPr kumimoji="0" lang="en-US"/>
               <a:t>Fourth level</a:t>
             </a:r>
           </a:p>
           <a:p>
             <a:pPr lvl="4" eaLnBrk="1" latinLnBrk="0" hangingPunct="1"/>
             <a:r>
-              <a:rPr kumimoji="0" lang="en-US" smtClean="0"/>
+              <a:rPr kumimoji="0" lang="en-US"/>
               <a:t>Fifth level</a:t>
             </a:r>
-            <a:endParaRPr kumimoji="0" lang="en-US"/>
           </a:p>
         </p:txBody>
       </p:sp>
@@ -2753,7 +2757,7 @@
             <a:fld id="{1D8BD707-D9CF-40AE-B4C6-C98DA3205C09}" type="datetimeFigureOut">
               <a:rPr lang="en-US" smtClean="0"/>
               <a:pPr/>
-              <a:t>2/21/2013</a:t>
+              <a:t>5/6/2025</a:t>
             </a:fld>
             <a:endParaRPr lang="en-US"/>
           </a:p>
@@ -2832,7 +2836,7 @@
             <a:fld id="{B6F15528-21DE-4FAA-801E-634DDDAF4B2B}" type="slidenum">
               <a:rPr lang="en-US" smtClean="0"/>
               <a:pPr/>
-              <a:t>‹#›</a:t>
+              <a:t>‹Nº›</a:t>
             </a:fld>
             <a:endParaRPr lang="en-US"/>
           </a:p>
@@ -2864,10 +2868,9 @@
           <a:lstStyle/>
           <a:p>
             <a:r>
-              <a:rPr kumimoji="0" lang="en-US" smtClean="0"/>
+              <a:rPr kumimoji="0" lang="en-US"/>
               <a:t>Click to edit Master title style</a:t>
             </a:r>
-            <a:endParaRPr kumimoji="0" lang="en-US"/>
           </a:p>
         </p:txBody>
       </p:sp>
@@ -3319,19 +3322,7 @@
               <a:rPr lang="en-US" dirty="0">
                 <a:effectLst/>
               </a:rPr>
-              <a:t>The R+-Tree: A Dynamic Index </a:t>
-            </a:r>
-            <a:r>
-              <a:rPr lang="en-US" dirty="0" smtClean="0">
-                <a:effectLst/>
-              </a:rPr>
-              <a:t>for Multi-Dimensional </a:t>
-            </a:r>
-            <a:r>
-              <a:rPr lang="en-US" dirty="0">
-                <a:effectLst/>
-              </a:rPr>
-              <a:t>Objects</a:t>
+              <a:t>The R+-Tree: A Dynamic Index for Multi-Dimensional Objects</a:t>
             </a:r>
           </a:p>
         </p:txBody>
@@ -3368,26 +3359,17 @@
               <a:t> </a:t>
             </a:r>
             <a:r>
-              <a:rPr lang="en-US" sz="2000" dirty="0" err="1" smtClean="0"/>
+              <a:rPr lang="en-US" sz="2000" dirty="0" err="1"/>
               <a:t>Sellis</a:t>
             </a:r>
             <a:r>
-              <a:rPr lang="en-US" sz="2000" dirty="0" smtClean="0"/>
+              <a:rPr lang="en-US" sz="2000" dirty="0"/>
               <a:t> (</a:t>
             </a:r>
             <a:r>
-              <a:rPr lang="en-US" sz="2000" i="1" dirty="0" smtClean="0"/>
-              <a:t>University </a:t>
-            </a:r>
-            <a:r>
               <a:rPr lang="en-US" sz="2000" i="1" dirty="0"/>
-              <a:t>of Maryland - College </a:t>
-            </a:r>
-            <a:r>
-              <a:rPr lang="en-US" sz="2000" i="1" dirty="0" smtClean="0"/>
-              <a:t>Park)</a:t>
-            </a:r>
-            <a:endParaRPr lang="en-US" sz="2000" i="1" dirty="0"/>
+              <a:t>University of Maryland - College Park)</a:t>
+            </a:r>
           </a:p>
           <a:p>
             <a:pPr algn="ctr"/>
@@ -3396,26 +3378,17 @@
               <a:t>Nick </a:t>
             </a:r>
             <a:r>
-              <a:rPr lang="en-US" sz="2000" dirty="0" err="1" smtClean="0"/>
+              <a:rPr lang="en-US" sz="2000" dirty="0" err="1"/>
               <a:t>Roussopoulos</a:t>
             </a:r>
             <a:r>
-              <a:rPr lang="en-US" sz="2000" dirty="0" smtClean="0"/>
+              <a:rPr lang="en-US" sz="2000" dirty="0"/>
               <a:t> (</a:t>
             </a:r>
             <a:r>
-              <a:rPr lang="en-US" sz="2000" i="1" dirty="0" smtClean="0"/>
-              <a:t>University </a:t>
-            </a:r>
-            <a:r>
               <a:rPr lang="en-US" sz="2000" i="1" dirty="0"/>
-              <a:t>of Maryland - College </a:t>
-            </a:r>
-            <a:r>
-              <a:rPr lang="en-US" sz="2000" i="1" dirty="0" smtClean="0"/>
-              <a:t>Park)</a:t>
-            </a:r>
-            <a:endParaRPr lang="en-US" sz="2000" i="1" dirty="0"/>
+              <a:t>University of Maryland - College Park)</a:t>
+            </a:r>
           </a:p>
           <a:p>
             <a:pPr algn="ctr"/>
@@ -3424,44 +3397,36 @@
               <a:t>Christos </a:t>
             </a:r>
             <a:r>
-              <a:rPr lang="en-US" sz="2000" dirty="0" err="1" smtClean="0"/>
+              <a:rPr lang="en-US" sz="2000" dirty="0" err="1"/>
               <a:t>Faloutsos</a:t>
             </a:r>
             <a:r>
-              <a:rPr lang="en-US" sz="2000" dirty="0" smtClean="0"/>
+              <a:rPr lang="en-US" sz="2000" dirty="0"/>
               <a:t> (</a:t>
             </a:r>
             <a:r>
-              <a:rPr lang="en-US" sz="2000" i="1" dirty="0" smtClean="0"/>
-              <a:t>Carnegie </a:t>
-            </a:r>
-            <a:r>
               <a:rPr lang="en-US" sz="2000" i="1" dirty="0"/>
-              <a:t>Mellon </a:t>
-            </a:r>
-            <a:r>
-              <a:rPr lang="en-US" sz="2000" i="1" dirty="0" smtClean="0"/>
-              <a:t>University)</a:t>
-            </a:r>
-          </a:p>
-          <a:p>
-            <a:endParaRPr lang="en-US" i="1" dirty="0" smtClean="0"/>
+              <a:t>Carnegie Mellon University)</a:t>
+            </a:r>
           </a:p>
           <a:p>
             <a:endParaRPr lang="en-US" i="1" dirty="0"/>
           </a:p>
           <a:p>
+            <a:endParaRPr lang="en-US" i="1" dirty="0"/>
+          </a:p>
+          <a:p>
             <a:pPr algn="r"/>
             <a:r>
-              <a:rPr lang="en-US" sz="2000" i="1" dirty="0" smtClean="0"/>
+              <a:rPr lang="en-US" sz="2000" i="1" dirty="0"/>
               <a:t>Presenter:  </a:t>
             </a:r>
             <a:r>
-              <a:rPr lang="en-US" sz="2000" i="1" dirty="0" err="1" smtClean="0"/>
+              <a:rPr lang="en-US" sz="2000" i="1" dirty="0" err="1"/>
               <a:t>Xunfei</a:t>
             </a:r>
             <a:r>
-              <a:rPr lang="en-US" sz="2000" i="1" dirty="0" smtClean="0"/>
+              <a:rPr lang="en-US" sz="2000" i="1" dirty="0"/>
               <a:t> Jiang</a:t>
             </a:r>
             <a:endParaRPr lang="en-US" sz="2000" dirty="0"/>
@@ -3478,13 +3443,6 @@
   <p:clrMapOvr>
     <a:masterClrMapping/>
   </p:clrMapOvr>
-  <p:timing>
-    <p:tnLst>
-      <p:par>
-        <p:cTn id="1" dur="indefinite" restart="never" nodeType="tmRoot"/>
-      </p:par>
-    </p:tnLst>
-  </p:timing>
 </p:sld>
 </file>
 
@@ -3521,14 +3479,11 @@
           <a:lstStyle/>
           <a:p>
             <a:r>
-              <a:rPr lang="en-US" dirty="0" smtClean="0">
+              <a:rPr lang="en-US" dirty="0">
                 <a:effectLst/>
               </a:rPr>
               <a:t>R Tree</a:t>
             </a:r>
-            <a:endParaRPr lang="en-US" dirty="0">
-              <a:effectLst/>
-            </a:endParaRPr>
           </a:p>
         </p:txBody>
       </p:sp>
@@ -3555,42 +3510,42 @@
           <a:lstStyle/>
           <a:p>
             <a:r>
-              <a:rPr lang="en-US" dirty="0" smtClean="0"/>
+              <a:rPr lang="en-US" dirty="0"/>
               <a:t>R-tree</a:t>
             </a:r>
           </a:p>
           <a:p>
             <a:pPr lvl="1"/>
             <a:r>
-              <a:rPr lang="en-US" dirty="0" smtClean="0"/>
+              <a:rPr lang="en-US" dirty="0"/>
               <a:t>Extension of B-tree in k-dimensions</a:t>
             </a:r>
           </a:p>
           <a:p>
             <a:pPr lvl="1"/>
             <a:r>
-              <a:rPr lang="en-US" dirty="0" smtClean="0"/>
+              <a:rPr lang="en-US" dirty="0"/>
               <a:t>Height-balanced tree</a:t>
             </a:r>
           </a:p>
           <a:p>
             <a:pPr lvl="1"/>
             <a:r>
-              <a:rPr lang="en-US" dirty="0" smtClean="0"/>
+              <a:rPr lang="en-US" dirty="0"/>
               <a:t>Components</a:t>
             </a:r>
           </a:p>
           <a:p>
             <a:pPr lvl="2"/>
             <a:r>
-              <a:rPr lang="en-US" dirty="0" smtClean="0"/>
+              <a:rPr lang="en-US" dirty="0"/>
               <a:t>Intermediate nodes: grouping rectangles</a:t>
             </a:r>
           </a:p>
           <a:p>
             <a:pPr lvl="2"/>
             <a:r>
-              <a:rPr lang="en-US" dirty="0" smtClean="0"/>
+              <a:rPr lang="en-US" dirty="0"/>
               <a:t>leaf nodes: data objects</a:t>
             </a:r>
           </a:p>
@@ -3598,14 +3553,14 @@
             <a:pPr lvl="1">
               <a:buNone/>
             </a:pPr>
-            <a:endParaRPr lang="en-US" dirty="0" smtClean="0"/>
+            <a:endParaRPr lang="en-US" dirty="0"/>
           </a:p>
           <a:p>
             <a:pPr lvl="1">
               <a:buNone/>
             </a:pPr>
             <a:r>
-              <a:rPr lang="en-US" dirty="0" smtClean="0"/>
+              <a:rPr lang="en-US" dirty="0"/>
               <a:t>Each intermediate node encloses all rectangles that are correspond to lower level nodes</a:t>
             </a:r>
           </a:p>
@@ -3948,10 +3903,9 @@
           <a:lstStyle/>
           <a:p>
             <a:r>
-              <a:rPr lang="en-US" dirty="0" smtClean="0"/>
+              <a:rPr lang="en-US" dirty="0"/>
               <a:t>R-tree</a:t>
             </a:r>
-            <a:endParaRPr lang="en-US" dirty="0"/>
           </a:p>
         </p:txBody>
       </p:sp>
@@ -4622,64 +4576,59 @@
           <a:lstStyle/>
           <a:p>
             <a:r>
-              <a:rPr lang="en-US" dirty="0" smtClean="0"/>
-              <a:t>Efficient </a:t>
-            </a:r>
-            <a:r>
               <a:rPr lang="en-US" dirty="0"/>
-              <a:t>R-tree </a:t>
-            </a:r>
-            <a:endParaRPr lang="en-US" dirty="0" smtClean="0"/>
+              <a:t>Efficient R-tree </a:t>
+            </a:r>
           </a:p>
           <a:p>
             <a:pPr lvl="1"/>
             <a:r>
-              <a:rPr lang="en-US" dirty="0" smtClean="0"/>
+              <a:rPr lang="en-US" dirty="0"/>
               <a:t>Minimize coverage</a:t>
             </a:r>
           </a:p>
           <a:p>
             <a:pPr lvl="2"/>
             <a:r>
-              <a:rPr lang="en-US" dirty="0" smtClean="0"/>
+              <a:rPr lang="en-US" dirty="0"/>
               <a:t>reduce dead space(i.e. empty space)</a:t>
             </a:r>
           </a:p>
           <a:p>
             <a:pPr lvl="1"/>
             <a:r>
-              <a:rPr lang="en-US" dirty="0" smtClean="0"/>
+              <a:rPr lang="en-US" dirty="0"/>
               <a:t>Minimize overlap</a:t>
             </a:r>
           </a:p>
           <a:p>
             <a:pPr lvl="2"/>
             <a:r>
-              <a:rPr lang="en-US" dirty="0" err="1" smtClean="0"/>
+              <a:rPr lang="en-US" dirty="0" err="1"/>
               <a:t>E.g</a:t>
             </a:r>
             <a:r>
-              <a:rPr lang="en-US" dirty="0" smtClean="0"/>
+              <a:rPr lang="en-US" dirty="0"/>
               <a:t>: search window w result in search both nodes A and B</a:t>
             </a:r>
           </a:p>
           <a:p>
             <a:r>
-              <a:rPr lang="en-US" dirty="0" smtClean="0"/>
+              <a:rPr lang="en-US" dirty="0"/>
               <a:t>Zero overlap &amp; coverage?</a:t>
             </a:r>
           </a:p>
           <a:p>
             <a:pPr lvl="1"/>
             <a:r>
-              <a:rPr lang="en-US" dirty="0" smtClean="0"/>
+              <a:rPr lang="en-US" dirty="0"/>
               <a:t>Achievable for data points that are  known in advance</a:t>
             </a:r>
           </a:p>
           <a:p>
             <a:pPr lvl="1"/>
             <a:r>
-              <a:rPr lang="en-US" dirty="0" smtClean="0"/>
+              <a:rPr lang="en-US" dirty="0"/>
               <a:t>Zero overlap is not attainable for region objects</a:t>
             </a:r>
           </a:p>
@@ -4879,10 +4828,9 @@
           <a:p>
             <a:pPr algn="ctr"/>
             <a:r>
-              <a:rPr lang="en-US" dirty="0" smtClean="0"/>
+              <a:rPr lang="en-US" dirty="0"/>
               <a:t>partition</a:t>
             </a:r>
-            <a:endParaRPr lang="en-US" dirty="0"/>
           </a:p>
         </p:txBody>
       </p:sp>
@@ -4927,18 +4875,13 @@
           <a:p>
             <a:pPr algn="ctr"/>
             <a:r>
-              <a:rPr lang="en-US" dirty="0" smtClean="0">
+              <a:rPr lang="en-US" dirty="0">
                 <a:solidFill>
                   <a:srgbClr val="FF0000"/>
                 </a:solidFill>
               </a:rPr>
               <a:t>Zero overlap</a:t>
             </a:r>
-            <a:endParaRPr lang="en-US" dirty="0">
-              <a:solidFill>
-                <a:srgbClr val="FF0000"/>
-              </a:solidFill>
-            </a:endParaRPr>
           </a:p>
         </p:txBody>
       </p:sp>
@@ -4984,21 +4927,8 @@
                   <a:srgbClr val="FF0000"/>
                 </a:solidFill>
               </a:rPr>
-              <a:t>R+ </a:t>
-            </a:r>
-            <a:r>
-              <a:rPr lang="en-US" dirty="0" smtClean="0">
-                <a:solidFill>
-                  <a:srgbClr val="FF0000"/>
-                </a:solidFill>
-              </a:rPr>
-              <a:t>Tree</a:t>
-            </a:r>
-            <a:endParaRPr lang="en-US" dirty="0">
-              <a:solidFill>
-                <a:srgbClr val="FF0000"/>
-              </a:solidFill>
-            </a:endParaRPr>
+              <a:t>R+ Tree</a:t>
+            </a:r>
           </a:p>
         </p:txBody>
       </p:sp>
@@ -5567,14 +5497,11 @@
           <a:lstStyle/>
           <a:p>
             <a:r>
-              <a:rPr lang="en-US" dirty="0" smtClean="0">
+              <a:rPr lang="en-US" dirty="0">
                 <a:effectLst/>
               </a:rPr>
               <a:t>R+ tree</a:t>
             </a:r>
-            <a:endParaRPr lang="en-US" dirty="0">
-              <a:effectLst/>
-            </a:endParaRPr>
           </a:p>
         </p:txBody>
       </p:sp>
@@ -5601,41 +5528,40 @@
           <a:lstStyle/>
           <a:p>
             <a:r>
-              <a:rPr lang="en-US" dirty="0" smtClean="0"/>
+              <a:rPr lang="en-US" dirty="0"/>
               <a:t>Whenever a data rectangle at a lower level overlaps with another rectangle, decompose it into two non-overlapping sub-rectangles</a:t>
             </a:r>
           </a:p>
           <a:p>
             <a:pPr lvl="1"/>
             <a:r>
-              <a:rPr lang="en-US" dirty="0" err="1" smtClean="0"/>
+              <a:rPr lang="en-US" dirty="0" err="1"/>
               <a:t>Eg</a:t>
             </a:r>
             <a:r>
-              <a:rPr lang="en-US" dirty="0" smtClean="0"/>
+              <a:rPr lang="en-US" dirty="0"/>
               <a:t>: Rectangle G is split into two sub-rectangles: one contained in node A; the other contained in node P.</a:t>
             </a:r>
           </a:p>
           <a:p>
             <a:r>
-              <a:rPr lang="en-US" dirty="0" smtClean="0"/>
+              <a:rPr lang="en-US" dirty="0"/>
               <a:t>Pros and cons:</a:t>
             </a:r>
           </a:p>
           <a:p>
             <a:pPr lvl="1"/>
             <a:r>
-              <a:rPr lang="en-US" dirty="0" smtClean="0"/>
+              <a:rPr lang="en-US" dirty="0"/>
               <a:t>time saving on searching</a:t>
             </a:r>
           </a:p>
           <a:p>
             <a:pPr lvl="1"/>
             <a:r>
-              <a:rPr lang="en-US" dirty="0" smtClean="0"/>
+              <a:rPr lang="en-US" dirty="0"/>
               <a:t>increase space cost</a:t>
             </a:r>
-            <a:endParaRPr lang="en-US" dirty="0"/>
           </a:p>
         </p:txBody>
       </p:sp>
@@ -5939,14 +5865,11 @@
           <a:lstStyle/>
           <a:p>
             <a:r>
-              <a:rPr lang="en-US" dirty="0" smtClean="0">
+              <a:rPr lang="en-US" dirty="0">
                 <a:effectLst/>
               </a:rPr>
               <a:t>R+ tree</a:t>
             </a:r>
-            <a:endParaRPr lang="en-US" dirty="0">
-              <a:effectLst/>
-            </a:endParaRPr>
           </a:p>
         </p:txBody>
       </p:sp>
@@ -5971,10 +5894,9 @@
           <a:lstStyle/>
           <a:p>
             <a:r>
-              <a:rPr lang="en-US" dirty="0" smtClean="0"/>
+              <a:rPr lang="en-US" dirty="0"/>
               <a:t>Structure</a:t>
             </a:r>
-            <a:endParaRPr lang="en-US" dirty="0"/>
           </a:p>
         </p:txBody>
       </p:sp>
@@ -6001,18 +5923,17 @@
           <a:lstStyle/>
           <a:p>
             <a:r>
-              <a:rPr lang="en-US" b="1" dirty="0" smtClean="0"/>
+              <a:rPr lang="en-US" b="1" dirty="0"/>
               <a:t>( </a:t>
             </a:r>
             <a:r>
-              <a:rPr lang="en-US" b="1" dirty="0" err="1" smtClean="0"/>
+              <a:rPr lang="en-US" b="1" dirty="0" err="1"/>
               <a:t>oid</a:t>
             </a:r>
             <a:r>
-              <a:rPr lang="en-US" b="1" dirty="0" smtClean="0"/>
+              <a:rPr lang="en-US" b="1" dirty="0"/>
               <a:t>, RECT)</a:t>
             </a:r>
-            <a:endParaRPr lang="en-US" b="1" dirty="0"/>
           </a:p>
         </p:txBody>
       </p:sp>
@@ -6039,7 +5960,7 @@
           <a:lstStyle/>
           <a:p>
             <a:r>
-              <a:rPr lang="en-US" b="1" dirty="0" smtClean="0">
+              <a:rPr lang="en-US" b="1" dirty="0">
                 <a:solidFill>
                   <a:srgbClr val="00B050"/>
                 </a:solidFill>
@@ -6047,7 +5968,7 @@
               <a:t>Leaf</a:t>
             </a:r>
             <a:r>
-              <a:rPr lang="en-US" dirty="0" smtClean="0">
+              <a:rPr lang="en-US" dirty="0">
                 <a:solidFill>
                   <a:srgbClr val="00B050"/>
                 </a:solidFill>
@@ -6055,18 +5976,13 @@
               <a:t> </a:t>
             </a:r>
             <a:r>
-              <a:rPr lang="en-US" b="1" dirty="0" smtClean="0">
+              <a:rPr lang="en-US" b="1" dirty="0">
                 <a:solidFill>
                   <a:srgbClr val="00B050"/>
                 </a:solidFill>
               </a:rPr>
               <a:t>node</a:t>
             </a:r>
-            <a:endParaRPr lang="en-US" b="1" dirty="0">
-              <a:solidFill>
-                <a:srgbClr val="00B050"/>
-              </a:solidFill>
-            </a:endParaRPr>
           </a:p>
         </p:txBody>
       </p:sp>
@@ -6093,18 +6009,13 @@
           <a:lstStyle/>
           <a:p>
             <a:r>
-              <a:rPr lang="en-US" b="1" dirty="0" smtClean="0">
+              <a:rPr lang="en-US" b="1" dirty="0">
                 <a:solidFill>
                   <a:srgbClr val="00B0F0"/>
                 </a:solidFill>
               </a:rPr>
               <a:t>Intermediate node</a:t>
             </a:r>
-            <a:endParaRPr lang="en-US" b="1" dirty="0">
-              <a:solidFill>
-                <a:srgbClr val="00B0F0"/>
-              </a:solidFill>
-            </a:endParaRPr>
           </a:p>
         </p:txBody>
       </p:sp>
@@ -6164,10 +6075,9 @@
           <a:lstStyle/>
           <a:p>
             <a:r>
-              <a:rPr lang="en-US" dirty="0" smtClean="0"/>
+              <a:rPr lang="en-US" dirty="0"/>
               <a:t>Data object</a:t>
             </a:r>
-            <a:endParaRPr lang="en-US" dirty="0"/>
           </a:p>
         </p:txBody>
       </p:sp>
@@ -6194,10 +6104,9 @@
           <a:lstStyle/>
           <a:p>
             <a:r>
-              <a:rPr lang="en-US" dirty="0" smtClean="0"/>
+              <a:rPr lang="en-US" dirty="0"/>
               <a:t>Bounds of  data objects</a:t>
             </a:r>
-            <a:endParaRPr lang="en-US" dirty="0"/>
           </a:p>
         </p:txBody>
       </p:sp>
@@ -6250,12 +6159,12 @@
           <a:graphicData uri="http://schemas.openxmlformats.org/presentationml/2006/ole">
             <mc:AlternateContent xmlns:mc="http://schemas.openxmlformats.org/markup-compatibility/2006">
               <mc:Choice xmlns:v="urn:schemas-microsoft-com:vml" Requires="v">
-                <p:oleObj spid="_x0000_s1090" name="Equation" r:id="rId3" imgW="1244600" imgH="241300" progId="Equation.3">
+                <p:oleObj name="Equation" r:id="rId2" imgW="1244600" imgH="241300" progId="Equation.3">
                   <p:embed/>
                 </p:oleObj>
               </mc:Choice>
               <mc:Fallback>
-                <p:oleObj name="Equation" r:id="rId3" imgW="1244600" imgH="241300" progId="Equation.3">
+                <p:oleObj name="Equation" r:id="rId2" imgW="1244600" imgH="241300" progId="Equation.3">
                   <p:embed/>
                   <p:pic>
                     <p:nvPicPr>
@@ -6266,7 +6175,7 @@
                       <p:nvPr/>
                     </p:nvPicPr>
                     <p:blipFill>
-                      <a:blip r:embed="rId4">
+                      <a:blip r:embed="rId3">
                         <a:extLst>
                           <a:ext uri="{28A0092B-C50C-407E-A947-70E740481C1C}">
                             <a14:useLocalDpi xmlns:a14="http://schemas.microsoft.com/office/drawing/2010/main" val="0"/>
@@ -6327,10 +6236,9 @@
           <a:lstStyle/>
           <a:p>
             <a:r>
-              <a:rPr lang="en-US" b="1" dirty="0" smtClean="0"/>
+              <a:rPr lang="en-US" b="1" dirty="0"/>
               <a:t>( p, RECT)</a:t>
             </a:r>
-            <a:endParaRPr lang="en-US" b="1" dirty="0"/>
           </a:p>
         </p:txBody>
       </p:sp>
@@ -6423,10 +6331,9 @@
           <a:lstStyle/>
           <a:p>
             <a:r>
-              <a:rPr lang="en-US" dirty="0" smtClean="0"/>
+              <a:rPr lang="en-US" dirty="0"/>
               <a:t>Pointer to a lower level node</a:t>
             </a:r>
-            <a:endParaRPr lang="en-US" dirty="0"/>
           </a:p>
         </p:txBody>
       </p:sp>
@@ -6453,10 +6360,9 @@
           <a:lstStyle/>
           <a:p>
             <a:r>
-              <a:rPr lang="en-US" dirty="0" smtClean="0"/>
+              <a:rPr lang="en-US" dirty="0"/>
               <a:t>Rectangle that encloses the nodes in lower level </a:t>
             </a:r>
-            <a:endParaRPr lang="en-US" dirty="0"/>
           </a:p>
         </p:txBody>
       </p:sp>
@@ -7176,14 +7082,11 @@
           <a:lstStyle/>
           <a:p>
             <a:r>
-              <a:rPr lang="en-US" dirty="0" smtClean="0">
+              <a:rPr lang="en-US" dirty="0">
                 <a:effectLst/>
               </a:rPr>
               <a:t>R+ tree</a:t>
             </a:r>
-            <a:endParaRPr lang="en-US" dirty="0">
-              <a:effectLst/>
-            </a:endParaRPr>
           </a:p>
         </p:txBody>
       </p:sp>
@@ -7232,7 +7135,7 @@
               <a:defRPr/>
             </a:pPr>
             <a:r>
-              <a:rPr kumimoji="0" lang="en-US" sz="3200" b="0" i="0" u="none" strike="noStrike" kern="1200" cap="none" spc="0" normalizeH="0" baseline="0" noProof="0" dirty="0" smtClean="0">
+              <a:rPr kumimoji="0" lang="en-US" sz="3200" b="0" i="0" u="none" strike="noStrike" kern="1200" cap="none" spc="0" normalizeH="0" baseline="0" noProof="0" dirty="0">
                 <a:ln>
                   <a:noFill/>
                 </a:ln>
@@ -7252,147 +7155,147 @@
           <a:p>
             <a:pPr lvl="1"/>
             <a:r>
-              <a:rPr lang="en-US" dirty="0" smtClean="0"/>
+              <a:rPr lang="en-US" dirty="0"/>
               <a:t>(1) For each entry (</a:t>
             </a:r>
             <a:r>
-              <a:rPr lang="en-US" i="1" dirty="0" smtClean="0"/>
+              <a:rPr lang="en-US" i="1" dirty="0"/>
               <a:t>p, RECT ) in an intermediate </a:t>
             </a:r>
             <a:r>
-              <a:rPr lang="en-US" dirty="0" smtClean="0"/>
+              <a:rPr lang="en-US" dirty="0"/>
               <a:t>node, the sub-tree rooted at the node pointed to by </a:t>
             </a:r>
             <a:r>
-              <a:rPr lang="en-US" i="1" dirty="0" smtClean="0"/>
+              <a:rPr lang="en-US" i="1" dirty="0"/>
               <a:t>p contains a rectangle R if and only if R is </a:t>
             </a:r>
             <a:r>
-              <a:rPr lang="en-US" dirty="0" smtClean="0"/>
+              <a:rPr lang="en-US" dirty="0"/>
               <a:t>covered by </a:t>
             </a:r>
             <a:r>
-              <a:rPr lang="en-US" i="1" dirty="0" smtClean="0"/>
+              <a:rPr lang="en-US" i="1" dirty="0"/>
               <a:t>RECT. </a:t>
             </a:r>
           </a:p>
           <a:p>
             <a:pPr lvl="2"/>
             <a:r>
-              <a:rPr lang="en-US" i="1" dirty="0" smtClean="0"/>
+              <a:rPr lang="en-US" i="1" dirty="0"/>
               <a:t>Exception: R is a rectangle at a leaf node  -&gt; R </a:t>
             </a:r>
             <a:r>
-              <a:rPr lang="en-US" dirty="0" smtClean="0"/>
+              <a:rPr lang="en-US" dirty="0"/>
               <a:t>must just overlap with </a:t>
             </a:r>
             <a:r>
-              <a:rPr lang="en-US" i="1" dirty="0" smtClean="0"/>
+              <a:rPr lang="en-US" i="1" dirty="0"/>
               <a:t>RECT.</a:t>
             </a:r>
           </a:p>
           <a:p>
             <a:pPr lvl="1"/>
-            <a:endParaRPr lang="en-US" i="1" dirty="0" smtClean="0"/>
+            <a:endParaRPr lang="en-US" i="1" dirty="0"/>
           </a:p>
           <a:p>
             <a:pPr lvl="1"/>
             <a:r>
-              <a:rPr lang="en-US" dirty="0" smtClean="0"/>
+              <a:rPr lang="en-US" dirty="0"/>
               <a:t>(2) For any two entries (</a:t>
             </a:r>
             <a:r>
-              <a:rPr lang="en-US" i="1" dirty="0" smtClean="0"/>
+              <a:rPr lang="en-US" i="1" dirty="0"/>
               <a:t>p</a:t>
             </a:r>
             <a:r>
-              <a:rPr lang="en-US" sz="1000" i="1" dirty="0" smtClean="0"/>
+              <a:rPr lang="en-US" sz="1000" i="1" dirty="0"/>
               <a:t>1</a:t>
             </a:r>
             <a:r>
-              <a:rPr lang="en-US" i="1" dirty="0" smtClean="0"/>
+              <a:rPr lang="en-US" i="1" dirty="0"/>
               <a:t>,RECT</a:t>
             </a:r>
             <a:r>
-              <a:rPr lang="en-US" sz="1100" i="1" dirty="0" smtClean="0"/>
+              <a:rPr lang="en-US" sz="1100" i="1" dirty="0"/>
               <a:t>1</a:t>
             </a:r>
             <a:r>
-              <a:rPr lang="en-US" i="1" dirty="0" smtClean="0"/>
+              <a:rPr lang="en-US" i="1" dirty="0"/>
               <a:t>) and </a:t>
             </a:r>
             <a:r>
-              <a:rPr lang="en-US" dirty="0" smtClean="0"/>
+              <a:rPr lang="en-US" dirty="0"/>
               <a:t>(</a:t>
             </a:r>
             <a:r>
-              <a:rPr lang="en-US" i="1" dirty="0" smtClean="0"/>
+              <a:rPr lang="en-US" i="1" dirty="0"/>
               <a:t>p</a:t>
             </a:r>
             <a:r>
-              <a:rPr lang="en-US" sz="1100" i="1" dirty="0" smtClean="0"/>
+              <a:rPr lang="en-US" sz="1100" i="1" dirty="0"/>
               <a:t>2</a:t>
             </a:r>
             <a:r>
-              <a:rPr lang="en-US" i="1" dirty="0" smtClean="0"/>
+              <a:rPr lang="en-US" i="1" dirty="0"/>
               <a:t>,RECT</a:t>
             </a:r>
             <a:r>
-              <a:rPr lang="en-US" sz="1100" i="1" dirty="0" smtClean="0"/>
+              <a:rPr lang="en-US" sz="1100" i="1" dirty="0"/>
               <a:t>2</a:t>
             </a:r>
             <a:r>
-              <a:rPr lang="en-US" i="1" dirty="0" smtClean="0"/>
+              <a:rPr lang="en-US" i="1" dirty="0"/>
               <a:t>) of an intermediate node, the overlap </a:t>
             </a:r>
             <a:r>
-              <a:rPr lang="en-US" dirty="0" smtClean="0"/>
+              <a:rPr lang="en-US" dirty="0"/>
               <a:t>between </a:t>
             </a:r>
             <a:r>
-              <a:rPr lang="en-US" i="1" dirty="0" smtClean="0"/>
+              <a:rPr lang="en-US" i="1" dirty="0"/>
               <a:t>RECT</a:t>
             </a:r>
             <a:r>
-              <a:rPr lang="en-US" sz="1100" i="1" dirty="0" smtClean="0"/>
+              <a:rPr lang="en-US" sz="1100" i="1" dirty="0"/>
               <a:t>1 </a:t>
             </a:r>
             <a:r>
-              <a:rPr lang="en-US" i="1" dirty="0" smtClean="0"/>
+              <a:rPr lang="en-US" i="1" dirty="0"/>
               <a:t>and RECT</a:t>
             </a:r>
             <a:r>
-              <a:rPr lang="en-US" sz="1100" i="1" dirty="0" smtClean="0"/>
+              <a:rPr lang="en-US" sz="1100" i="1" dirty="0"/>
               <a:t>2</a:t>
             </a:r>
             <a:r>
-              <a:rPr lang="en-US" sz="400" i="1" dirty="0" smtClean="0"/>
+              <a:rPr lang="en-US" sz="400" i="1" dirty="0"/>
               <a:t>  </a:t>
             </a:r>
             <a:r>
-              <a:rPr lang="en-US" i="1" dirty="0" smtClean="0"/>
+              <a:rPr lang="en-US" i="1" dirty="0"/>
               <a:t>is zero.</a:t>
             </a:r>
           </a:p>
           <a:p>
             <a:pPr lvl="1"/>
-            <a:endParaRPr lang="en-US" i="1" dirty="0" smtClean="0"/>
+            <a:endParaRPr lang="en-US" i="1" dirty="0"/>
           </a:p>
           <a:p>
             <a:pPr lvl="1"/>
             <a:r>
-              <a:rPr lang="en-US" dirty="0" smtClean="0"/>
+              <a:rPr lang="en-US" dirty="0"/>
               <a:t>(3) The root has at least two children unless it is a leaf.</a:t>
             </a:r>
           </a:p>
           <a:p>
             <a:pPr lvl="1"/>
-            <a:endParaRPr lang="en-US" dirty="0" smtClean="0"/>
+            <a:endParaRPr lang="en-US" dirty="0"/>
           </a:p>
           <a:p>
             <a:pPr lvl="1"/>
             <a:r>
-              <a:rPr lang="en-US" dirty="0" smtClean="0"/>
+              <a:rPr lang="en-US" dirty="0"/>
               <a:t>(4) All leaves are at the same level.</a:t>
             </a:r>
             <a:endParaRPr kumimoji="0" lang="en-US" sz="5600" b="0" i="0" u="none" strike="noStrike" kern="1200" cap="none" spc="0" normalizeH="0" baseline="0" noProof="0" dirty="0">
@@ -7417,13 +7320,6 @@
   <p:clrMapOvr>
     <a:masterClrMapping/>
   </p:clrMapOvr>
-  <p:timing>
-    <p:tnLst>
-      <p:par>
-        <p:cTn id="1" dur="indefinite" restart="never" nodeType="tmRoot"/>
-      </p:par>
-    </p:tnLst>
-  </p:timing>
 </p:sld>
 </file>
 
@@ -7463,14 +7359,11 @@
           <a:p>
             <a:pPr algn="ctr"/>
             <a:r>
-              <a:rPr lang="en-US" dirty="0" smtClean="0">
+              <a:rPr lang="en-US" dirty="0">
                 <a:effectLst/>
               </a:rPr>
               <a:t>Search</a:t>
             </a:r>
-            <a:endParaRPr lang="en-US" dirty="0">
-              <a:effectLst/>
-            </a:endParaRPr>
           </a:p>
         </p:txBody>
       </p:sp>
@@ -7494,7 +7387,7 @@
           <a:bodyPr/>
           <a:lstStyle/>
           <a:p>
-            <a:endParaRPr lang="en-US" dirty="0" smtClean="0"/>
+            <a:endParaRPr lang="en-US" dirty="0"/>
           </a:p>
         </p:txBody>
       </p:sp>
@@ -7626,18 +7519,13 @@
           <a:lstStyle/>
           <a:p>
             <a:r>
-              <a:rPr lang="en-US" dirty="0" smtClean="0">
+              <a:rPr lang="en-US" dirty="0">
                 <a:solidFill>
                   <a:srgbClr val="00B0F0"/>
                 </a:solidFill>
               </a:rPr>
               <a:t>Search(R,W)</a:t>
             </a:r>
-            <a:endParaRPr lang="en-US" dirty="0">
-              <a:solidFill>
-                <a:srgbClr val="00B0F0"/>
-              </a:solidFill>
-            </a:endParaRPr>
           </a:p>
         </p:txBody>
       </p:sp>
@@ -7664,18 +7552,13 @@
           <a:lstStyle/>
           <a:p>
             <a:r>
-              <a:rPr lang="en-US" dirty="0" smtClean="0">
+              <a:rPr lang="en-US" dirty="0">
                 <a:solidFill>
                   <a:srgbClr val="00B0F0"/>
                 </a:solidFill>
               </a:rPr>
               <a:t>Search(P,W)</a:t>
             </a:r>
-            <a:endParaRPr lang="en-US" dirty="0">
-              <a:solidFill>
-                <a:srgbClr val="00B0F0"/>
-              </a:solidFill>
-            </a:endParaRPr>
           </a:p>
         </p:txBody>
       </p:sp>
@@ -7812,18 +7695,13 @@
           <a:lstStyle/>
           <a:p>
             <a:r>
-              <a:rPr lang="en-US" dirty="0" smtClean="0">
+              <a:rPr lang="en-US" dirty="0">
                 <a:solidFill>
                   <a:srgbClr val="00B0F0"/>
                 </a:solidFill>
               </a:rPr>
               <a:t>Search(H,W)</a:t>
             </a:r>
-            <a:endParaRPr lang="en-US" dirty="0">
-              <a:solidFill>
-                <a:srgbClr val="00B0F0"/>
-              </a:solidFill>
-            </a:endParaRPr>
           </a:p>
         </p:txBody>
       </p:sp>
@@ -7890,18 +7768,13 @@
           <a:lstStyle/>
           <a:p>
             <a:r>
-              <a:rPr lang="en-US" dirty="0" smtClean="0">
+              <a:rPr lang="en-US" dirty="0">
                 <a:solidFill>
                   <a:srgbClr val="00B050"/>
                 </a:solidFill>
               </a:rPr>
               <a:t>H</a:t>
             </a:r>
-            <a:endParaRPr lang="en-US" dirty="0">
-              <a:solidFill>
-                <a:srgbClr val="00B050"/>
-              </a:solidFill>
-            </a:endParaRPr>
           </a:p>
         </p:txBody>
       </p:sp>
@@ -8597,14 +8470,11 @@
           <a:p>
             <a:pPr algn="ctr"/>
             <a:r>
-              <a:rPr lang="en-US" dirty="0" smtClean="0">
+              <a:rPr lang="en-US" dirty="0">
                 <a:effectLst/>
               </a:rPr>
               <a:t>Insert</a:t>
             </a:r>
-            <a:endParaRPr lang="en-US" dirty="0">
-              <a:effectLst/>
-            </a:endParaRPr>
           </a:p>
         </p:txBody>
       </p:sp>
@@ -8699,10 +8569,9 @@
           <a:p>
             <a:pPr algn="ctr"/>
             <a:r>
-              <a:rPr lang="en-US" sz="1000" dirty="0" smtClean="0"/>
+              <a:rPr lang="en-US" sz="1000" dirty="0"/>
               <a:t>IR</a:t>
             </a:r>
-            <a:endParaRPr lang="en-US" sz="1000" dirty="0"/>
           </a:p>
         </p:txBody>
       </p:sp>
@@ -8804,10 +8673,9 @@
               <a:p>
                 <a:pPr algn="ctr"/>
                 <a:r>
-                  <a:rPr lang="en-US" dirty="0" smtClean="0"/>
+                  <a:rPr lang="en-US" dirty="0"/>
                   <a:t>A</a:t>
                 </a:r>
-                <a:endParaRPr lang="en-US" dirty="0"/>
               </a:p>
             </p:txBody>
           </p:sp>
@@ -8848,10 +8716,9 @@
               <a:p>
                 <a:pPr algn="ctr"/>
                 <a:r>
-                  <a:rPr lang="en-US" dirty="0" smtClean="0"/>
+                  <a:rPr lang="en-US" dirty="0"/>
                   <a:t>B</a:t>
                 </a:r>
-                <a:endParaRPr lang="en-US" dirty="0"/>
               </a:p>
             </p:txBody>
           </p:sp>
@@ -8892,10 +8759,9 @@
               <a:p>
                 <a:pPr algn="ctr"/>
                 <a:r>
-                  <a:rPr lang="en-US" dirty="0" smtClean="0"/>
+                  <a:rPr lang="en-US" dirty="0"/>
                   <a:t>C</a:t>
                 </a:r>
-                <a:endParaRPr lang="en-US" dirty="0"/>
               </a:p>
             </p:txBody>
           </p:sp>
@@ -8936,10 +8802,9 @@
               <a:p>
                 <a:pPr algn="ctr"/>
                 <a:r>
-                  <a:rPr lang="en-US" dirty="0" smtClean="0"/>
+                  <a:rPr lang="en-US" dirty="0"/>
                   <a:t>P</a:t>
                 </a:r>
-                <a:endParaRPr lang="en-US" dirty="0"/>
               </a:p>
             </p:txBody>
           </p:sp>
@@ -8980,10 +8845,9 @@
               <a:p>
                 <a:pPr algn="ctr"/>
                 <a:r>
-                  <a:rPr lang="en-US" dirty="0" smtClean="0"/>
+                  <a:rPr lang="en-US" dirty="0"/>
                   <a:t>D</a:t>
                 </a:r>
-                <a:endParaRPr lang="en-US" dirty="0"/>
               </a:p>
             </p:txBody>
           </p:sp>
@@ -9024,10 +8888,9 @@
               <a:p>
                 <a:pPr algn="ctr"/>
                 <a:r>
-                  <a:rPr lang="en-US" dirty="0" smtClean="0"/>
+                  <a:rPr lang="en-US" dirty="0"/>
                   <a:t>E</a:t>
                 </a:r>
-                <a:endParaRPr lang="en-US" dirty="0"/>
               </a:p>
             </p:txBody>
           </p:sp>
@@ -9068,10 +8931,9 @@
               <a:p>
                 <a:pPr algn="ctr"/>
                 <a:r>
-                  <a:rPr lang="en-US" dirty="0" smtClean="0"/>
+                  <a:rPr lang="en-US" dirty="0"/>
                   <a:t>F</a:t>
                 </a:r>
-                <a:endParaRPr lang="en-US" dirty="0"/>
               </a:p>
             </p:txBody>
           </p:sp>
@@ -9112,10 +8974,9 @@
               <a:p>
                 <a:pPr algn="ctr"/>
                 <a:r>
-                  <a:rPr lang="en-US" dirty="0" smtClean="0"/>
+                  <a:rPr lang="en-US" dirty="0"/>
                   <a:t>G1</a:t>
                 </a:r>
-                <a:endParaRPr lang="en-US" dirty="0"/>
               </a:p>
             </p:txBody>
           </p:sp>
@@ -9156,10 +9017,9 @@
               <a:p>
                 <a:pPr algn="ctr"/>
                 <a:r>
-                  <a:rPr lang="en-US" dirty="0" smtClean="0"/>
+                  <a:rPr lang="en-US" dirty="0"/>
                   <a:t>K</a:t>
                 </a:r>
-                <a:endParaRPr lang="en-US" dirty="0"/>
               </a:p>
             </p:txBody>
           </p:sp>
@@ -9200,10 +9060,9 @@
               <a:p>
                 <a:pPr algn="ctr"/>
                 <a:r>
-                  <a:rPr lang="en-US" dirty="0" smtClean="0"/>
+                  <a:rPr lang="en-US" dirty="0"/>
                   <a:t>I</a:t>
                 </a:r>
-                <a:endParaRPr lang="en-US" dirty="0"/>
               </a:p>
             </p:txBody>
           </p:sp>
@@ -9244,10 +9103,9 @@
               <a:p>
                 <a:pPr algn="ctr"/>
                 <a:r>
-                  <a:rPr lang="en-US" dirty="0" smtClean="0"/>
+                  <a:rPr lang="en-US" dirty="0"/>
                   <a:t>J</a:t>
                 </a:r>
-                <a:endParaRPr lang="en-US" dirty="0"/>
               </a:p>
             </p:txBody>
           </p:sp>
@@ -9288,10 +9146,9 @@
               <a:p>
                 <a:pPr algn="ctr"/>
                 <a:r>
-                  <a:rPr lang="en-US" dirty="0" smtClean="0"/>
+                  <a:rPr lang="en-US" dirty="0"/>
                   <a:t>H</a:t>
                 </a:r>
-                <a:endParaRPr lang="en-US" dirty="0"/>
               </a:p>
             </p:txBody>
           </p:sp>
@@ -9332,10 +9189,9 @@
               <a:p>
                 <a:pPr algn="ctr"/>
                 <a:r>
-                  <a:rPr lang="en-US" dirty="0" smtClean="0"/>
+                  <a:rPr lang="en-US" dirty="0"/>
                   <a:t>M</a:t>
                 </a:r>
-                <a:endParaRPr lang="en-US" dirty="0"/>
               </a:p>
             </p:txBody>
           </p:sp>
@@ -9376,10 +9232,9 @@
               <a:p>
                 <a:pPr algn="ctr"/>
                 <a:r>
-                  <a:rPr lang="en-US" dirty="0" smtClean="0"/>
+                  <a:rPr lang="en-US" dirty="0"/>
                   <a:t>N</a:t>
                 </a:r>
-                <a:endParaRPr lang="en-US" dirty="0"/>
               </a:p>
             </p:txBody>
           </p:sp>
@@ -9420,10 +9275,9 @@
               <a:p>
                 <a:pPr algn="ctr"/>
                 <a:r>
-                  <a:rPr lang="en-US" dirty="0" smtClean="0"/>
+                  <a:rPr lang="en-US" dirty="0"/>
                   <a:t>L</a:t>
                 </a:r>
-                <a:endParaRPr lang="en-US" dirty="0"/>
               </a:p>
             </p:txBody>
           </p:sp>
@@ -9464,10 +9318,9 @@
               <a:p>
                 <a:pPr algn="ctr"/>
                 <a:r>
-                  <a:rPr lang="en-US" dirty="0" smtClean="0"/>
+                  <a:rPr lang="en-US" dirty="0"/>
                   <a:t>G2</a:t>
                 </a:r>
-                <a:endParaRPr lang="en-US" dirty="0"/>
               </a:p>
             </p:txBody>
           </p:sp>
@@ -9615,10 +9468,9 @@
           <a:p>
             <a:pPr algn="ctr"/>
             <a:r>
-              <a:rPr lang="en-US" sz="1000" dirty="0" smtClean="0"/>
+              <a:rPr lang="en-US" sz="1000" dirty="0"/>
               <a:t>IR</a:t>
             </a:r>
-            <a:endParaRPr lang="en-US" sz="1000" dirty="0"/>
           </a:p>
         </p:txBody>
       </p:sp>
@@ -9710,7 +9562,7 @@
           <a:p>
             <a:pPr algn="ctr"/>
             <a:r>
-              <a:rPr lang="en-US" dirty="0" err="1" smtClean="0">
+              <a:rPr lang="en-US" dirty="0" err="1">
                 <a:solidFill>
                   <a:srgbClr val="FF0000"/>
                 </a:solidFill>
@@ -10524,14 +10376,11 @@
           <a:p>
             <a:pPr algn="ctr"/>
             <a:r>
-              <a:rPr lang="en-US" dirty="0" smtClean="0">
+              <a:rPr lang="en-US" dirty="0">
                 <a:effectLst/>
               </a:rPr>
               <a:t>Deletion</a:t>
             </a:r>
-            <a:endParaRPr lang="en-US" dirty="0">
-              <a:effectLst/>
-            </a:endParaRPr>
           </a:p>
         </p:txBody>
       </p:sp>
@@ -10663,10 +10512,9 @@
               <a:p>
                 <a:pPr algn="ctr"/>
                 <a:r>
-                  <a:rPr lang="en-US" dirty="0" smtClean="0"/>
+                  <a:rPr lang="en-US" dirty="0"/>
                   <a:t>A</a:t>
                 </a:r>
-                <a:endParaRPr lang="en-US" dirty="0"/>
               </a:p>
             </p:txBody>
           </p:sp>
@@ -10707,10 +10555,9 @@
               <a:p>
                 <a:pPr algn="ctr"/>
                 <a:r>
-                  <a:rPr lang="en-US" dirty="0" smtClean="0"/>
+                  <a:rPr lang="en-US" dirty="0"/>
                   <a:t>B</a:t>
                 </a:r>
-                <a:endParaRPr lang="en-US" dirty="0"/>
               </a:p>
             </p:txBody>
           </p:sp>
@@ -10751,10 +10598,9 @@
               <a:p>
                 <a:pPr algn="ctr"/>
                 <a:r>
-                  <a:rPr lang="en-US" dirty="0" smtClean="0"/>
+                  <a:rPr lang="en-US" dirty="0"/>
                   <a:t>C</a:t>
                 </a:r>
-                <a:endParaRPr lang="en-US" dirty="0"/>
               </a:p>
             </p:txBody>
           </p:sp>
@@ -10795,10 +10641,9 @@
               <a:p>
                 <a:pPr algn="ctr"/>
                 <a:r>
-                  <a:rPr lang="en-US" dirty="0" smtClean="0"/>
+                  <a:rPr lang="en-US" dirty="0"/>
                   <a:t>P</a:t>
                 </a:r>
-                <a:endParaRPr lang="en-US" dirty="0"/>
               </a:p>
             </p:txBody>
           </p:sp>
@@ -10839,10 +10684,9 @@
               <a:p>
                 <a:pPr algn="ctr"/>
                 <a:r>
-                  <a:rPr lang="en-US" dirty="0" smtClean="0"/>
+                  <a:rPr lang="en-US" dirty="0"/>
                   <a:t>D</a:t>
                 </a:r>
-                <a:endParaRPr lang="en-US" dirty="0"/>
               </a:p>
             </p:txBody>
           </p:sp>
@@ -10883,10 +10727,9 @@
               <a:p>
                 <a:pPr algn="ctr"/>
                 <a:r>
-                  <a:rPr lang="en-US" dirty="0" smtClean="0"/>
+                  <a:rPr lang="en-US" dirty="0"/>
                   <a:t>E</a:t>
                 </a:r>
-                <a:endParaRPr lang="en-US" dirty="0"/>
               </a:p>
             </p:txBody>
           </p:sp>
@@ -10927,10 +10770,9 @@
               <a:p>
                 <a:pPr algn="ctr"/>
                 <a:r>
-                  <a:rPr lang="en-US" dirty="0" smtClean="0"/>
+                  <a:rPr lang="en-US" dirty="0"/>
                   <a:t>F</a:t>
                 </a:r>
-                <a:endParaRPr lang="en-US" dirty="0"/>
               </a:p>
             </p:txBody>
           </p:sp>
@@ -10971,10 +10813,9 @@
               <a:p>
                 <a:pPr algn="ctr"/>
                 <a:r>
-                  <a:rPr lang="en-US" dirty="0" smtClean="0"/>
+                  <a:rPr lang="en-US" dirty="0"/>
                   <a:t>G1</a:t>
                 </a:r>
-                <a:endParaRPr lang="en-US" dirty="0"/>
               </a:p>
             </p:txBody>
           </p:sp>
@@ -11015,10 +10856,9 @@
               <a:p>
                 <a:pPr algn="ctr"/>
                 <a:r>
-                  <a:rPr lang="en-US" dirty="0" smtClean="0"/>
+                  <a:rPr lang="en-US" dirty="0"/>
                   <a:t>K</a:t>
                 </a:r>
-                <a:endParaRPr lang="en-US" dirty="0"/>
               </a:p>
             </p:txBody>
           </p:sp>
@@ -11059,10 +10899,9 @@
               <a:p>
                 <a:pPr algn="ctr"/>
                 <a:r>
-                  <a:rPr lang="en-US" dirty="0" smtClean="0"/>
+                  <a:rPr lang="en-US" dirty="0"/>
                   <a:t>I</a:t>
                 </a:r>
-                <a:endParaRPr lang="en-US" dirty="0"/>
               </a:p>
             </p:txBody>
           </p:sp>
@@ -11103,10 +10942,9 @@
               <a:p>
                 <a:pPr algn="ctr"/>
                 <a:r>
-                  <a:rPr lang="en-US" dirty="0" smtClean="0"/>
+                  <a:rPr lang="en-US" dirty="0"/>
                   <a:t>J</a:t>
                 </a:r>
-                <a:endParaRPr lang="en-US" dirty="0"/>
               </a:p>
             </p:txBody>
           </p:sp>
@@ -11147,10 +10985,9 @@
               <a:p>
                 <a:pPr algn="ctr"/>
                 <a:r>
-                  <a:rPr lang="en-US" dirty="0" smtClean="0"/>
+                  <a:rPr lang="en-US" dirty="0"/>
                   <a:t>H</a:t>
                 </a:r>
-                <a:endParaRPr lang="en-US" dirty="0"/>
               </a:p>
             </p:txBody>
           </p:sp>
@@ -11191,10 +11028,9 @@
               <a:p>
                 <a:pPr algn="ctr"/>
                 <a:r>
-                  <a:rPr lang="en-US" dirty="0" smtClean="0"/>
+                  <a:rPr lang="en-US" dirty="0"/>
                   <a:t>M</a:t>
                 </a:r>
-                <a:endParaRPr lang="en-US" dirty="0"/>
               </a:p>
             </p:txBody>
           </p:sp>
@@ -11235,10 +11071,9 @@
               <a:p>
                 <a:pPr algn="ctr"/>
                 <a:r>
-                  <a:rPr lang="en-US" dirty="0" smtClean="0"/>
+                  <a:rPr lang="en-US" dirty="0"/>
                   <a:t>N</a:t>
                 </a:r>
-                <a:endParaRPr lang="en-US" dirty="0"/>
               </a:p>
             </p:txBody>
           </p:sp>
@@ -11279,10 +11114,9 @@
               <a:p>
                 <a:pPr algn="ctr"/>
                 <a:r>
-                  <a:rPr lang="en-US" dirty="0" smtClean="0"/>
+                  <a:rPr lang="en-US" dirty="0"/>
                   <a:t>L</a:t>
                 </a:r>
-                <a:endParaRPr lang="en-US" dirty="0"/>
               </a:p>
             </p:txBody>
           </p:sp>
@@ -11323,10 +11157,9 @@
               <a:p>
                 <a:pPr algn="ctr"/>
                 <a:r>
-                  <a:rPr lang="en-US" dirty="0" smtClean="0"/>
+                  <a:rPr lang="en-US" dirty="0"/>
                   <a:t>G2</a:t>
                 </a:r>
-                <a:endParaRPr lang="en-US" dirty="0"/>
               </a:p>
             </p:txBody>
           </p:sp>
@@ -11535,10 +11368,9 @@
               <a:p>
                 <a:pPr algn="ctr"/>
                 <a:r>
-                  <a:rPr lang="en-US" dirty="0" smtClean="0"/>
+                  <a:rPr lang="en-US" dirty="0"/>
                   <a:t>A</a:t>
                 </a:r>
-                <a:endParaRPr lang="en-US" dirty="0"/>
               </a:p>
             </p:txBody>
           </p:sp>
@@ -11579,10 +11411,9 @@
               <a:p>
                 <a:pPr algn="ctr"/>
                 <a:r>
-                  <a:rPr lang="en-US" dirty="0" smtClean="0"/>
+                  <a:rPr lang="en-US" dirty="0"/>
                   <a:t>B</a:t>
                 </a:r>
-                <a:endParaRPr lang="en-US" dirty="0"/>
               </a:p>
             </p:txBody>
           </p:sp>
@@ -11623,10 +11454,9 @@
               <a:p>
                 <a:pPr algn="ctr"/>
                 <a:r>
-                  <a:rPr lang="en-US" dirty="0" smtClean="0"/>
+                  <a:rPr lang="en-US" dirty="0"/>
                   <a:t>C</a:t>
                 </a:r>
-                <a:endParaRPr lang="en-US" dirty="0"/>
               </a:p>
             </p:txBody>
           </p:sp>
@@ -11667,10 +11497,9 @@
               <a:p>
                 <a:pPr algn="ctr"/>
                 <a:r>
-                  <a:rPr lang="en-US" dirty="0" smtClean="0"/>
+                  <a:rPr lang="en-US" dirty="0"/>
                   <a:t>P</a:t>
                 </a:r>
-                <a:endParaRPr lang="en-US" dirty="0"/>
               </a:p>
             </p:txBody>
           </p:sp>
@@ -11711,10 +11540,9 @@
               <a:p>
                 <a:pPr algn="ctr"/>
                 <a:r>
-                  <a:rPr lang="en-US" dirty="0" smtClean="0"/>
+                  <a:rPr lang="en-US" dirty="0"/>
                   <a:t>D</a:t>
                 </a:r>
-                <a:endParaRPr lang="en-US" dirty="0"/>
               </a:p>
             </p:txBody>
           </p:sp>
@@ -11755,10 +11583,9 @@
               <a:p>
                 <a:pPr algn="ctr"/>
                 <a:r>
-                  <a:rPr lang="en-US" dirty="0" smtClean="0"/>
+                  <a:rPr lang="en-US" dirty="0"/>
                   <a:t>E</a:t>
                 </a:r>
-                <a:endParaRPr lang="en-US" dirty="0"/>
               </a:p>
             </p:txBody>
           </p:sp>
@@ -11799,10 +11626,9 @@
               <a:p>
                 <a:pPr algn="ctr"/>
                 <a:r>
-                  <a:rPr lang="en-US" dirty="0" smtClean="0"/>
+                  <a:rPr lang="en-US" dirty="0"/>
                   <a:t>F</a:t>
                 </a:r>
-                <a:endParaRPr lang="en-US" dirty="0"/>
               </a:p>
             </p:txBody>
           </p:sp>
@@ -11843,10 +11669,9 @@
               <a:p>
                 <a:pPr algn="ctr"/>
                 <a:r>
-                  <a:rPr lang="en-US" dirty="0" smtClean="0"/>
+                  <a:rPr lang="en-US" dirty="0"/>
                   <a:t>K</a:t>
                 </a:r>
-                <a:endParaRPr lang="en-US" dirty="0"/>
               </a:p>
             </p:txBody>
           </p:sp>
@@ -11887,10 +11712,9 @@
               <a:p>
                 <a:pPr algn="ctr"/>
                 <a:r>
-                  <a:rPr lang="en-US" dirty="0" smtClean="0"/>
+                  <a:rPr lang="en-US" dirty="0"/>
                   <a:t>I</a:t>
                 </a:r>
-                <a:endParaRPr lang="en-US" dirty="0"/>
               </a:p>
             </p:txBody>
           </p:sp>
@@ -11931,10 +11755,9 @@
               <a:p>
                 <a:pPr algn="ctr"/>
                 <a:r>
-                  <a:rPr lang="en-US" dirty="0" smtClean="0"/>
+                  <a:rPr lang="en-US" dirty="0"/>
                   <a:t>J</a:t>
                 </a:r>
-                <a:endParaRPr lang="en-US" dirty="0"/>
               </a:p>
             </p:txBody>
           </p:sp>
@@ -11975,10 +11798,9 @@
               <a:p>
                 <a:pPr algn="ctr"/>
                 <a:r>
-                  <a:rPr lang="en-US" dirty="0" smtClean="0"/>
+                  <a:rPr lang="en-US" dirty="0"/>
                   <a:t>H</a:t>
                 </a:r>
-                <a:endParaRPr lang="en-US" dirty="0"/>
               </a:p>
             </p:txBody>
           </p:sp>
@@ -12019,10 +11841,9 @@
               <a:p>
                 <a:pPr algn="ctr"/>
                 <a:r>
-                  <a:rPr lang="en-US" dirty="0" smtClean="0"/>
+                  <a:rPr lang="en-US" dirty="0"/>
                   <a:t>M</a:t>
                 </a:r>
-                <a:endParaRPr lang="en-US" dirty="0"/>
               </a:p>
             </p:txBody>
           </p:sp>
@@ -12063,10 +11884,9 @@
               <a:p>
                 <a:pPr algn="ctr"/>
                 <a:r>
-                  <a:rPr lang="en-US" dirty="0" smtClean="0"/>
+                  <a:rPr lang="en-US" dirty="0"/>
                   <a:t>N</a:t>
                 </a:r>
-                <a:endParaRPr lang="en-US" dirty="0"/>
               </a:p>
             </p:txBody>
           </p:sp>
@@ -12107,10 +11927,9 @@
               <a:p>
                 <a:pPr algn="ctr"/>
                 <a:r>
-                  <a:rPr lang="en-US" dirty="0" smtClean="0"/>
+                  <a:rPr lang="en-US" dirty="0"/>
                   <a:t>L</a:t>
                 </a:r>
-                <a:endParaRPr lang="en-US" dirty="0"/>
               </a:p>
             </p:txBody>
           </p:sp>
@@ -12151,10 +11970,9 @@
               <a:p>
                 <a:pPr algn="ctr"/>
                 <a:r>
-                  <a:rPr lang="en-US" dirty="0" smtClean="0"/>
+                  <a:rPr lang="en-US" dirty="0"/>
                   <a:t>G2</a:t>
                 </a:r>
-                <a:endParaRPr lang="en-US" dirty="0"/>
               </a:p>
             </p:txBody>
           </p:sp>
@@ -12340,10 +12158,9 @@
           <a:p>
             <a:pPr algn="ctr"/>
             <a:r>
-              <a:rPr lang="en-US" dirty="0" smtClean="0"/>
+              <a:rPr lang="en-US" dirty="0"/>
               <a:t>Delete G1</a:t>
             </a:r>
-            <a:endParaRPr lang="en-US" dirty="0"/>
           </a:p>
         </p:txBody>
       </p:sp>
@@ -12445,10 +12262,9 @@
               <a:p>
                 <a:pPr algn="ctr"/>
                 <a:r>
-                  <a:rPr lang="en-US" dirty="0" smtClean="0"/>
+                  <a:rPr lang="en-US" dirty="0"/>
                   <a:t>A</a:t>
                 </a:r>
-                <a:endParaRPr lang="en-US" dirty="0"/>
               </a:p>
             </p:txBody>
           </p:sp>
@@ -12489,10 +12305,9 @@
               <a:p>
                 <a:pPr algn="ctr"/>
                 <a:r>
-                  <a:rPr lang="en-US" dirty="0" smtClean="0"/>
+                  <a:rPr lang="en-US" dirty="0"/>
                   <a:t>B</a:t>
                 </a:r>
-                <a:endParaRPr lang="en-US" dirty="0"/>
               </a:p>
             </p:txBody>
           </p:sp>
@@ -12533,10 +12348,9 @@
               <a:p>
                 <a:pPr algn="ctr"/>
                 <a:r>
-                  <a:rPr lang="en-US" dirty="0" smtClean="0"/>
+                  <a:rPr lang="en-US" dirty="0"/>
                   <a:t>C</a:t>
                 </a:r>
-                <a:endParaRPr lang="en-US" dirty="0"/>
               </a:p>
             </p:txBody>
           </p:sp>
@@ -12577,10 +12391,9 @@
               <a:p>
                 <a:pPr algn="ctr"/>
                 <a:r>
-                  <a:rPr lang="en-US" dirty="0" smtClean="0"/>
+                  <a:rPr lang="en-US" dirty="0"/>
                   <a:t>P</a:t>
                 </a:r>
-                <a:endParaRPr lang="en-US" dirty="0"/>
               </a:p>
             </p:txBody>
           </p:sp>
@@ -12621,10 +12434,9 @@
               <a:p>
                 <a:pPr algn="ctr"/>
                 <a:r>
-                  <a:rPr lang="en-US" dirty="0" smtClean="0"/>
+                  <a:rPr lang="en-US" dirty="0"/>
                   <a:t>D</a:t>
                 </a:r>
-                <a:endParaRPr lang="en-US" dirty="0"/>
               </a:p>
             </p:txBody>
           </p:sp>
@@ -12665,10 +12477,9 @@
               <a:p>
                 <a:pPr algn="ctr"/>
                 <a:r>
-                  <a:rPr lang="en-US" dirty="0" smtClean="0"/>
+                  <a:rPr lang="en-US" dirty="0"/>
                   <a:t>E</a:t>
                 </a:r>
-                <a:endParaRPr lang="en-US" dirty="0"/>
               </a:p>
             </p:txBody>
           </p:sp>
@@ -12709,10 +12520,9 @@
               <a:p>
                 <a:pPr algn="ctr"/>
                 <a:r>
-                  <a:rPr lang="en-US" dirty="0" smtClean="0"/>
+                  <a:rPr lang="en-US" dirty="0"/>
                   <a:t>F</a:t>
                 </a:r>
-                <a:endParaRPr lang="en-US" dirty="0"/>
               </a:p>
             </p:txBody>
           </p:sp>
@@ -12753,10 +12563,9 @@
               <a:p>
                 <a:pPr algn="ctr"/>
                 <a:r>
-                  <a:rPr lang="en-US" dirty="0" smtClean="0"/>
+                  <a:rPr lang="en-US" dirty="0"/>
                   <a:t>K</a:t>
                 </a:r>
-                <a:endParaRPr lang="en-US" dirty="0"/>
               </a:p>
             </p:txBody>
           </p:sp>
@@ -12797,10 +12606,9 @@
               <a:p>
                 <a:pPr algn="ctr"/>
                 <a:r>
-                  <a:rPr lang="en-US" dirty="0" smtClean="0"/>
+                  <a:rPr lang="en-US" dirty="0"/>
                   <a:t>I</a:t>
                 </a:r>
-                <a:endParaRPr lang="en-US" dirty="0"/>
               </a:p>
             </p:txBody>
           </p:sp>
@@ -12841,10 +12649,9 @@
               <a:p>
                 <a:pPr algn="ctr"/>
                 <a:r>
-                  <a:rPr lang="en-US" dirty="0" smtClean="0"/>
+                  <a:rPr lang="en-US" dirty="0"/>
                   <a:t>J</a:t>
                 </a:r>
-                <a:endParaRPr lang="en-US" dirty="0"/>
               </a:p>
             </p:txBody>
           </p:sp>
@@ -12885,10 +12692,9 @@
               <a:p>
                 <a:pPr algn="ctr"/>
                 <a:r>
-                  <a:rPr lang="en-US" dirty="0" smtClean="0"/>
+                  <a:rPr lang="en-US" dirty="0"/>
                   <a:t>H</a:t>
                 </a:r>
-                <a:endParaRPr lang="en-US" dirty="0"/>
               </a:p>
             </p:txBody>
           </p:sp>
@@ -12929,10 +12735,9 @@
               <a:p>
                 <a:pPr algn="ctr"/>
                 <a:r>
-                  <a:rPr lang="en-US" dirty="0" smtClean="0"/>
+                  <a:rPr lang="en-US" dirty="0"/>
                   <a:t>M</a:t>
                 </a:r>
-                <a:endParaRPr lang="en-US" dirty="0"/>
               </a:p>
             </p:txBody>
           </p:sp>
@@ -12973,10 +12778,9 @@
               <a:p>
                 <a:pPr algn="ctr"/>
                 <a:r>
-                  <a:rPr lang="en-US" dirty="0" smtClean="0"/>
+                  <a:rPr lang="en-US" dirty="0"/>
                   <a:t>N</a:t>
                 </a:r>
-                <a:endParaRPr lang="en-US" dirty="0"/>
               </a:p>
             </p:txBody>
           </p:sp>
@@ -13017,10 +12821,9 @@
               <a:p>
                 <a:pPr algn="ctr"/>
                 <a:r>
-                  <a:rPr lang="en-US" dirty="0" smtClean="0"/>
+                  <a:rPr lang="en-US" dirty="0"/>
                   <a:t>L</a:t>
                 </a:r>
-                <a:endParaRPr lang="en-US" dirty="0"/>
               </a:p>
             </p:txBody>
           </p:sp>
@@ -13166,10 +12969,9 @@
           <a:p>
             <a:pPr algn="ctr"/>
             <a:r>
-              <a:rPr lang="en-US" dirty="0" smtClean="0"/>
+              <a:rPr lang="en-US" dirty="0"/>
               <a:t>Delete G2</a:t>
             </a:r>
-            <a:endParaRPr lang="en-US" dirty="0"/>
           </a:p>
         </p:txBody>
       </p:sp>
@@ -13210,10 +13012,9 @@
           <a:p>
             <a:pPr algn="ctr"/>
             <a:r>
-              <a:rPr lang="en-US" dirty="0" smtClean="0"/>
+              <a:rPr lang="en-US" dirty="0"/>
               <a:t>NEED ADJUST</a:t>
             </a:r>
-            <a:endParaRPr lang="en-US" dirty="0"/>
           </a:p>
         </p:txBody>
       </p:sp>
@@ -14112,7 +13913,7 @@
           <a:p>
             <a:pPr algn="ctr"/>
             <a:r>
-              <a:rPr lang="en-US" dirty="0" smtClean="0">
+              <a:rPr lang="en-US" dirty="0">
                 <a:effectLst/>
               </a:rPr>
               <a:t>Node Splitting</a:t>
@@ -14147,16 +13948,12 @@
               <a:buNone/>
             </a:pPr>
             <a:r>
-              <a:rPr lang="en-US" sz="1800" i="1" dirty="0" smtClean="0"/>
+              <a:rPr lang="en-US" sz="1800" i="1" dirty="0"/>
               <a:t>Input</a:t>
             </a:r>
             <a:r>
-              <a:rPr lang="en-US" sz="1800" dirty="0" smtClean="0"/>
-              <a:t>: A </a:t>
-            </a:r>
-            <a:r>
               <a:rPr lang="en-US" sz="1800" dirty="0"/>
-              <a:t>node </a:t>
+              <a:t>: A node </a:t>
             </a:r>
             <a:r>
               <a:rPr lang="en-US" sz="1800" i="1" dirty="0"/>
@@ -14172,16 +13969,12 @@
               <a:buNone/>
             </a:pPr>
             <a:r>
-              <a:rPr lang="en-US" sz="1800" i="1" dirty="0" smtClean="0"/>
+              <a:rPr lang="en-US" sz="1800" i="1" dirty="0"/>
               <a:t>Output</a:t>
             </a:r>
             <a:r>
-              <a:rPr lang="en-US" sz="1800" dirty="0" smtClean="0"/>
-              <a:t>: The </a:t>
-            </a:r>
-            <a:r>
               <a:rPr lang="en-US" sz="1800" dirty="0"/>
-              <a:t>new R+-tree</a:t>
+              <a:t>: The new R+-tree</a:t>
             </a:r>
           </a:p>
           <a:p>
@@ -14193,16 +13986,8 @@
               <a:t>Method</a:t>
             </a:r>
             <a:r>
-              <a:rPr lang="en-US" sz="1800" dirty="0" smtClean="0"/>
+              <a:rPr lang="en-US" sz="1800" dirty="0"/>
               <a:t>: </a:t>
-            </a:r>
-            <a:r>
-              <a:rPr lang="en-US" sz="1800" b="1" dirty="0" smtClean="0">
-                <a:solidFill>
-                  <a:srgbClr val="00B0F0"/>
-                </a:solidFill>
-              </a:rPr>
-              <a:t>[SN1]Find </a:t>
             </a:r>
             <a:r>
               <a:rPr lang="en-US" sz="1800" b="1" dirty="0">
@@ -14210,55 +13995,7 @@
                   <a:srgbClr val="00B0F0"/>
                 </a:solidFill>
               </a:rPr>
-              <a:t>a partition for the node to be split, </a:t>
-            </a:r>
-            <a:r>
-              <a:rPr lang="en-US" sz="1800" b="1" dirty="0" smtClean="0">
-                <a:solidFill>
-                  <a:srgbClr val="00B0F0"/>
-                </a:solidFill>
-              </a:rPr>
-              <a:t>[SN2]create two new </a:t>
-            </a:r>
-            <a:r>
-              <a:rPr lang="en-US" sz="1800" b="1" dirty="0">
-                <a:solidFill>
-                  <a:srgbClr val="00B0F0"/>
-                </a:solidFill>
-              </a:rPr>
-              <a:t>nodes and, if needed, </a:t>
-            </a:r>
-            <a:r>
-              <a:rPr lang="en-US" sz="1800" b="1" dirty="0" smtClean="0">
-                <a:solidFill>
-                  <a:srgbClr val="00B0F0"/>
-                </a:solidFill>
-              </a:rPr>
-              <a:t>[SN3]propagate </a:t>
-            </a:r>
-            <a:r>
-              <a:rPr lang="en-US" sz="1800" b="1" dirty="0">
-                <a:solidFill>
-                  <a:srgbClr val="00B0F0"/>
-                </a:solidFill>
-              </a:rPr>
-              <a:t>the </a:t>
-            </a:r>
-            <a:r>
-              <a:rPr lang="en-US" sz="1800" b="1" dirty="0" smtClean="0">
-                <a:solidFill>
-                  <a:srgbClr val="00B0F0"/>
-                </a:solidFill>
-              </a:rPr>
-              <a:t>split upward </a:t>
-            </a:r>
-            <a:r>
-              <a:rPr lang="en-US" sz="1800" b="1" dirty="0">
-                <a:solidFill>
-                  <a:srgbClr val="00B0F0"/>
-                </a:solidFill>
-              </a:rPr>
-              <a:t>and downward</a:t>
+              <a:t>[SN1]Find a partition for the node to be split, [SN2]create two new nodes and, if needed, [SN3]propagate the split upward and downward</a:t>
             </a:r>
           </a:p>
           <a:p>
@@ -14296,26 +14033,21 @@
             </a:r>
             <a:r>
               <a:rPr lang="en-US" sz="2000" dirty="0"/>
-              <a:t>routine of </a:t>
-            </a:r>
-            <a:r>
-              <a:rPr lang="en-US" sz="2000" dirty="0" smtClean="0"/>
-              <a:t>the </a:t>
-            </a:r>
-            <a:r>
-              <a:rPr lang="en-US" sz="2000" b="1" dirty="0" smtClean="0"/>
+              <a:t>routine of the </a:t>
+            </a:r>
+            <a:r>
+              <a:rPr lang="en-US" sz="2000" b="1" dirty="0"/>
               <a:t>Pack </a:t>
             </a:r>
             <a:r>
               <a:rPr lang="en-US" sz="2000" dirty="0"/>
               <a:t>algorithm (see next section). </a:t>
             </a:r>
-            <a:endParaRPr lang="en-US" sz="2000" dirty="0" smtClean="0"/>
           </a:p>
           <a:p>
             <a:pPr lvl="2"/>
             <a:r>
-              <a:rPr lang="en-US" sz="2000" dirty="0" smtClean="0"/>
+              <a:rPr lang="en-US" sz="2000" dirty="0"/>
               <a:t>Partition node R (p, RECT), let </a:t>
             </a:r>
             <a:r>
@@ -14332,34 +14064,18 @@
             </a:r>
             <a:r>
               <a:rPr lang="en-US" sz="2000" dirty="0"/>
-              <a:t>2 denote </a:t>
-            </a:r>
-            <a:r>
-              <a:rPr lang="en-US" sz="2000" dirty="0" smtClean="0"/>
-              <a:t>the two </a:t>
-            </a:r>
-            <a:r>
-              <a:rPr lang="en-US" sz="2000" dirty="0"/>
-              <a:t>sub-regions resulting after the partition</a:t>
-            </a:r>
-            <a:r>
-              <a:rPr lang="en-US" sz="2000" dirty="0" smtClean="0"/>
-              <a:t>. Create two nodes:</a:t>
+              <a:t>2 denote the two sub-regions resulting after the partition. Create two nodes:</a:t>
             </a:r>
           </a:p>
           <a:p>
             <a:pPr lvl="3"/>
             <a:r>
-              <a:rPr lang="en-US" sz="1600" i="1" dirty="0" smtClean="0"/>
+              <a:rPr lang="en-US" sz="1600" i="1" dirty="0"/>
               <a:t>n</a:t>
             </a:r>
             <a:r>
-              <a:rPr lang="en-US" sz="1600" dirty="0" smtClean="0"/>
-              <a:t>1</a:t>
-            </a:r>
-            <a:r>
               <a:rPr lang="en-US" sz="1600" dirty="0"/>
-              <a:t>=(</a:t>
+              <a:t>1=(</a:t>
             </a:r>
             <a:r>
               <a:rPr lang="en-US" sz="1600" i="1" dirty="0"/>
@@ -14375,77 +14091,65 @@
             </a:r>
             <a:r>
               <a:rPr lang="en-US" sz="1600" dirty="0"/>
-              <a:t>1</a:t>
-            </a:r>
-            <a:r>
-              <a:rPr lang="en-US" sz="1600" dirty="0" smtClean="0"/>
-              <a:t>)</a:t>
+              <a:t>1)</a:t>
             </a:r>
           </a:p>
           <a:p>
             <a:pPr lvl="3"/>
             <a:r>
-              <a:rPr lang="en-US" sz="1600" i="1" dirty="0" smtClean="0"/>
+              <a:rPr lang="en-US" sz="1600" i="1" dirty="0"/>
               <a:t>n</a:t>
             </a:r>
             <a:r>
-              <a:rPr lang="en-US" sz="1600" dirty="0" smtClean="0"/>
-              <a:t>2</a:t>
-            </a:r>
-            <a:r>
               <a:rPr lang="en-US" sz="1600" dirty="0"/>
-              <a:t>=(</a:t>
-            </a:r>
-            <a:r>
-              <a:rPr lang="en-US" sz="1600" i="1" dirty="0" smtClean="0"/>
+              <a:t>2=(</a:t>
+            </a:r>
+            <a:r>
+              <a:rPr lang="en-US" sz="1600" i="1" dirty="0"/>
               <a:t>p</a:t>
             </a:r>
             <a:r>
-              <a:rPr lang="en-US" sz="1600" dirty="0" smtClean="0"/>
+              <a:rPr lang="en-US" sz="1600" dirty="0"/>
               <a:t>2,</a:t>
             </a:r>
             <a:r>
-              <a:rPr lang="en-US" sz="1600" i="1" dirty="0" smtClean="0"/>
+              <a:rPr lang="en-US" sz="1600" i="1" dirty="0"/>
               <a:t>RECT</a:t>
             </a:r>
             <a:r>
-              <a:rPr lang="en-US" sz="1600" dirty="0" smtClean="0"/>
+              <a:rPr lang="en-US" sz="1600" dirty="0"/>
               <a:t>2)</a:t>
             </a:r>
           </a:p>
           <a:p>
             <a:pPr lvl="3"/>
             <a:r>
-              <a:rPr lang="en-US" sz="1200" i="1" dirty="0" err="1" smtClean="0"/>
+              <a:rPr lang="en-US" sz="1200" i="1" dirty="0" err="1"/>
               <a:t>RECTi</a:t>
             </a:r>
             <a:r>
-              <a:rPr lang="en-US" sz="1600" dirty="0" smtClean="0"/>
+              <a:rPr lang="en-US" sz="1600" dirty="0"/>
               <a:t>=</a:t>
             </a:r>
             <a:r>
-              <a:rPr lang="en-US" sz="1200" i="1" dirty="0" smtClean="0"/>
+              <a:rPr lang="en-US" sz="1200" i="1" dirty="0"/>
               <a:t>RECT ∩ Si</a:t>
             </a:r>
             <a:r>
-              <a:rPr lang="en-US" sz="1600" i="1" dirty="0" smtClean="0"/>
+              <a:rPr lang="en-US" sz="1600" i="1" dirty="0"/>
               <a:t> </a:t>
             </a:r>
             <a:r>
-              <a:rPr lang="en-US" sz="1600" dirty="0" smtClean="0"/>
+              <a:rPr lang="en-US" sz="1600" dirty="0"/>
               <a:t>(</a:t>
             </a:r>
             <a:r>
-              <a:rPr lang="en-US" sz="1600" i="1" dirty="0" err="1" smtClean="0"/>
+              <a:rPr lang="en-US" sz="1600" i="1" dirty="0" err="1"/>
               <a:t>i</a:t>
             </a:r>
             <a:r>
-              <a:rPr lang="en-US" sz="1600" dirty="0" smtClean="0"/>
-              <a:t>=1,2</a:t>
-            </a:r>
-            <a:r>
               <a:rPr lang="en-US" sz="1600" dirty="0"/>
-              <a:t>)</a:t>
+              <a:t>=1,2)</a:t>
             </a:r>
           </a:p>
         </p:txBody>
@@ -14487,10 +14191,9 @@
           <a:p>
             <a:pPr algn="ctr"/>
             <a:r>
-              <a:rPr lang="en-US" dirty="0" smtClean="0"/>
+              <a:rPr lang="en-US" dirty="0"/>
               <a:t>p, RECT</a:t>
             </a:r>
-            <a:endParaRPr lang="en-US" dirty="0"/>
           </a:p>
         </p:txBody>
       </p:sp>
@@ -14531,10 +14234,9 @@
           <a:p>
             <a:pPr algn="ctr"/>
             <a:r>
-              <a:rPr lang="en-US" b="1" dirty="0" smtClean="0"/>
+              <a:rPr lang="en-US" b="1" dirty="0"/>
               <a:t>p1, RECT1</a:t>
             </a:r>
-            <a:endParaRPr lang="en-US" b="1" dirty="0"/>
           </a:p>
         </p:txBody>
       </p:sp>
@@ -14575,10 +14277,9 @@
           <a:p>
             <a:pPr algn="ctr"/>
             <a:r>
-              <a:rPr lang="en-US" dirty="0" smtClean="0"/>
+              <a:rPr lang="en-US" dirty="0"/>
               <a:t>p2, RECT2</a:t>
             </a:r>
-            <a:endParaRPr lang="en-US" dirty="0"/>
           </a:p>
         </p:txBody>
       </p:sp>
@@ -14677,10 +14378,9 @@
           <a:lstStyle/>
           <a:p>
             <a:r>
-              <a:rPr lang="en-US" dirty="0" smtClean="0"/>
+              <a:rPr lang="en-US" dirty="0"/>
               <a:t>n1</a:t>
             </a:r>
-            <a:endParaRPr lang="en-US" dirty="0"/>
           </a:p>
         </p:txBody>
       </p:sp>
@@ -14707,10 +14407,9 @@
           <a:lstStyle/>
           <a:p>
             <a:r>
-              <a:rPr lang="en-US" dirty="0" smtClean="0"/>
+              <a:rPr lang="en-US" dirty="0"/>
               <a:t>n2</a:t>
             </a:r>
-            <a:endParaRPr lang="en-US" dirty="0"/>
           </a:p>
         </p:txBody>
       </p:sp>
@@ -15123,19 +14822,15 @@
           <a:lstStyle/>
           <a:p>
             <a:r>
-              <a:rPr lang="en-US" dirty="0" smtClean="0"/>
+              <a:rPr lang="en-US" dirty="0"/>
               <a:t>Data Categories</a:t>
             </a:r>
           </a:p>
           <a:p>
             <a:pPr lvl="1"/>
             <a:r>
-              <a:rPr lang="en-US" dirty="0" smtClean="0"/>
-              <a:t>One-dimensional </a:t>
-            </a:r>
-            <a:r>
               <a:rPr lang="en-US" dirty="0"/>
-              <a:t>data</a:t>
+              <a:t>One-dimensional data</a:t>
             </a:r>
           </a:p>
           <a:p>
@@ -15205,13 +14900,6 @@
   <p:clrMapOvr>
     <a:masterClrMapping/>
   </p:clrMapOvr>
-  <p:timing>
-    <p:tnLst>
-      <p:par>
-        <p:cTn id="1" dur="indefinite" restart="never" nodeType="tmRoot"/>
-      </p:par>
-    </p:tnLst>
-  </p:timing>
 </p:sld>
 </file>
 
@@ -15298,84 +14986,55 @@
             <a:pPr lvl="2"/>
             <a:r>
               <a:rPr lang="en-US" dirty="0"/>
-              <a:t>Put </a:t>
-            </a:r>
-            <a:r>
-              <a:rPr lang="en-US" dirty="0" smtClean="0"/>
-              <a:t>all the sub-nodes of R into </a:t>
-            </a:r>
-            <a:r>
-              <a:rPr lang="en-US" dirty="0" err="1" smtClean="0"/>
+              <a:t>Put all the sub-nodes of R into </a:t>
+            </a:r>
+            <a:r>
+              <a:rPr lang="en-US" dirty="0" err="1"/>
               <a:t>n</a:t>
             </a:r>
             <a:r>
-              <a:rPr lang="en-US" sz="1600" dirty="0" err="1" smtClean="0"/>
+              <a:rPr lang="en-US" sz="1600" dirty="0" err="1"/>
               <a:t>i</a:t>
             </a:r>
             <a:r>
-              <a:rPr lang="en-US" sz="1600" dirty="0" smtClean="0"/>
+              <a:rPr lang="en-US" sz="1600" dirty="0"/>
               <a:t> </a:t>
             </a:r>
             <a:r>
-              <a:rPr lang="en-US" dirty="0" smtClean="0"/>
+              <a:rPr lang="en-US" dirty="0"/>
               <a:t>( </a:t>
             </a:r>
             <a:r>
-              <a:rPr lang="en-US" dirty="0" err="1" smtClean="0"/>
+              <a:rPr lang="en-US" dirty="0" err="1"/>
               <a:t>i</a:t>
             </a:r>
             <a:r>
-              <a:rPr lang="en-US" dirty="0" smtClean="0"/>
+              <a:rPr lang="en-US" dirty="0"/>
               <a:t> = 1,2 ) </a:t>
             </a:r>
           </a:p>
           <a:p>
             <a:pPr lvl="2"/>
             <a:r>
-              <a:rPr lang="en-US" dirty="0" smtClean="0"/>
-              <a:t>For </a:t>
-            </a:r>
-            <a:r>
               <a:rPr lang="en-US" dirty="0"/>
-              <a:t>those </a:t>
-            </a:r>
-            <a:r>
-              <a:rPr lang="en-US" dirty="0" smtClean="0"/>
-              <a:t>nodes(</a:t>
-            </a:r>
-            <a:r>
-              <a:rPr lang="en-US" dirty="0" err="1" smtClean="0"/>
+              <a:t>For those nodes(</a:t>
+            </a:r>
+            <a:r>
+              <a:rPr lang="en-US" dirty="0" err="1"/>
               <a:t>pk</a:t>
             </a:r>
             <a:r>
-              <a:rPr lang="en-US" dirty="0" smtClean="0"/>
+              <a:rPr lang="en-US" dirty="0"/>
               <a:t>, </a:t>
             </a:r>
             <a:r>
-              <a:rPr lang="en-US" dirty="0" err="1" smtClean="0"/>
+              <a:rPr lang="en-US" dirty="0" err="1"/>
               <a:t>RECTk</a:t>
             </a:r>
             <a:r>
-              <a:rPr lang="en-US" dirty="0" smtClean="0"/>
-              <a:t>) </a:t>
-            </a:r>
-            <a:r>
               <a:rPr lang="en-US" dirty="0"/>
-              <a:t>that </a:t>
-            </a:r>
-            <a:r>
-              <a:rPr lang="en-US" dirty="0" smtClean="0"/>
-              <a:t>overlap </a:t>
-            </a:r>
-            <a:r>
-              <a:rPr lang="en-US" dirty="0"/>
-              <a:t>with the </a:t>
-            </a:r>
-            <a:r>
-              <a:rPr lang="en-US" dirty="0" smtClean="0"/>
-              <a:t>sub-regions </a:t>
-            </a:r>
-            <a:endParaRPr lang="en-US" dirty="0"/>
+              <a:t>) that overlap with the sub-regions </a:t>
+            </a:r>
           </a:p>
           <a:p>
             <a:pPr lvl="3"/>
@@ -15384,16 +15043,12 @@
               <a:t>a) </a:t>
             </a:r>
             <a:r>
-              <a:rPr lang="en-US" i="1" dirty="0" smtClean="0"/>
+              <a:rPr lang="en-US" i="1" dirty="0"/>
               <a:t>R </a:t>
             </a:r>
             <a:r>
               <a:rPr lang="en-US" dirty="0"/>
-              <a:t>is a leaf node, </a:t>
-            </a:r>
-            <a:r>
-              <a:rPr lang="en-US" dirty="0" smtClean="0"/>
-              <a:t>put </a:t>
+              <a:t>is a leaf node, put </a:t>
             </a:r>
             <a:r>
               <a:rPr lang="en-US" i="1" dirty="0" err="1"/>
@@ -15426,36 +15081,31 @@
               <a:rPr lang="en-US" dirty="0"/>
               <a:t>to recursively split the children nodes along the partition. </a:t>
             </a:r>
-            <a:endParaRPr lang="en-US" dirty="0" smtClean="0"/>
           </a:p>
           <a:p>
             <a:pPr lvl="4"/>
             <a:r>
-              <a:rPr lang="en-US" dirty="0" smtClean="0"/>
-              <a:t>Let </a:t>
-            </a:r>
-            <a:r>
               <a:rPr lang="en-US" dirty="0"/>
-              <a:t>(</a:t>
-            </a:r>
-            <a:r>
-              <a:rPr lang="en-US" i="1" dirty="0" smtClean="0"/>
+              <a:t>Let (</a:t>
+            </a:r>
+            <a:r>
+              <a:rPr lang="en-US" i="1" dirty="0"/>
               <a:t>pk</a:t>
             </a:r>
             <a:r>
-              <a:rPr lang="en-US" sz="1000" dirty="0" smtClean="0"/>
+              <a:rPr lang="en-US" sz="1000" dirty="0"/>
               <a:t>1</a:t>
             </a:r>
             <a:r>
-              <a:rPr lang="en-US" dirty="0" smtClean="0"/>
+              <a:rPr lang="en-US" dirty="0"/>
               <a:t>,</a:t>
             </a:r>
             <a:r>
-              <a:rPr lang="en-US" i="1" dirty="0" smtClean="0"/>
+              <a:rPr lang="en-US" i="1" dirty="0"/>
               <a:t>RECTk</a:t>
             </a:r>
             <a:r>
-              <a:rPr lang="en-US" sz="1000" dirty="0" smtClean="0"/>
+              <a:rPr lang="en-US" sz="1000" dirty="0"/>
               <a:t>1</a:t>
             </a:r>
             <a:r>
@@ -15463,36 +15113,28 @@
               <a:t>) and (</a:t>
             </a:r>
             <a:r>
-              <a:rPr lang="en-US" i="1" dirty="0" smtClean="0"/>
+              <a:rPr lang="en-US" i="1" dirty="0"/>
               <a:t>pk</a:t>
             </a:r>
             <a:r>
-              <a:rPr lang="en-US" sz="1200" dirty="0" smtClean="0"/>
+              <a:rPr lang="en-US" sz="1200" dirty="0"/>
               <a:t>2</a:t>
             </a:r>
             <a:r>
-              <a:rPr lang="en-US" dirty="0" smtClean="0"/>
+              <a:rPr lang="en-US" dirty="0"/>
               <a:t>,</a:t>
             </a:r>
             <a:r>
-              <a:rPr lang="en-US" i="1" dirty="0" smtClean="0"/>
+              <a:rPr lang="en-US" i="1" dirty="0"/>
               <a:t>RECTk</a:t>
             </a:r>
             <a:r>
-              <a:rPr lang="en-US" sz="1200" dirty="0" smtClean="0"/>
+              <a:rPr lang="en-US" sz="1200" dirty="0"/>
               <a:t>2</a:t>
             </a:r>
             <a:r>
               <a:rPr lang="en-US" dirty="0"/>
-              <a:t>) be the </a:t>
-            </a:r>
-            <a:r>
-              <a:rPr lang="en-US" dirty="0" smtClean="0"/>
-              <a:t>two nodes </a:t>
-            </a:r>
-            <a:r>
-              <a:rPr lang="en-US" dirty="0"/>
-              <a:t>after splitting (</a:t>
+              <a:t>) be the two nodes after splitting (</a:t>
             </a:r>
             <a:r>
               <a:rPr lang="en-US" i="1" dirty="0" err="1"/>
@@ -15542,17 +15184,12 @@
               <a:rPr lang="en-US" dirty="0"/>
               <a:t>=1,2. </a:t>
             </a:r>
-            <a:endParaRPr lang="en-US" dirty="0" smtClean="0"/>
           </a:p>
           <a:p>
             <a:pPr lvl="4"/>
             <a:r>
-              <a:rPr lang="en-US" dirty="0" smtClean="0"/>
-              <a:t>Add </a:t>
-            </a:r>
-            <a:r>
               <a:rPr lang="en-US" dirty="0"/>
-              <a:t>those two nodes to the corresponding node </a:t>
+              <a:t>Add those two nodes to the corresponding node </a:t>
             </a:r>
             <a:r>
               <a:rPr lang="en-US" i="1" dirty="0" err="1"/>
@@ -15651,18 +15288,13 @@
           <a:p>
             <a:pPr algn="ctr"/>
             <a:r>
-              <a:rPr lang="en-US" dirty="0" smtClean="0">
+              <a:rPr lang="en-US" dirty="0">
                 <a:solidFill>
                   <a:schemeClr val="tx1"/>
                 </a:solidFill>
               </a:rPr>
               <a:t>d</a:t>
             </a:r>
-            <a:endParaRPr lang="en-US" dirty="0">
-              <a:solidFill>
-                <a:schemeClr val="tx1"/>
-              </a:solidFill>
-            </a:endParaRPr>
           </a:p>
         </p:txBody>
       </p:sp>
@@ -15704,18 +15336,13 @@
           <a:p>
             <a:pPr algn="ctr"/>
             <a:r>
-              <a:rPr lang="en-US" dirty="0" smtClean="0">
+              <a:rPr lang="en-US" dirty="0">
                 <a:solidFill>
                   <a:schemeClr val="tx1"/>
                 </a:solidFill>
               </a:rPr>
               <a:t>b</a:t>
             </a:r>
-            <a:endParaRPr lang="en-US" dirty="0">
-              <a:solidFill>
-                <a:schemeClr val="tx1"/>
-              </a:solidFill>
-            </a:endParaRPr>
           </a:p>
         </p:txBody>
       </p:sp>
@@ -15757,18 +15384,13 @@
           <a:p>
             <a:pPr algn="ctr"/>
             <a:r>
-              <a:rPr lang="en-US" dirty="0" smtClean="0">
+              <a:rPr lang="en-US" dirty="0">
                 <a:solidFill>
                   <a:schemeClr val="tx1"/>
                 </a:solidFill>
               </a:rPr>
               <a:t>c</a:t>
             </a:r>
-            <a:endParaRPr lang="en-US" dirty="0">
-              <a:solidFill>
-                <a:schemeClr val="tx1"/>
-              </a:solidFill>
-            </a:endParaRPr>
           </a:p>
         </p:txBody>
       </p:sp>
@@ -15810,18 +15432,13 @@
           <a:p>
             <a:pPr algn="ctr"/>
             <a:r>
-              <a:rPr lang="en-US" dirty="0" smtClean="0">
+              <a:rPr lang="en-US" dirty="0">
                 <a:solidFill>
                   <a:schemeClr val="tx1"/>
                 </a:solidFill>
               </a:rPr>
               <a:t>a</a:t>
             </a:r>
-            <a:endParaRPr lang="en-US" dirty="0">
-              <a:solidFill>
-                <a:schemeClr val="tx1"/>
-              </a:solidFill>
-            </a:endParaRPr>
           </a:p>
         </p:txBody>
       </p:sp>
@@ -15848,10 +15465,9 @@
           <a:lstStyle/>
           <a:p>
             <a:r>
-              <a:rPr lang="en-US" dirty="0" smtClean="0"/>
+              <a:rPr lang="en-US" dirty="0"/>
               <a:t>R</a:t>
             </a:r>
-            <a:endParaRPr lang="en-US" dirty="0"/>
           </a:p>
         </p:txBody>
       </p:sp>
@@ -15899,18 +15515,13 @@
           <a:p>
             <a:pPr algn="ctr"/>
             <a:r>
-              <a:rPr lang="en-US" dirty="0" smtClean="0">
+              <a:rPr lang="en-US" dirty="0">
                 <a:solidFill>
                   <a:srgbClr val="FF0000"/>
                 </a:solidFill>
               </a:rPr>
               <a:t>n1</a:t>
             </a:r>
-            <a:endParaRPr lang="en-US" dirty="0">
-              <a:solidFill>
-                <a:srgbClr val="FF0000"/>
-              </a:solidFill>
-            </a:endParaRPr>
           </a:p>
         </p:txBody>
       </p:sp>
@@ -15958,22 +15569,17 @@
           <a:p>
             <a:pPr algn="ctr"/>
             <a:r>
-              <a:rPr lang="en-US" dirty="0" smtClean="0"/>
+              <a:rPr lang="en-US" dirty="0"/>
               <a:t>         </a:t>
             </a:r>
             <a:r>
-              <a:rPr lang="en-US" dirty="0" smtClean="0">
+              <a:rPr lang="en-US" dirty="0">
                 <a:solidFill>
                   <a:srgbClr val="FF0000"/>
                 </a:solidFill>
               </a:rPr>
               <a:t>n2</a:t>
             </a:r>
-            <a:endParaRPr lang="en-US" dirty="0">
-              <a:solidFill>
-                <a:srgbClr val="FF0000"/>
-              </a:solidFill>
-            </a:endParaRPr>
           </a:p>
         </p:txBody>
       </p:sp>
@@ -16123,10 +15729,9 @@
           <a:lstStyle/>
           <a:p>
             <a:r>
-              <a:rPr lang="en-US" dirty="0" smtClean="0"/>
+              <a:rPr lang="en-US" dirty="0"/>
               <a:t>R</a:t>
             </a:r>
-            <a:endParaRPr lang="en-US" dirty="0"/>
           </a:p>
         </p:txBody>
       </p:sp>
@@ -16153,10 +15758,9 @@
           <a:lstStyle/>
           <a:p>
             <a:r>
-              <a:rPr lang="en-US" dirty="0" smtClean="0"/>
+              <a:rPr lang="en-US" dirty="0"/>
               <a:t>T</a:t>
             </a:r>
-            <a:endParaRPr lang="en-US" dirty="0"/>
           </a:p>
         </p:txBody>
       </p:sp>
@@ -16183,10 +15787,9 @@
           <a:lstStyle/>
           <a:p>
             <a:r>
-              <a:rPr lang="en-US" dirty="0" smtClean="0"/>
+              <a:rPr lang="en-US" dirty="0"/>
               <a:t>N</a:t>
             </a:r>
-            <a:endParaRPr lang="en-US" dirty="0"/>
           </a:p>
         </p:txBody>
       </p:sp>
@@ -16254,10 +15857,9 @@
           <a:lstStyle/>
           <a:p>
             <a:r>
-              <a:rPr lang="en-US" dirty="0" smtClean="0"/>
+              <a:rPr lang="en-US" dirty="0"/>
               <a:t>M</a:t>
             </a:r>
-            <a:endParaRPr lang="en-US" dirty="0"/>
           </a:p>
         </p:txBody>
       </p:sp>
@@ -16299,18 +15901,13 @@
           <a:p>
             <a:pPr algn="ctr"/>
             <a:r>
-              <a:rPr lang="en-US" dirty="0" smtClean="0">
+              <a:rPr lang="en-US" dirty="0">
                 <a:solidFill>
                   <a:schemeClr val="tx1"/>
                 </a:solidFill>
               </a:rPr>
               <a:t>a</a:t>
             </a:r>
-            <a:endParaRPr lang="en-US" dirty="0">
-              <a:solidFill>
-                <a:schemeClr val="tx1"/>
-              </a:solidFill>
-            </a:endParaRPr>
           </a:p>
         </p:txBody>
       </p:sp>
@@ -16352,18 +15949,13 @@
           <a:p>
             <a:pPr algn="ctr"/>
             <a:r>
-              <a:rPr lang="en-US" dirty="0" smtClean="0">
+              <a:rPr lang="en-US" dirty="0">
                 <a:solidFill>
                   <a:schemeClr val="tx1"/>
                 </a:solidFill>
               </a:rPr>
               <a:t>h</a:t>
             </a:r>
-            <a:endParaRPr lang="en-US" dirty="0">
-              <a:solidFill>
-                <a:schemeClr val="tx1"/>
-              </a:solidFill>
-            </a:endParaRPr>
           </a:p>
         </p:txBody>
       </p:sp>
@@ -16405,18 +15997,13 @@
           <a:p>
             <a:pPr algn="ctr"/>
             <a:r>
-              <a:rPr lang="en-US" dirty="0" smtClean="0">
+              <a:rPr lang="en-US" dirty="0">
                 <a:solidFill>
                   <a:schemeClr val="tx1"/>
                 </a:solidFill>
               </a:rPr>
               <a:t>g</a:t>
             </a:r>
-            <a:endParaRPr lang="en-US" dirty="0">
-              <a:solidFill>
-                <a:schemeClr val="tx1"/>
-              </a:solidFill>
-            </a:endParaRPr>
           </a:p>
         </p:txBody>
       </p:sp>
@@ -16458,18 +16045,13 @@
           <a:p>
             <a:pPr algn="ctr"/>
             <a:r>
-              <a:rPr lang="en-US" dirty="0" smtClean="0">
+              <a:rPr lang="en-US" dirty="0">
                 <a:solidFill>
                   <a:schemeClr val="tx1"/>
                 </a:solidFill>
               </a:rPr>
               <a:t>f</a:t>
             </a:r>
-            <a:endParaRPr lang="en-US" dirty="0">
-              <a:solidFill>
-                <a:schemeClr val="tx1"/>
-              </a:solidFill>
-            </a:endParaRPr>
           </a:p>
         </p:txBody>
       </p:sp>
@@ -16511,18 +16093,13 @@
           <a:p>
             <a:pPr algn="ctr"/>
             <a:r>
-              <a:rPr lang="en-US" dirty="0" smtClean="0">
+              <a:rPr lang="en-US" dirty="0">
                 <a:solidFill>
                   <a:schemeClr val="tx1"/>
                 </a:solidFill>
               </a:rPr>
               <a:t>e</a:t>
             </a:r>
-            <a:endParaRPr lang="en-US" dirty="0">
-              <a:solidFill>
-                <a:schemeClr val="tx1"/>
-              </a:solidFill>
-            </a:endParaRPr>
           </a:p>
         </p:txBody>
       </p:sp>
@@ -16564,18 +16141,13 @@
           <a:p>
             <a:pPr algn="ctr"/>
             <a:r>
-              <a:rPr lang="en-US" dirty="0" smtClean="0">
+              <a:rPr lang="en-US" dirty="0">
                 <a:solidFill>
                   <a:schemeClr val="tx1"/>
                 </a:solidFill>
               </a:rPr>
               <a:t>d</a:t>
             </a:r>
-            <a:endParaRPr lang="en-US" dirty="0">
-              <a:solidFill>
-                <a:schemeClr val="tx1"/>
-              </a:solidFill>
-            </a:endParaRPr>
           </a:p>
         </p:txBody>
       </p:sp>
@@ -16617,18 +16189,13 @@
           <a:p>
             <a:pPr algn="ctr"/>
             <a:r>
-              <a:rPr lang="en-US" dirty="0" smtClean="0">
+              <a:rPr lang="en-US" dirty="0">
                 <a:solidFill>
                   <a:schemeClr val="tx1"/>
                 </a:solidFill>
               </a:rPr>
               <a:t>c</a:t>
             </a:r>
-            <a:endParaRPr lang="en-US" dirty="0">
-              <a:solidFill>
-                <a:schemeClr val="tx1"/>
-              </a:solidFill>
-            </a:endParaRPr>
           </a:p>
         </p:txBody>
       </p:sp>
@@ -16670,18 +16237,13 @@
           <a:p>
             <a:pPr algn="ctr"/>
             <a:r>
-              <a:rPr lang="en-US" dirty="0" smtClean="0">
+              <a:rPr lang="en-US" dirty="0">
                 <a:solidFill>
                   <a:schemeClr val="tx1"/>
                 </a:solidFill>
               </a:rPr>
               <a:t>b</a:t>
             </a:r>
-            <a:endParaRPr lang="en-US" dirty="0">
-              <a:solidFill>
-                <a:schemeClr val="tx1"/>
-              </a:solidFill>
-            </a:endParaRPr>
           </a:p>
         </p:txBody>
       </p:sp>
@@ -16723,7 +16285,7 @@
           <a:p>
             <a:pPr algn="ctr"/>
             <a:r>
-              <a:rPr lang="en-US" dirty="0" err="1" smtClean="0">
+              <a:rPr lang="en-US" dirty="0" err="1">
                 <a:solidFill>
                   <a:schemeClr val="tx1"/>
                 </a:solidFill>
@@ -16812,18 +16374,13 @@
           <a:lstStyle/>
           <a:p>
             <a:r>
-              <a:rPr lang="en-US" dirty="0" smtClean="0">
+              <a:rPr lang="en-US" dirty="0">
                 <a:solidFill>
                   <a:srgbClr val="FF0000"/>
                 </a:solidFill>
               </a:rPr>
               <a:t>n1</a:t>
             </a:r>
-            <a:endParaRPr lang="en-US" dirty="0">
-              <a:solidFill>
-                <a:srgbClr val="FF0000"/>
-              </a:solidFill>
-            </a:endParaRPr>
           </a:p>
         </p:txBody>
       </p:sp>
@@ -16901,18 +16458,13 @@
           <a:lstStyle/>
           <a:p>
             <a:r>
-              <a:rPr lang="en-US" dirty="0" smtClean="0">
+              <a:rPr lang="en-US" dirty="0">
                 <a:solidFill>
                   <a:srgbClr val="FF0000"/>
                 </a:solidFill>
               </a:rPr>
               <a:t>n2</a:t>
             </a:r>
-            <a:endParaRPr lang="en-US" dirty="0">
-              <a:solidFill>
-                <a:srgbClr val="FF0000"/>
-              </a:solidFill>
-            </a:endParaRPr>
           </a:p>
         </p:txBody>
       </p:sp>
@@ -16939,10 +16491,9 @@
           <a:lstStyle/>
           <a:p>
             <a:r>
-              <a:rPr lang="en-US" dirty="0" smtClean="0"/>
+              <a:rPr lang="en-US" dirty="0"/>
               <a:t>(a)</a:t>
             </a:r>
-            <a:endParaRPr lang="en-US" dirty="0"/>
           </a:p>
         </p:txBody>
       </p:sp>
@@ -16969,10 +16520,9 @@
           <a:lstStyle/>
           <a:p>
             <a:r>
-              <a:rPr lang="en-US" dirty="0" smtClean="0"/>
+              <a:rPr lang="en-US" dirty="0"/>
               <a:t>(b)</a:t>
             </a:r>
-            <a:endParaRPr lang="en-US" dirty="0"/>
           </a:p>
         </p:txBody>
       </p:sp>
@@ -17147,7 +16697,7 @@
           <a:lstStyle/>
           <a:p>
             <a:r>
-              <a:rPr lang="en-US" i="1" dirty="0" smtClean="0">
+              <a:rPr lang="en-US" i="1" dirty="0">
                 <a:solidFill>
                   <a:srgbClr val="00B050"/>
                 </a:solidFill>
@@ -18807,17 +18357,12 @@
               <a:rPr lang="en-US" dirty="0"/>
               <a:t>2. </a:t>
             </a:r>
-            <a:endParaRPr lang="en-US" dirty="0" smtClean="0"/>
           </a:p>
           <a:p>
             <a:pPr lvl="2"/>
             <a:r>
-              <a:rPr lang="en-US" dirty="0" smtClean="0"/>
-              <a:t>Otherwise</a:t>
-            </a:r>
-            <a:r>
               <a:rPr lang="en-US" dirty="0"/>
-              <a:t>, let </a:t>
+              <a:t>Otherwise, let </a:t>
             </a:r>
             <a:r>
               <a:rPr lang="en-US" i="1" dirty="0"/>
@@ -18915,13 +18460,6 @@
   <p:clrMapOvr>
     <a:masterClrMapping/>
   </p:clrMapOvr>
-  <p:timing>
-    <p:tnLst>
-      <p:par>
-        <p:cTn id="1" dur="indefinite" restart="never" nodeType="tmRoot"/>
-      </p:par>
-    </p:tnLst>
-  </p:timing>
 </p:sld>
 </file>
 
@@ -19007,31 +18545,23 @@
               <a:t>N </a:t>
             </a:r>
             <a:r>
-              <a:rPr lang="en-US" sz="2400" dirty="0" smtClean="0"/>
-              <a:t>2-dimensional </a:t>
-            </a:r>
-            <a:r>
               <a:rPr lang="en-US" sz="2400" dirty="0"/>
-              <a:t>rectangles by a line parallel to </a:t>
-            </a:r>
-            <a:r>
-              <a:rPr lang="en-US" sz="2400" dirty="0" smtClean="0"/>
-              <a:t>the </a:t>
-            </a:r>
-            <a:r>
-              <a:rPr lang="en-US" sz="2400" i="1" dirty="0" smtClean="0"/>
+              <a:t>2-dimensional rectangles by a line parallel to the </a:t>
+            </a:r>
+            <a:r>
+              <a:rPr lang="en-US" sz="2400" i="1" dirty="0"/>
               <a:t>x-</a:t>
             </a:r>
             <a:r>
-              <a:rPr lang="en-US" sz="2400" dirty="0" smtClean="0"/>
+              <a:rPr lang="en-US" sz="2400" dirty="0"/>
               <a:t>axis(</a:t>
             </a:r>
             <a:r>
-              <a:rPr lang="en-US" sz="2400" i="1" dirty="0" err="1" smtClean="0"/>
+              <a:rPr lang="en-US" sz="2400" i="1" dirty="0" err="1"/>
               <a:t>x</a:t>
             </a:r>
             <a:r>
-              <a:rPr lang="en-US" sz="2400" dirty="0" err="1" smtClean="0"/>
+              <a:rPr lang="en-US" sz="2400" dirty="0" err="1"/>
               <a:t>_cut</a:t>
             </a:r>
             <a:r>
@@ -19058,37 +18588,24 @@
               <a:rPr lang="en-US" sz="2400" dirty="0"/>
               <a:t>). </a:t>
             </a:r>
-            <a:endParaRPr lang="en-US" sz="2400" dirty="0" smtClean="0"/>
           </a:p>
           <a:p>
             <a:pPr lvl="2"/>
             <a:r>
-              <a:rPr lang="en-US" sz="2000" dirty="0" smtClean="0"/>
-              <a:t>The </a:t>
-            </a:r>
-            <a:r>
               <a:rPr lang="en-US" sz="2000" dirty="0"/>
-              <a:t>selection of </a:t>
-            </a:r>
-            <a:r>
-              <a:rPr lang="en-US" sz="2000" dirty="0" smtClean="0"/>
-              <a:t>the </a:t>
-            </a:r>
-            <a:r>
-              <a:rPr lang="en-US" sz="2000" i="1" dirty="0" err="1" smtClean="0"/>
+              <a:t>The selection of the </a:t>
+            </a:r>
+            <a:r>
+              <a:rPr lang="en-US" sz="2000" i="1" dirty="0" err="1"/>
               <a:t>x</a:t>
             </a:r>
             <a:r>
-              <a:rPr lang="en-US" sz="2000" dirty="0" err="1" smtClean="0"/>
+              <a:rPr lang="en-US" sz="2000" dirty="0" err="1"/>
               <a:t>_cut</a:t>
             </a:r>
             <a:r>
-              <a:rPr lang="en-US" sz="2000" dirty="0" smtClean="0"/>
-              <a:t> </a:t>
-            </a:r>
-            <a:r>
               <a:rPr lang="en-US" sz="2000" dirty="0"/>
-              <a:t>or </a:t>
+              <a:t> or </a:t>
             </a:r>
             <a:r>
               <a:rPr lang="en-US" sz="2000" i="1" dirty="0" err="1"/>
@@ -19103,14 +18620,13 @@
               <a:t> is based on one or more of the following </a:t>
             </a:r>
             <a:r>
-              <a:rPr lang="en-US" sz="2000" dirty="0" err="1" smtClean="0"/>
+              <a:rPr lang="en-US" sz="2000" dirty="0" err="1"/>
               <a:t>criterias</a:t>
             </a:r>
             <a:r>
-              <a:rPr lang="en-US" sz="2000" dirty="0" smtClean="0"/>
+              <a:rPr lang="en-US" sz="2000" dirty="0"/>
               <a:t>:</a:t>
             </a:r>
-            <a:endParaRPr lang="en-US" sz="2000" dirty="0"/>
           </a:p>
           <a:p>
             <a:pPr lvl="3"/>
@@ -19146,15 +18662,7 @@
             <a:pPr lvl="3"/>
             <a:r>
               <a:rPr lang="en-US" dirty="0"/>
-              <a:t>(3) minimal total space coverage accrued by </a:t>
-            </a:r>
-            <a:r>
-              <a:rPr lang="en-US" dirty="0" smtClean="0"/>
-              <a:t>the two </a:t>
-            </a:r>
-            <a:r>
-              <a:rPr lang="en-US" dirty="0"/>
-              <a:t>sub-regions</a:t>
+              <a:t>(3) minimal total space coverage accrued by the two sub-regions</a:t>
             </a:r>
           </a:p>
           <a:p>
@@ -19204,12 +18712,8 @@
           <a:p>
             <a:pPr algn="ctr"/>
             <a:r>
-              <a:rPr lang="en-US" dirty="0" smtClean="0"/>
-              <a:t>(1)(2)(3) reduce </a:t>
-            </a:r>
-            <a:r>
               <a:rPr lang="en-US" dirty="0"/>
-              <a:t>search by reducing the</a:t>
+              <a:t>(1)(2)(3) reduce search by reducing the</a:t>
             </a:r>
           </a:p>
           <a:p>
@@ -19259,12 +18763,8 @@
           <a:p>
             <a:pPr algn="ctr"/>
             <a:r>
-              <a:rPr lang="en-US" dirty="0" smtClean="0"/>
-              <a:t>(4) confines </a:t>
-            </a:r>
-            <a:r>
               <a:rPr lang="en-US" dirty="0"/>
-              <a:t>the height expansion of the R+-tree</a:t>
+              <a:t>(4) confines the height expansion of the R+-tree</a:t>
             </a:r>
           </a:p>
         </p:txBody>
@@ -19543,24 +19043,23 @@
         </p:nvSpPr>
         <p:spPr>
           <a:xfrm>
-            <a:off x="348343" y="272143"/>
-            <a:ext cx="8686800" cy="838200"/>
+            <a:off x="3913414" y="330654"/>
+            <a:ext cx="5584371" cy="576944"/>
           </a:xfrm>
         </p:spPr>
         <p:txBody>
-          <a:bodyPr/>
+          <a:bodyPr>
+            <a:normAutofit fontScale="90000"/>
+          </a:bodyPr>
           <a:lstStyle/>
           <a:p>
             <a:pPr algn="ctr"/>
             <a:r>
-              <a:rPr lang="en-US" dirty="0" smtClean="0">
+              <a:rPr lang="en-US" dirty="0">
                 <a:effectLst/>
               </a:rPr>
               <a:t>Partition</a:t>
             </a:r>
-            <a:endParaRPr lang="en-US" dirty="0">
-              <a:effectLst/>
-            </a:endParaRPr>
           </a:p>
         </p:txBody>
       </p:sp>
@@ -19588,8 +19087,8 @@
         </p:blipFill>
         <p:spPr>
           <a:xfrm>
-            <a:off x="228599" y="1066800"/>
-            <a:ext cx="4343401" cy="5769616"/>
+            <a:off x="202910" y="242564"/>
+            <a:ext cx="3827127" cy="5083816"/>
           </a:xfrm>
         </p:spPr>
       </p:pic>
@@ -19616,60 +19115,28 @@
           <a:p>
             <a:r>
               <a:rPr lang="en-US" sz="2400" b="1" dirty="0" err="1"/>
-              <a:t>f</a:t>
-            </a:r>
-            <a:r>
-              <a:rPr lang="en-US" sz="2400" b="1" dirty="0" err="1" smtClean="0"/>
-              <a:t>f</a:t>
-            </a:r>
-            <a:r>
-              <a:rPr lang="en-US" i="1" dirty="0" smtClean="0"/>
+              <a:t>ff</a:t>
+            </a:r>
+            <a:r>
+              <a:rPr lang="en-US" i="1" dirty="0"/>
               <a:t>: </a:t>
             </a:r>
             <a:r>
-              <a:rPr lang="en-US" dirty="0" smtClean="0"/>
-              <a:t>the </a:t>
-            </a:r>
-            <a:r>
               <a:rPr lang="en-US" dirty="0"/>
-              <a:t>capacity of a node </a:t>
-            </a:r>
-            <a:r>
-              <a:rPr lang="en-US" dirty="0" smtClean="0"/>
-              <a:t>or some predefined </a:t>
+              <a:t>the capacity of a node or some predefined fraction of it according to some desired loading factor.</a:t>
+            </a:r>
+          </a:p>
+          <a:p>
+            <a:endParaRPr lang="en-US" dirty="0"/>
+          </a:p>
+          <a:p>
+            <a:r>
+              <a:rPr lang="en-US" b="1" dirty="0"/>
+              <a:t>Sweep</a:t>
             </a:r>
             <a:r>
               <a:rPr lang="en-US" dirty="0"/>
-              <a:t>fraction of it according to some </a:t>
-            </a:r>
-            <a:r>
-              <a:rPr lang="en-US" dirty="0" smtClean="0"/>
-              <a:t>desired loading </a:t>
-            </a:r>
-            <a:r>
-              <a:rPr lang="en-US" dirty="0"/>
-              <a:t>factor</a:t>
-            </a:r>
-            <a:r>
-              <a:rPr lang="en-US" dirty="0" smtClean="0"/>
-              <a:t>.</a:t>
-            </a:r>
-          </a:p>
-          <a:p>
-            <a:endParaRPr lang="en-US" dirty="0" smtClean="0"/>
-          </a:p>
-          <a:p>
-            <a:r>
-              <a:rPr lang="en-US" b="1" dirty="0" smtClean="0"/>
-              <a:t>Sweep</a:t>
-            </a:r>
-            <a:r>
-              <a:rPr lang="en-US" dirty="0" smtClean="0"/>
-              <a:t>: sweeps the space </a:t>
-            </a:r>
-            <a:r>
-              <a:rPr lang="en-US" dirty="0"/>
-              <a:t>in a fashion parallel to the </a:t>
+              <a:t>: sweeps the space in a fashion parallel to the </a:t>
             </a:r>
             <a:r>
               <a:rPr lang="en-US" i="1" dirty="0"/>
@@ -19734,7 +19201,7 @@
         </p:nvCxnSpPr>
         <p:spPr>
           <a:xfrm>
-            <a:off x="5323114" y="6096000"/>
+            <a:off x="5330080" y="5995954"/>
             <a:ext cx="2373086" cy="0"/>
           </a:xfrm>
           <a:prstGeom prst="straightConnector1">
@@ -19805,18 +19272,13 @@
           <a:p>
             <a:pPr algn="ctr"/>
             <a:r>
-              <a:rPr lang="en-US" dirty="0" smtClean="0">
+              <a:rPr lang="en-US" dirty="0">
                 <a:solidFill>
                   <a:schemeClr val="tx1"/>
                 </a:solidFill>
               </a:rPr>
               <a:t>a</a:t>
             </a:r>
-            <a:endParaRPr lang="en-US" dirty="0">
-              <a:solidFill>
-                <a:schemeClr val="tx1"/>
-              </a:solidFill>
-            </a:endParaRPr>
           </a:p>
         </p:txBody>
       </p:sp>
@@ -19863,18 +19325,13 @@
           <a:p>
             <a:pPr algn="ctr"/>
             <a:r>
-              <a:rPr lang="en-US" dirty="0" smtClean="0">
+              <a:rPr lang="en-US" dirty="0">
                 <a:solidFill>
                   <a:schemeClr val="tx1"/>
                 </a:solidFill>
               </a:rPr>
               <a:t>b</a:t>
             </a:r>
-            <a:endParaRPr lang="en-US" dirty="0">
-              <a:solidFill>
-                <a:schemeClr val="tx1"/>
-              </a:solidFill>
-            </a:endParaRPr>
           </a:p>
         </p:txBody>
       </p:sp>
@@ -19921,18 +19378,13 @@
           <a:p>
             <a:pPr algn="ctr"/>
             <a:r>
-              <a:rPr lang="en-US" dirty="0" smtClean="0">
+              <a:rPr lang="en-US" dirty="0">
                 <a:solidFill>
                   <a:schemeClr val="tx1"/>
                 </a:solidFill>
               </a:rPr>
               <a:t>e</a:t>
             </a:r>
-            <a:endParaRPr lang="en-US" dirty="0">
-              <a:solidFill>
-                <a:schemeClr val="tx1"/>
-              </a:solidFill>
-            </a:endParaRPr>
           </a:p>
         </p:txBody>
       </p:sp>
@@ -19979,18 +19431,13 @@
           <a:p>
             <a:pPr algn="ctr"/>
             <a:r>
-              <a:rPr lang="en-US" dirty="0" smtClean="0">
+              <a:rPr lang="en-US" dirty="0">
                 <a:solidFill>
                   <a:schemeClr val="tx1"/>
                 </a:solidFill>
               </a:rPr>
               <a:t>c</a:t>
             </a:r>
-            <a:endParaRPr lang="en-US" dirty="0">
-              <a:solidFill>
-                <a:schemeClr val="tx1"/>
-              </a:solidFill>
-            </a:endParaRPr>
           </a:p>
         </p:txBody>
       </p:sp>
@@ -20037,18 +19484,13 @@
           <a:p>
             <a:pPr algn="ctr"/>
             <a:r>
-              <a:rPr lang="en-US" dirty="0" smtClean="0">
+              <a:rPr lang="en-US" dirty="0">
                 <a:solidFill>
                   <a:schemeClr val="tx1"/>
                 </a:solidFill>
               </a:rPr>
               <a:t>d</a:t>
             </a:r>
-            <a:endParaRPr lang="en-US" dirty="0">
-              <a:solidFill>
-                <a:schemeClr val="tx1"/>
-              </a:solidFill>
-            </a:endParaRPr>
           </a:p>
         </p:txBody>
       </p:sp>
@@ -20141,10 +19583,9 @@
           <a:lstStyle/>
           <a:p>
             <a:r>
-              <a:rPr lang="en-US" dirty="0" smtClean="0"/>
+              <a:rPr lang="en-US" dirty="0"/>
               <a:t>y</a:t>
             </a:r>
-            <a:endParaRPr lang="en-US" dirty="0"/>
           </a:p>
         </p:txBody>
       </p:sp>
@@ -20171,10 +19612,9 @@
           <a:lstStyle/>
           <a:p>
             <a:r>
-              <a:rPr lang="en-US" dirty="0" smtClean="0"/>
+              <a:rPr lang="en-US" dirty="0"/>
               <a:t>x</a:t>
             </a:r>
-            <a:endParaRPr lang="en-US" dirty="0"/>
           </a:p>
         </p:txBody>
       </p:sp>
@@ -20271,10 +19711,9 @@
           <a:lstStyle/>
           <a:p>
             <a:r>
-              <a:rPr lang="en-US" sz="1400" dirty="0" smtClean="0"/>
+              <a:rPr lang="en-US" sz="1400" dirty="0"/>
               <a:t>Ox</a:t>
             </a:r>
-            <a:endParaRPr lang="en-US" sz="1400" dirty="0"/>
           </a:p>
         </p:txBody>
       </p:sp>
@@ -20301,7 +19740,7 @@
           <a:lstStyle/>
           <a:p>
             <a:r>
-              <a:rPr lang="en-US" sz="1400" dirty="0" err="1" smtClean="0"/>
+              <a:rPr lang="en-US" sz="1400" dirty="0" err="1"/>
               <a:t>Oy</a:t>
             </a:r>
             <a:endParaRPr lang="en-US" sz="1400" dirty="0"/>
@@ -20331,8 +19770,8 @@
         </p:blipFill>
         <p:spPr bwMode="auto">
           <a:xfrm>
-            <a:off x="4724400" y="1066800"/>
-            <a:ext cx="3981450" cy="4803775"/>
+            <a:off x="4890974" y="2663042"/>
+            <a:ext cx="3476852" cy="4194958"/>
           </a:xfrm>
           <a:prstGeom prst="rect">
             <a:avLst/>
@@ -20395,14 +19834,13 @@
           <a:lstStyle/>
           <a:p>
             <a:r>
-              <a:rPr lang="en-US" dirty="0" err="1" smtClean="0"/>
+              <a:rPr lang="en-US" dirty="0" err="1"/>
               <a:t>ff</a:t>
             </a:r>
             <a:r>
-              <a:rPr lang="en-US" dirty="0" smtClean="0"/>
+              <a:rPr lang="en-US" dirty="0"/>
               <a:t>=3</a:t>
             </a:r>
-            <a:endParaRPr lang="en-US" dirty="0"/>
           </a:p>
         </p:txBody>
       </p:sp>
@@ -20523,10 +19961,9 @@
           <a:lstStyle/>
           <a:p>
             <a:r>
-              <a:rPr lang="en-US" dirty="0" smtClean="0"/>
+              <a:rPr lang="en-US" dirty="0"/>
               <a:t>R</a:t>
             </a:r>
-            <a:endParaRPr lang="en-US" dirty="0"/>
           </a:p>
         </p:txBody>
       </p:sp>
@@ -20553,10 +19990,9 @@
           <a:lstStyle/>
           <a:p>
             <a:r>
-              <a:rPr lang="en-US" dirty="0" smtClean="0"/>
+              <a:rPr lang="en-US" dirty="0"/>
               <a:t>S’</a:t>
             </a:r>
-            <a:endParaRPr lang="en-US" dirty="0"/>
           </a:p>
         </p:txBody>
       </p:sp>
@@ -21618,14 +21054,11 @@
           <a:p>
             <a:pPr algn="ctr"/>
             <a:r>
-              <a:rPr lang="en-US" dirty="0" smtClean="0">
+              <a:rPr lang="en-US" dirty="0">
                 <a:effectLst/>
               </a:rPr>
               <a:t>Pack</a:t>
             </a:r>
-            <a:endParaRPr lang="en-US" dirty="0">
-              <a:effectLst/>
-            </a:endParaRPr>
           </a:p>
         </p:txBody>
       </p:sp>
@@ -21737,18 +21170,13 @@
           <a:p>
             <a:pPr algn="ctr"/>
             <a:r>
-              <a:rPr lang="en-US" dirty="0" smtClean="0">
+              <a:rPr lang="en-US" dirty="0">
                 <a:solidFill>
                   <a:schemeClr val="tx1"/>
                 </a:solidFill>
               </a:rPr>
               <a:t>d</a:t>
             </a:r>
-            <a:endParaRPr lang="en-US" dirty="0">
-              <a:solidFill>
-                <a:schemeClr val="tx1"/>
-              </a:solidFill>
-            </a:endParaRPr>
           </a:p>
         </p:txBody>
       </p:sp>
@@ -21790,18 +21218,13 @@
           <a:p>
             <a:pPr algn="ctr"/>
             <a:r>
-              <a:rPr lang="en-US" dirty="0" smtClean="0">
+              <a:rPr lang="en-US" dirty="0">
                 <a:solidFill>
                   <a:schemeClr val="tx1"/>
                 </a:solidFill>
               </a:rPr>
               <a:t>b</a:t>
             </a:r>
-            <a:endParaRPr lang="en-US" dirty="0">
-              <a:solidFill>
-                <a:schemeClr val="tx1"/>
-              </a:solidFill>
-            </a:endParaRPr>
           </a:p>
         </p:txBody>
       </p:sp>
@@ -21843,18 +21266,13 @@
           <a:p>
             <a:pPr algn="ctr"/>
             <a:r>
-              <a:rPr lang="en-US" dirty="0" smtClean="0">
+              <a:rPr lang="en-US" dirty="0">
                 <a:solidFill>
                   <a:schemeClr val="tx1"/>
                 </a:solidFill>
               </a:rPr>
               <a:t>c</a:t>
             </a:r>
-            <a:endParaRPr lang="en-US" dirty="0">
-              <a:solidFill>
-                <a:schemeClr val="tx1"/>
-              </a:solidFill>
-            </a:endParaRPr>
           </a:p>
         </p:txBody>
       </p:sp>
@@ -21896,18 +21314,13 @@
           <a:p>
             <a:pPr algn="ctr"/>
             <a:r>
-              <a:rPr lang="en-US" dirty="0" smtClean="0">
+              <a:rPr lang="en-US" dirty="0">
                 <a:solidFill>
                   <a:schemeClr val="tx1"/>
                 </a:solidFill>
               </a:rPr>
               <a:t>a</a:t>
             </a:r>
-            <a:endParaRPr lang="en-US" dirty="0">
-              <a:solidFill>
-                <a:schemeClr val="tx1"/>
-              </a:solidFill>
-            </a:endParaRPr>
           </a:p>
         </p:txBody>
       </p:sp>
@@ -21949,18 +21362,13 @@
           <a:p>
             <a:pPr algn="ctr"/>
             <a:r>
-              <a:rPr lang="en-US" dirty="0" smtClean="0">
+              <a:rPr lang="en-US" dirty="0">
                 <a:solidFill>
                   <a:schemeClr val="tx1"/>
                 </a:solidFill>
               </a:rPr>
               <a:t>R</a:t>
             </a:r>
-            <a:endParaRPr lang="en-US" dirty="0">
-              <a:solidFill>
-                <a:schemeClr val="tx1"/>
-              </a:solidFill>
-            </a:endParaRPr>
           </a:p>
         </p:txBody>
       </p:sp>
@@ -22002,18 +21410,13 @@
           <a:p>
             <a:pPr algn="ctr"/>
             <a:r>
-              <a:rPr lang="en-US" dirty="0" smtClean="0">
+              <a:rPr lang="en-US" dirty="0">
                 <a:solidFill>
                   <a:schemeClr val="tx1"/>
                 </a:solidFill>
               </a:rPr>
               <a:t>b</a:t>
             </a:r>
-            <a:endParaRPr lang="en-US" dirty="0">
-              <a:solidFill>
-                <a:schemeClr val="tx1"/>
-              </a:solidFill>
-            </a:endParaRPr>
           </a:p>
         </p:txBody>
       </p:sp>
@@ -22055,18 +21458,13 @@
           <a:p>
             <a:pPr algn="ctr"/>
             <a:r>
-              <a:rPr lang="en-US" dirty="0" smtClean="0">
+              <a:rPr lang="en-US" dirty="0">
                 <a:solidFill>
                   <a:schemeClr val="tx1"/>
                 </a:solidFill>
               </a:rPr>
               <a:t>a</a:t>
             </a:r>
-            <a:endParaRPr lang="en-US" dirty="0">
-              <a:solidFill>
-                <a:schemeClr val="tx1"/>
-              </a:solidFill>
-            </a:endParaRPr>
           </a:p>
         </p:txBody>
       </p:sp>
@@ -22156,18 +21554,13 @@
           <a:p>
             <a:pPr algn="ctr"/>
             <a:r>
-              <a:rPr lang="en-US" dirty="0" smtClean="0">
+              <a:rPr lang="en-US" dirty="0">
                 <a:solidFill>
                   <a:schemeClr val="tx1"/>
                 </a:solidFill>
               </a:rPr>
               <a:t>d</a:t>
             </a:r>
-            <a:endParaRPr lang="en-US" dirty="0">
-              <a:solidFill>
-                <a:schemeClr val="tx1"/>
-              </a:solidFill>
-            </a:endParaRPr>
           </a:p>
         </p:txBody>
       </p:sp>
@@ -22194,14 +21587,13 @@
           <a:lstStyle/>
           <a:p>
             <a:r>
-              <a:rPr lang="en-US" dirty="0" err="1" smtClean="0"/>
+              <a:rPr lang="en-US" dirty="0" err="1"/>
               <a:t>ff</a:t>
             </a:r>
             <a:r>
-              <a:rPr lang="en-US" dirty="0" smtClean="0"/>
+              <a:rPr lang="en-US" dirty="0"/>
               <a:t> = 4</a:t>
             </a:r>
-            <a:endParaRPr lang="en-US" dirty="0"/>
           </a:p>
         </p:txBody>
       </p:sp>
@@ -22264,14 +21656,13 @@
           <a:lstStyle/>
           <a:p>
             <a:r>
-              <a:rPr lang="en-US" dirty="0" err="1" smtClean="0"/>
+              <a:rPr lang="en-US" dirty="0" err="1"/>
               <a:t>ff</a:t>
             </a:r>
             <a:r>
-              <a:rPr lang="en-US" dirty="0" smtClean="0"/>
+              <a:rPr lang="en-US" dirty="0"/>
               <a:t> = 2</a:t>
             </a:r>
-            <a:endParaRPr lang="en-US" dirty="0"/>
           </a:p>
         </p:txBody>
       </p:sp>
@@ -22313,18 +21704,13 @@
           <a:p>
             <a:pPr algn="ctr"/>
             <a:r>
-              <a:rPr lang="en-US" dirty="0" smtClean="0">
+              <a:rPr lang="en-US" dirty="0">
                 <a:solidFill>
                   <a:schemeClr val="tx1"/>
                 </a:solidFill>
               </a:rPr>
               <a:t>R</a:t>
             </a:r>
-            <a:endParaRPr lang="en-US" dirty="0">
-              <a:solidFill>
-                <a:schemeClr val="tx1"/>
-              </a:solidFill>
-            </a:endParaRPr>
           </a:p>
         </p:txBody>
       </p:sp>
@@ -22366,18 +21752,13 @@
           <a:p>
             <a:pPr algn="ctr"/>
             <a:r>
-              <a:rPr lang="en-US" dirty="0" smtClean="0">
+              <a:rPr lang="en-US" dirty="0">
                 <a:solidFill>
                   <a:schemeClr val="tx1"/>
                 </a:solidFill>
               </a:rPr>
               <a:t>d</a:t>
             </a:r>
-            <a:endParaRPr lang="en-US" dirty="0">
-              <a:solidFill>
-                <a:schemeClr val="tx1"/>
-              </a:solidFill>
-            </a:endParaRPr>
           </a:p>
         </p:txBody>
       </p:sp>
@@ -22419,18 +21800,13 @@
           <a:p>
             <a:pPr algn="ctr"/>
             <a:r>
-              <a:rPr lang="en-US" dirty="0" smtClean="0">
+              <a:rPr lang="en-US" dirty="0">
                 <a:solidFill>
                   <a:schemeClr val="tx1"/>
                 </a:solidFill>
               </a:rPr>
               <a:t>b</a:t>
             </a:r>
-            <a:endParaRPr lang="en-US" dirty="0">
-              <a:solidFill>
-                <a:schemeClr val="tx1"/>
-              </a:solidFill>
-            </a:endParaRPr>
           </a:p>
         </p:txBody>
       </p:sp>
@@ -22472,18 +21848,13 @@
           <a:p>
             <a:pPr algn="ctr"/>
             <a:r>
-              <a:rPr lang="en-US" dirty="0" smtClean="0">
+              <a:rPr lang="en-US" dirty="0">
                 <a:solidFill>
                   <a:schemeClr val="tx1"/>
                 </a:solidFill>
               </a:rPr>
               <a:t>a</a:t>
             </a:r>
-            <a:endParaRPr lang="en-US" dirty="0">
-              <a:solidFill>
-                <a:schemeClr val="tx1"/>
-              </a:solidFill>
-            </a:endParaRPr>
           </a:p>
         </p:txBody>
       </p:sp>
@@ -22525,18 +21896,13 @@
           <a:p>
             <a:pPr algn="ctr"/>
             <a:r>
-              <a:rPr lang="en-US" dirty="0" smtClean="0">
+              <a:rPr lang="en-US" dirty="0">
                 <a:solidFill>
                   <a:schemeClr val="tx1"/>
                 </a:solidFill>
               </a:rPr>
               <a:t>c</a:t>
             </a:r>
-            <a:endParaRPr lang="en-US" dirty="0">
-              <a:solidFill>
-                <a:schemeClr val="tx1"/>
-              </a:solidFill>
-            </a:endParaRPr>
           </a:p>
         </p:txBody>
       </p:sp>
@@ -22614,18 +21980,13 @@
           <a:p>
             <a:pPr algn="ctr"/>
             <a:r>
-              <a:rPr lang="en-US" dirty="0" smtClean="0">
+              <a:rPr lang="en-US" dirty="0">
                 <a:solidFill>
                   <a:schemeClr val="tx1"/>
                 </a:solidFill>
               </a:rPr>
               <a:t>S’</a:t>
             </a:r>
-            <a:endParaRPr lang="en-US" dirty="0">
-              <a:solidFill>
-                <a:schemeClr val="tx1"/>
-              </a:solidFill>
-            </a:endParaRPr>
           </a:p>
         </p:txBody>
       </p:sp>
@@ -22739,18 +22100,13 @@
           <a:p>
             <a:pPr algn="ctr"/>
             <a:r>
-              <a:rPr lang="en-US" dirty="0" smtClean="0">
+              <a:rPr lang="en-US" dirty="0">
                 <a:solidFill>
                   <a:schemeClr val="tx1"/>
                 </a:solidFill>
               </a:rPr>
               <a:t>R’</a:t>
             </a:r>
-            <a:endParaRPr lang="en-US" dirty="0">
-              <a:solidFill>
-                <a:schemeClr val="tx1"/>
-              </a:solidFill>
-            </a:endParaRPr>
           </a:p>
         </p:txBody>
       </p:sp>
@@ -22792,18 +22148,13 @@
           <a:p>
             <a:pPr algn="ctr"/>
             <a:r>
-              <a:rPr lang="en-US" dirty="0" smtClean="0">
+              <a:rPr lang="en-US" dirty="0">
                 <a:solidFill>
                   <a:schemeClr val="tx1"/>
                 </a:solidFill>
               </a:rPr>
               <a:t>a</a:t>
             </a:r>
-            <a:endParaRPr lang="en-US" dirty="0">
-              <a:solidFill>
-                <a:schemeClr val="tx1"/>
-              </a:solidFill>
-            </a:endParaRPr>
           </a:p>
         </p:txBody>
       </p:sp>
@@ -22845,18 +22196,13 @@
           <a:p>
             <a:pPr algn="ctr"/>
             <a:r>
-              <a:rPr lang="en-US" dirty="0" smtClean="0">
+              <a:rPr lang="en-US" dirty="0">
                 <a:solidFill>
                   <a:schemeClr val="tx1"/>
                 </a:solidFill>
               </a:rPr>
               <a:t>c</a:t>
             </a:r>
-            <a:endParaRPr lang="en-US" dirty="0">
-              <a:solidFill>
-                <a:schemeClr val="tx1"/>
-              </a:solidFill>
-            </a:endParaRPr>
           </a:p>
         </p:txBody>
       </p:sp>
@@ -22919,10 +22265,9 @@
           <a:lstStyle/>
           <a:p>
             <a:r>
-              <a:rPr lang="en-US" dirty="0" smtClean="0"/>
+              <a:rPr lang="en-US" dirty="0"/>
               <a:t>AN = {R}</a:t>
             </a:r>
-            <a:endParaRPr lang="en-US" dirty="0"/>
           </a:p>
         </p:txBody>
       </p:sp>
@@ -22949,10 +22294,9 @@
           <a:lstStyle/>
           <a:p>
             <a:r>
-              <a:rPr lang="en-US" dirty="0" smtClean="0"/>
+              <a:rPr lang="en-US" dirty="0"/>
               <a:t>AN = {R,R’}</a:t>
             </a:r>
-            <a:endParaRPr lang="en-US" dirty="0"/>
           </a:p>
         </p:txBody>
       </p:sp>
@@ -24795,14 +24139,11 @@
           <a:lstStyle/>
           <a:p>
             <a:r>
-              <a:rPr lang="en-US" dirty="0" smtClean="0">
+              <a:rPr lang="en-US" dirty="0">
                 <a:effectLst/>
               </a:rPr>
               <a:t>Analysis</a:t>
             </a:r>
-            <a:endParaRPr lang="en-US" dirty="0">
-              <a:effectLst/>
-            </a:endParaRPr>
           </a:p>
         </p:txBody>
       </p:sp>
@@ -24824,81 +24165,29 @@
           <a:lstStyle/>
           <a:p>
             <a:r>
-              <a:rPr lang="en-US" dirty="0" smtClean="0"/>
+              <a:rPr lang="en-US" dirty="0"/>
               <a:t>Rectangle</a:t>
             </a:r>
           </a:p>
           <a:p>
             <a:pPr lvl="1"/>
             <a:r>
-              <a:rPr lang="en-US" dirty="0" smtClean="0"/>
-              <a:t>4 coordinates </a:t>
-            </a:r>
-            <a:r>
               <a:rPr lang="en-US" dirty="0"/>
-              <a:t>are enough to uniquely </a:t>
-            </a:r>
-            <a:r>
-              <a:rPr lang="en-US" dirty="0" smtClean="0"/>
-              <a:t>determine it </a:t>
-            </a:r>
+              <a:t>4 coordinates are enough to uniquely determine it (the x and y coordinates of the lower-left and upper-right corners).</a:t>
+            </a:r>
+          </a:p>
+          <a:p>
+            <a:pPr lvl="1"/>
             <a:r>
               <a:rPr lang="en-US" dirty="0"/>
-              <a:t>(the x and y coordinates of the lower-left and </a:t>
-            </a:r>
-            <a:r>
-              <a:rPr lang="en-US" dirty="0" smtClean="0"/>
-              <a:t>upper-right corners).</a:t>
-            </a:r>
-          </a:p>
-          <a:p>
-            <a:pPr lvl="1"/>
-            <a:r>
-              <a:rPr lang="en-US" dirty="0" smtClean="0"/>
-              <a:t>examine </a:t>
-            </a:r>
+              <a:t>examine segments on a line (1-d space) instead of rectangles in the plane (2-d space), and transform the segments into points in a 2-d space.</a:t>
+            </a:r>
+          </a:p>
+          <a:p>
+            <a:pPr lvl="2"/>
             <a:r>
               <a:rPr lang="en-US" dirty="0"/>
-              <a:t>segments on a line (1-d space) </a:t>
-            </a:r>
-            <a:r>
-              <a:rPr lang="en-US" dirty="0" smtClean="0"/>
-              <a:t>instead of </a:t>
-            </a:r>
-            <a:r>
-              <a:rPr lang="en-US" dirty="0"/>
-              <a:t>rectangles in the plane (2-d space), and </a:t>
-            </a:r>
-            <a:r>
-              <a:rPr lang="en-US" dirty="0" smtClean="0"/>
-              <a:t>transform </a:t>
-            </a:r>
-            <a:r>
-              <a:rPr lang="en-US" dirty="0" smtClean="0"/>
-              <a:t>the </a:t>
-            </a:r>
-            <a:r>
-              <a:rPr lang="en-US" dirty="0"/>
-              <a:t>segments into points in a 2-d space</a:t>
-            </a:r>
-            <a:r>
-              <a:rPr lang="en-US" dirty="0" smtClean="0"/>
-              <a:t>.</a:t>
-            </a:r>
-          </a:p>
-          <a:p>
-            <a:pPr lvl="2"/>
-            <a:r>
-              <a:rPr lang="en-US" dirty="0"/>
-              <a:t>Each </a:t>
-            </a:r>
-            <a:r>
-              <a:rPr lang="en-US" dirty="0" smtClean="0"/>
-              <a:t>segment is </a:t>
-            </a:r>
-            <a:r>
-              <a:rPr lang="en-US" dirty="0"/>
-              <a:t>uniquely determined by (</a:t>
+              <a:t>Each segment is uniquely determined by (</a:t>
             </a:r>
             <a:r>
               <a:rPr lang="en-US" i="1" dirty="0" err="1"/>
@@ -24918,51 +24207,22 @@
             </a:r>
             <a:r>
               <a:rPr lang="en-US" dirty="0"/>
-              <a:t>), the </a:t>
-            </a:r>
-            <a:r>
-              <a:rPr lang="en-US" dirty="0" smtClean="0"/>
-              <a:t>coordinates of </a:t>
-            </a:r>
+              <a:t>), the coordinates of its start and end points.</a:t>
+            </a:r>
+          </a:p>
+          <a:p>
+            <a:pPr lvl="2"/>
+            <a:r>
+              <a:rPr lang="en-US" i="1" dirty="0"/>
+              <a:t>Density(D)</a:t>
+            </a:r>
+          </a:p>
+          <a:p>
+            <a:pPr lvl="3"/>
             <a:r>
               <a:rPr lang="en-US" dirty="0"/>
-              <a:t>its start and end points</a:t>
-            </a:r>
-            <a:r>
-              <a:rPr lang="en-US" dirty="0" smtClean="0"/>
-              <a:t>.</a:t>
-            </a:r>
-          </a:p>
-          <a:p>
-            <a:pPr lvl="2"/>
-            <a:r>
-              <a:rPr lang="en-US" i="1" dirty="0" smtClean="0"/>
-              <a:t>Density(D)</a:t>
-            </a:r>
-          </a:p>
-          <a:p>
-            <a:pPr lvl="3"/>
-            <a:r>
-              <a:rPr lang="en-US" dirty="0" smtClean="0"/>
-              <a:t>the </a:t>
-            </a:r>
-            <a:r>
-              <a:rPr lang="en-US" dirty="0"/>
-              <a:t>number </a:t>
-            </a:r>
-            <a:r>
-              <a:rPr lang="en-US" dirty="0" smtClean="0"/>
-              <a:t>of segments </a:t>
-            </a:r>
-            <a:r>
-              <a:rPr lang="en-US" dirty="0"/>
-              <a:t>that contain </a:t>
-            </a:r>
-            <a:r>
-              <a:rPr lang="en-US" dirty="0" smtClean="0"/>
-              <a:t>a given point</a:t>
-            </a:r>
-            <a:endParaRPr lang="en-US" dirty="0"/>
+              <a:t>the number of segments that contain a given point</a:t>
+            </a:r>
           </a:p>
         </p:txBody>
       </p:sp>
@@ -24976,13 +24236,6 @@
   <p:clrMapOvr>
     <a:masterClrMapping/>
   </p:clrMapOvr>
-  <p:timing>
-    <p:tnLst>
-      <p:par>
-        <p:cTn id="1" dur="indefinite" restart="never" nodeType="tmRoot"/>
-      </p:par>
-    </p:tnLst>
-  </p:timing>
 </p:sld>
 </file>
 
@@ -25057,7 +24310,7 @@
               <a:buNone/>
             </a:pPr>
             <a:r>
-              <a:rPr lang="en-US" dirty="0" smtClean="0"/>
+              <a:rPr lang="en-US" dirty="0"/>
               <a:t>100,000 segments</a:t>
             </a:r>
           </a:p>
@@ -25066,32 +24319,20 @@
               <a:buNone/>
             </a:pPr>
             <a:r>
-              <a:rPr lang="en-US" dirty="0" smtClean="0"/>
+              <a:rPr lang="en-US" dirty="0"/>
               <a:t>total density: 40</a:t>
             </a:r>
           </a:p>
           <a:p>
             <a:r>
               <a:rPr lang="en-US" dirty="0"/>
-              <a:t>F</a:t>
-            </a:r>
-            <a:r>
-              <a:rPr lang="en-US" dirty="0" smtClean="0"/>
-              <a:t>igure 5.1a </a:t>
-            </a:r>
-          </a:p>
-          <a:p>
-            <a:r>
-              <a:rPr lang="en-US" sz="2600" dirty="0" smtClean="0"/>
-              <a:t>disk accesses=f(large </a:t>
-            </a:r>
+              <a:t>Figure 5.1a </a:t>
+            </a:r>
+          </a:p>
+          <a:p>
             <a:r>
               <a:rPr lang="en-US" sz="2600" dirty="0"/>
-              <a:t>segment </a:t>
-            </a:r>
-            <a:r>
-              <a:rPr lang="en-US" sz="2600" dirty="0" smtClean="0"/>
-              <a:t>density)</a:t>
+              <a:t>disk accesses=f(large segment density)</a:t>
             </a:r>
           </a:p>
           <a:p>
@@ -25100,49 +24341,38 @@
               <a:rPr lang="en-US" dirty="0"/>
               <a:t>large segments account for 10% of the total number of segments </a:t>
             </a:r>
-            <a:endParaRPr lang="en-US" dirty="0" smtClean="0"/>
           </a:p>
           <a:p>
             <a:pPr lvl="1"/>
             <a:r>
-              <a:rPr lang="en-US" dirty="0" smtClean="0"/>
+              <a:rPr lang="en-US" dirty="0"/>
               <a:t>N1=90,000</a:t>
             </a:r>
           </a:p>
           <a:p>
             <a:pPr lvl="1"/>
             <a:r>
-              <a:rPr lang="en-US" dirty="0" smtClean="0"/>
+              <a:rPr lang="en-US" dirty="0"/>
               <a:t>N2=10,000</a:t>
             </a:r>
-            <a:endParaRPr lang="en-US" dirty="0"/>
-          </a:p>
-          <a:p>
-            <a:r>
-              <a:rPr lang="en-US" dirty="0" smtClean="0"/>
-              <a:t>Figure </a:t>
-            </a:r>
+          </a:p>
+          <a:p>
             <a:r>
               <a:rPr lang="en-US" dirty="0"/>
-              <a:t>5.1b </a:t>
-            </a:r>
-            <a:endParaRPr lang="en-US" dirty="0" smtClean="0"/>
-          </a:p>
-          <a:p>
-            <a:r>
-              <a:rPr lang="en-US" sz="2600" dirty="0" smtClean="0"/>
+              <a:t>Figure 5.1b </a:t>
+            </a:r>
+          </a:p>
+          <a:p>
+            <a:r>
+              <a:rPr lang="en-US" sz="2600" dirty="0"/>
               <a:t>disk accesses= f(small segments)</a:t>
             </a:r>
           </a:p>
           <a:p>
             <a:pPr lvl="1"/>
             <a:r>
-              <a:rPr lang="en-US" dirty="0" smtClean="0"/>
-              <a:t>small </a:t>
-            </a:r>
-            <a:r>
               <a:rPr lang="en-US" dirty="0"/>
-              <a:t>segment density (D1=5).</a:t>
+              <a:t>small segment density (D1=5).</a:t>
             </a:r>
           </a:p>
         </p:txBody>
@@ -25303,13 +24533,7 @@
               <a:rPr lang="en-US" sz="2800" dirty="0">
                 <a:effectLst/>
               </a:rPr>
-              <a:t>search performance in query of </a:t>
-            </a:r>
-            <a:r>
-              <a:rPr lang="en-US" sz="2800" dirty="0" smtClean="0">
-                <a:effectLst/>
-              </a:rPr>
-              <a:t>SEGEMENTs</a:t>
+              <a:t>search performance in query of SEGEMENTs</a:t>
             </a:r>
             <a:endParaRPr lang="en-US" sz="2800" dirty="0"/>
           </a:p>
@@ -25338,61 +24562,28 @@
           <a:lstStyle/>
           <a:p>
             <a:r>
-              <a:rPr lang="en-US" sz="2000" dirty="0" smtClean="0"/>
+              <a:rPr lang="en-US" sz="2000" dirty="0"/>
               <a:t>N1 increase, few lengthy segments :</a:t>
             </a:r>
           </a:p>
           <a:p>
             <a:pPr lvl="1"/>
             <a:r>
-              <a:rPr lang="en-US" sz="1800" dirty="0" smtClean="0"/>
-              <a:t>R+-trees gain a performance improvements of up </a:t>
-            </a:r>
-            <a:r>
               <a:rPr lang="en-US" sz="1800" dirty="0"/>
-              <a:t>to 50</a:t>
-            </a:r>
-            <a:r>
-              <a:rPr lang="en-US" sz="1800" dirty="0" smtClean="0"/>
-              <a:t>%.</a:t>
-            </a:r>
-          </a:p>
-          <a:p>
-            <a:r>
-              <a:rPr lang="en-US" sz="2000" dirty="0" smtClean="0"/>
-              <a:t>N2 approaches </a:t>
-            </a:r>
+              <a:t>R+-trees gain a performance improvements of up to 50%.</a:t>
+            </a:r>
+          </a:p>
+          <a:p>
             <a:r>
               <a:rPr lang="en-US" sz="2000" dirty="0"/>
-              <a:t>the total number of segments, R</a:t>
-            </a:r>
-            <a:r>
-              <a:rPr lang="en-US" sz="2000" dirty="0" smtClean="0"/>
-              <a:t>+-trees </a:t>
-            </a:r>
-            <a:r>
-              <a:rPr lang="en-US" sz="2000" dirty="0"/>
-              <a:t>will lose </a:t>
-            </a:r>
-            <a:endParaRPr lang="en-US" sz="2000" dirty="0" smtClean="0"/>
+              <a:t>N2 approaches the total number of segments, R+-trees will lose </a:t>
+            </a:r>
           </a:p>
           <a:p>
             <a:pPr lvl="1"/>
             <a:r>
-              <a:rPr lang="en-US" sz="1800" dirty="0" smtClean="0"/>
-              <a:t>many </a:t>
-            </a:r>
-            <a:r>
               <a:rPr lang="en-US" sz="1800" dirty="0"/>
-              <a:t>lengthy segments cause a </a:t>
-            </a:r>
-            <a:r>
-              <a:rPr lang="en-US" sz="1800" dirty="0" smtClean="0"/>
-              <a:t>lot of </a:t>
-            </a:r>
-            <a:r>
-              <a:rPr lang="en-US" sz="1800" dirty="0"/>
-              <a:t>splits to sub-segments.</a:t>
+              <a:t>many lengthy segments cause a lot of splits to sub-segments.</a:t>
             </a:r>
           </a:p>
         </p:txBody>
@@ -25437,13 +24628,6 @@
   <p:clrMapOvr>
     <a:masterClrMapping/>
   </p:clrMapOvr>
-  <p:timing>
-    <p:tnLst>
-      <p:par>
-        <p:cTn id="1" dur="indefinite" restart="never" nodeType="tmRoot"/>
-      </p:par>
-    </p:tnLst>
-  </p:timing>
 </p:sld>
 </file>
 
@@ -25480,14 +24664,11 @@
           <a:lstStyle/>
           <a:p>
             <a:r>
-              <a:rPr lang="en-US" dirty="0" smtClean="0">
+              <a:rPr lang="en-US" dirty="0">
                 <a:effectLst/>
               </a:rPr>
               <a:t>conclusion</a:t>
             </a:r>
-            <a:endParaRPr lang="en-US" dirty="0">
-              <a:effectLst/>
-            </a:endParaRPr>
           </a:p>
         </p:txBody>
       </p:sp>
@@ -25514,54 +24695,22 @@
           <a:lstStyle/>
           <a:p>
             <a:r>
-              <a:rPr lang="en-US" dirty="0" smtClean="0"/>
-              <a:t>Advantage </a:t>
-            </a:r>
-            <a:r>
               <a:rPr lang="en-US" dirty="0"/>
-              <a:t>of R+-trees compared to </a:t>
-            </a:r>
-            <a:r>
-              <a:rPr lang="en-US" dirty="0" smtClean="0"/>
-              <a:t>R-trees </a:t>
+              <a:t>Advantage of R+-trees compared to R-trees </a:t>
             </a:r>
           </a:p>
           <a:p>
             <a:pPr lvl="1"/>
             <a:r>
-              <a:rPr lang="en-US" dirty="0" smtClean="0"/>
-              <a:t>improve </a:t>
-            </a:r>
-            <a:r>
               <a:rPr lang="en-US" dirty="0"/>
-              <a:t>search </a:t>
-            </a:r>
-            <a:r>
-              <a:rPr lang="en-US" dirty="0" smtClean="0"/>
-              <a:t>performance</a:t>
+              <a:t>improve search performance</a:t>
             </a:r>
           </a:p>
           <a:p>
             <a:pPr lvl="2"/>
             <a:r>
-              <a:rPr lang="en-US" dirty="0" smtClean="0"/>
-              <a:t>especially in point </a:t>
-            </a:r>
-            <a:r>
               <a:rPr lang="en-US" dirty="0"/>
-              <a:t>queries, </a:t>
-            </a:r>
-            <a:r>
-              <a:rPr lang="en-US" dirty="0" smtClean="0"/>
-              <a:t>more </a:t>
-            </a:r>
-            <a:r>
-              <a:rPr lang="en-US" dirty="0"/>
-              <a:t>than 50% savings in disk accesses</a:t>
-            </a:r>
-            <a:r>
-              <a:rPr lang="en-US" dirty="0" smtClean="0"/>
-              <a:t>.</a:t>
+              <a:t>especially in point queries, more than 50% savings in disk accesses.</a:t>
             </a:r>
           </a:p>
           <a:p>
@@ -25589,51 +24738,19 @@
             <a:pPr lvl="3"/>
             <a:r>
               <a:rPr lang="en-US" dirty="0"/>
-              <a:t>they split these large data objects into smaller ones</a:t>
-            </a:r>
-            <a:r>
-              <a:rPr lang="en-US" dirty="0" smtClean="0"/>
-              <a:t>.</a:t>
+              <a:t>they split these large data objects into smaller ones.</a:t>
             </a:r>
           </a:p>
           <a:p>
             <a:pPr lvl="1"/>
             <a:r>
               <a:rPr lang="en-US" dirty="0"/>
-              <a:t>behaves exactly as a </a:t>
-            </a:r>
-            <a:r>
-              <a:rPr lang="en-US" dirty="0" smtClean="0"/>
-              <a:t>K-DB-tree(efficient for indexing </a:t>
-            </a:r>
-            <a:r>
-              <a:rPr lang="en-US" dirty="0"/>
-              <a:t>point data</a:t>
-            </a:r>
-            <a:r>
-              <a:rPr lang="en-US" dirty="0" smtClean="0"/>
-              <a:t>) </a:t>
-            </a:r>
-            <a:r>
-              <a:rPr lang="en-US" dirty="0"/>
-              <a:t>in the case where the data is </a:t>
-            </a:r>
-            <a:r>
-              <a:rPr lang="en-US" dirty="0" smtClean="0"/>
-              <a:t>points instead </a:t>
-            </a:r>
-            <a:r>
-              <a:rPr lang="en-US" dirty="0"/>
-              <a:t>of non-zero area objects (rectangles</a:t>
-            </a:r>
-            <a:r>
-              <a:rPr lang="en-US" dirty="0" smtClean="0"/>
-              <a:t>).</a:t>
+              <a:t>behaves exactly as a K-DB-tree(efficient for indexing point data) in the case where the data is points instead of non-zero area objects (rectangles).</a:t>
             </a:r>
           </a:p>
           <a:p>
             <a:pPr lvl="1"/>
-            <a:endParaRPr lang="en-US" dirty="0" smtClean="0"/>
+            <a:endParaRPr lang="en-US" dirty="0"/>
           </a:p>
         </p:txBody>
       </p:sp>
@@ -25647,13 +24764,6 @@
   <p:clrMapOvr>
     <a:masterClrMapping/>
   </p:clrMapOvr>
-  <p:timing>
-    <p:tnLst>
-      <p:par>
-        <p:cTn id="1" dur="indefinite" restart="never" nodeType="tmRoot"/>
-      </p:par>
-    </p:tnLst>
-  </p:timing>
 </p:sld>
 </file>
 
@@ -25690,14 +24800,11 @@
           <a:lstStyle/>
           <a:p>
             <a:r>
-              <a:rPr lang="en-US" dirty="0" smtClean="0">
+              <a:rPr lang="en-US" dirty="0">
                 <a:effectLst/>
               </a:rPr>
               <a:t>Future work</a:t>
             </a:r>
-            <a:endParaRPr lang="en-US" dirty="0">
-              <a:effectLst/>
-            </a:endParaRPr>
           </a:p>
         </p:txBody>
       </p:sp>
@@ -25719,24 +24826,17 @@
           <a:lstStyle/>
           <a:p>
             <a:r>
-              <a:rPr lang="en-US" dirty="0" smtClean="0"/>
-              <a:t>Experimentation </a:t>
-            </a:r>
-            <a:r>
               <a:rPr lang="en-US" dirty="0"/>
-              <a:t>through simulation to </a:t>
-            </a:r>
-            <a:r>
-              <a:rPr lang="en-US" dirty="0" smtClean="0"/>
-              <a:t>verify the </a:t>
-            </a:r>
+              <a:t>Experimentation through simulation to verify the analytical results.</a:t>
+            </a:r>
+          </a:p>
+          <a:p>
+            <a:endParaRPr lang="en-US" dirty="0"/>
+          </a:p>
+          <a:p>
             <a:r>
               <a:rPr lang="en-US" dirty="0"/>
-              <a:t>analytical results</a:t>
-            </a:r>
-            <a:r>
-              <a:rPr lang="en-US" dirty="0" smtClean="0"/>
-              <a:t>.</a:t>
+              <a:t>Extension of the analysis for rectangles on a plane (2-d), and eventually for spaces of arbitrary dimensionality.</a:t>
             </a:r>
           </a:p>
           <a:p>
@@ -25744,78 +24844,17 @@
           </a:p>
           <a:p>
             <a:r>
-              <a:rPr lang="en-US" dirty="0" smtClean="0"/>
-              <a:t>Extension </a:t>
-            </a:r>
-            <a:r>
               <a:rPr lang="en-US" dirty="0"/>
-              <a:t>of the analysis for rectangles on </a:t>
-            </a:r>
-            <a:r>
-              <a:rPr lang="en-US" dirty="0" smtClean="0"/>
-              <a:t>a plane </a:t>
-            </a:r>
+              <a:t>Design and experimentation with alternative methods for partitioning a node and compacting an R+-tree.</a:t>
+            </a:r>
+          </a:p>
+          <a:p>
+            <a:endParaRPr lang="en-US" dirty="0"/>
+          </a:p>
+          <a:p>
             <a:r>
               <a:rPr lang="en-US" dirty="0"/>
-              <a:t>(2-d), and eventually for spaces of </a:t>
-            </a:r>
-            <a:r>
-              <a:rPr lang="en-US" dirty="0" smtClean="0"/>
-              <a:t>arbitrary dimensionality.</a:t>
-            </a:r>
-          </a:p>
-          <a:p>
-            <a:endParaRPr lang="en-US" dirty="0"/>
-          </a:p>
-          <a:p>
-            <a:r>
-              <a:rPr lang="en-US" dirty="0" smtClean="0"/>
-              <a:t>Design </a:t>
-            </a:r>
-            <a:r>
-              <a:rPr lang="en-US" dirty="0"/>
-              <a:t>and experimentation with </a:t>
-            </a:r>
-            <a:r>
-              <a:rPr lang="en-US" dirty="0" smtClean="0"/>
-              <a:t>alternative methods </a:t>
-            </a:r>
-            <a:r>
-              <a:rPr lang="en-US" dirty="0"/>
-              <a:t>for partitioning a node and </a:t>
-            </a:r>
-            <a:r>
-              <a:rPr lang="en-US" dirty="0" smtClean="0"/>
-              <a:t>compacting an </a:t>
-            </a:r>
-            <a:r>
-              <a:rPr lang="en-US" dirty="0"/>
-              <a:t>R+-tree</a:t>
-            </a:r>
-            <a:r>
-              <a:rPr lang="en-US" dirty="0" smtClean="0"/>
-              <a:t>.</a:t>
-            </a:r>
-          </a:p>
-          <a:p>
-            <a:endParaRPr lang="en-US" dirty="0"/>
-          </a:p>
-          <a:p>
-            <a:r>
-              <a:rPr lang="en-US" dirty="0" smtClean="0"/>
-              <a:t>Comparison </a:t>
-            </a:r>
-            <a:r>
-              <a:rPr lang="en-US" dirty="0"/>
-              <a:t>of R- and R+-trees with </a:t>
-            </a:r>
-            <a:r>
-              <a:rPr lang="en-US" dirty="0" smtClean="0"/>
-              <a:t>other methods </a:t>
-            </a:r>
-            <a:r>
-              <a:rPr lang="en-US" dirty="0"/>
-              <a:t>for handling multi-dimensional objects.</a:t>
+              <a:t>Comparison of R- and R+-trees with other methods for handling multi-dimensional objects.</a:t>
             </a:r>
           </a:p>
         </p:txBody>
@@ -25830,13 +24869,6 @@
   <p:clrMapOvr>
     <a:masterClrMapping/>
   </p:clrMapOvr>
-  <p:timing>
-    <p:tnLst>
-      <p:par>
-        <p:cTn id="1" dur="indefinite" restart="never" nodeType="tmRoot"/>
-      </p:par>
-    </p:tnLst>
-  </p:timing>
 </p:sld>
 </file>
 
@@ -25899,38 +24931,37 @@
           <a:lstStyle/>
           <a:p>
             <a:r>
-              <a:rPr lang="en-US" dirty="0" smtClean="0"/>
+              <a:rPr lang="en-US" dirty="0"/>
               <a:t>Multi-dimensional data in application areas</a:t>
             </a:r>
           </a:p>
           <a:p>
             <a:pPr lvl="1"/>
             <a:r>
-              <a:rPr lang="en-US" dirty="0" smtClean="0"/>
+              <a:rPr lang="en-US" dirty="0"/>
               <a:t>Cartography</a:t>
             </a:r>
           </a:p>
           <a:p>
             <a:pPr lvl="1"/>
             <a:r>
-              <a:rPr lang="en-US" dirty="0" smtClean="0"/>
+              <a:rPr lang="en-US" dirty="0"/>
               <a:t>CAD(Computer-Aided Design)</a:t>
             </a:r>
           </a:p>
           <a:p>
             <a:pPr lvl="1"/>
             <a:r>
-              <a:rPr lang="en-US" dirty="0" smtClean="0"/>
+              <a:rPr lang="en-US" dirty="0"/>
               <a:t>Computer Vision and robotics</a:t>
             </a:r>
           </a:p>
           <a:p>
             <a:pPr lvl="1"/>
             <a:r>
-              <a:rPr lang="en-US" dirty="0" smtClean="0"/>
+              <a:rPr lang="en-US" dirty="0"/>
               <a:t>Rule indexing in expert database systems</a:t>
             </a:r>
-            <a:endParaRPr lang="en-US" dirty="0"/>
           </a:p>
         </p:txBody>
       </p:sp>
@@ -26654,10 +25685,9 @@
               <a:buNone/>
             </a:pPr>
             <a:r>
-              <a:rPr lang="en-US" sz="4800" dirty="0" smtClean="0"/>
+              <a:rPr lang="en-US" sz="4800" dirty="0"/>
               <a:t>Thanks!</a:t>
             </a:r>
-            <a:endParaRPr lang="en-US" sz="4800" dirty="0"/>
           </a:p>
         </p:txBody>
       </p:sp>
@@ -26701,13 +25731,6 @@
   <p:clrMapOvr>
     <a:masterClrMapping/>
   </p:clrMapOvr>
-  <p:timing>
-    <p:tnLst>
-      <p:par>
-        <p:cTn id="1" dur="indefinite" restart="never" nodeType="tmRoot"/>
-      </p:par>
-    </p:tnLst>
-  </p:timing>
 </p:sld>
 </file>
 
@@ -26765,21 +25788,21 @@
           <a:lstStyle/>
           <a:p>
             <a:r>
-              <a:rPr lang="en-US" dirty="0" smtClean="0"/>
+              <a:rPr lang="en-US" dirty="0"/>
               <a:t>DBMS with multi-dimensional data</a:t>
             </a:r>
           </a:p>
           <a:p>
             <a:pPr lvl="1"/>
             <a:r>
-              <a:rPr lang="en-US" dirty="0" smtClean="0"/>
+              <a:rPr lang="en-US" dirty="0"/>
               <a:t>Addressed operations</a:t>
             </a:r>
           </a:p>
           <a:p>
             <a:pPr lvl="2"/>
             <a:r>
-              <a:rPr lang="en-US" dirty="0" smtClean="0"/>
+              <a:rPr lang="en-US" dirty="0"/>
               <a:t>Point queries</a:t>
             </a:r>
           </a:p>
@@ -26787,72 +25810,50 @@
             <a:pPr lvl="3"/>
             <a:r>
               <a:rPr lang="en-US" dirty="0"/>
-              <a:t>Given a point in the space, </a:t>
-            </a:r>
-            <a:r>
-              <a:rPr lang="en-US" dirty="0" smtClean="0"/>
-              <a:t>find all </a:t>
-            </a:r>
+              <a:t>Given a point in the space, find all objects that contain it</a:t>
+            </a:r>
+          </a:p>
+          <a:p>
+            <a:pPr lvl="2"/>
             <a:r>
               <a:rPr lang="en-US" dirty="0"/>
-              <a:t>objects that contain it</a:t>
-            </a:r>
-            <a:endParaRPr lang="en-US" dirty="0" smtClean="0"/>
+              <a:t>Region queries</a:t>
+            </a:r>
+          </a:p>
+          <a:p>
+            <a:pPr lvl="3"/>
+            <a:r>
+              <a:rPr lang="en-US" dirty="0"/>
+              <a:t>Given a region (query window), find all objects that intersect it</a:t>
+            </a:r>
+          </a:p>
+          <a:p>
+            <a:pPr lvl="1"/>
+            <a:r>
+              <a:rPr lang="en-US" dirty="0"/>
+              <a:t>Un- addressed operations</a:t>
+            </a:r>
           </a:p>
           <a:p>
             <a:pPr lvl="2"/>
             <a:r>
-              <a:rPr lang="en-US" dirty="0" smtClean="0"/>
-              <a:t>Region queries</a:t>
-            </a:r>
-          </a:p>
-          <a:p>
-            <a:pPr lvl="3"/>
-            <a:r>
               <a:rPr lang="en-US" dirty="0"/>
-              <a:t>Given a region (query window</a:t>
-            </a:r>
-            <a:r>
-              <a:rPr lang="en-US" dirty="0" smtClean="0"/>
-              <a:t>), find </a:t>
-            </a:r>
+              <a:t>Insertion</a:t>
+            </a:r>
+          </a:p>
+          <a:p>
+            <a:pPr lvl="2"/>
             <a:r>
               <a:rPr lang="en-US" dirty="0"/>
-              <a:t>all objects that intersect </a:t>
-            </a:r>
-            <a:r>
-              <a:rPr lang="en-US" dirty="0" smtClean="0"/>
-              <a:t>it</a:t>
-            </a:r>
-          </a:p>
-          <a:p>
-            <a:pPr lvl="1"/>
-            <a:r>
-              <a:rPr lang="en-US" dirty="0" smtClean="0"/>
-              <a:t>Un- addressed operations</a:t>
+              <a:t>Deletion</a:t>
             </a:r>
           </a:p>
           <a:p>
             <a:pPr lvl="2"/>
             <a:r>
-              <a:rPr lang="en-US" dirty="0" smtClean="0"/>
-              <a:t>Insertion</a:t>
-            </a:r>
-          </a:p>
-          <a:p>
-            <a:pPr lvl="2"/>
-            <a:r>
-              <a:rPr lang="en-US" dirty="0" smtClean="0"/>
-              <a:t>Deletion</a:t>
-            </a:r>
-          </a:p>
-          <a:p>
-            <a:pPr lvl="2"/>
-            <a:r>
-              <a:rPr lang="en-US" dirty="0" smtClean="0"/>
+              <a:rPr lang="en-US" dirty="0"/>
               <a:t>modification</a:t>
             </a:r>
-            <a:endParaRPr lang="en-US" dirty="0"/>
           </a:p>
         </p:txBody>
       </p:sp>
@@ -26891,10 +25892,9 @@
           <a:p>
             <a:pPr algn="ctr"/>
             <a:r>
-              <a:rPr lang="en-US" dirty="0" smtClean="0"/>
+              <a:rPr lang="en-US" dirty="0"/>
               <a:t>Need  support in dynamic environment</a:t>
             </a:r>
-            <a:endParaRPr lang="en-US" dirty="0"/>
           </a:p>
         </p:txBody>
       </p:sp>
@@ -27077,14 +26077,11 @@
           <a:lstStyle/>
           <a:p>
             <a:r>
-              <a:rPr lang="en-US" dirty="0" smtClean="0">
+              <a:rPr lang="en-US" dirty="0">
                 <a:effectLst/>
               </a:rPr>
               <a:t>Survey</a:t>
             </a:r>
-            <a:endParaRPr lang="en-US" dirty="0">
-              <a:effectLst/>
-            </a:endParaRPr>
           </a:p>
         </p:txBody>
       </p:sp>
@@ -27104,44 +26101,30 @@
           <a:lstStyle/>
           <a:p>
             <a:r>
-              <a:rPr lang="en-US" dirty="0" smtClean="0"/>
-              <a:t>Classification of multi-dimensional </a:t>
-            </a:r>
-            <a:r>
-              <a:rPr lang="en-US" dirty="0" smtClean="0"/>
-              <a:t>objects</a:t>
+              <a:rPr lang="en-US" dirty="0"/>
+              <a:t>Classification of multi-dimensional objects</a:t>
             </a:r>
           </a:p>
           <a:p>
             <a:pPr lvl="1"/>
             <a:r>
-              <a:rPr lang="en-US" dirty="0" smtClean="0"/>
+              <a:rPr lang="en-US" dirty="0"/>
               <a:t>Points</a:t>
             </a:r>
-            <a:endParaRPr lang="en-US" dirty="0" smtClean="0"/>
           </a:p>
           <a:p>
             <a:pPr lvl="1"/>
             <a:r>
-              <a:rPr lang="en-US" dirty="0" smtClean="0"/>
+              <a:rPr lang="en-US" dirty="0"/>
               <a:t>Rectangles</a:t>
             </a:r>
           </a:p>
           <a:p>
             <a:pPr lvl="2"/>
             <a:r>
-              <a:rPr lang="en-US" dirty="0" smtClean="0"/>
-              <a:t>Circles, polygons and other complex objects can be reduced to </a:t>
-            </a:r>
-            <a:r>
-              <a:rPr lang="en-US" dirty="0" smtClean="0"/>
-              <a:t>rectangles(MBRs</a:t>
-            </a:r>
-            <a:r>
-              <a:rPr lang="en-US" dirty="0" smtClean="0"/>
-              <a:t>)</a:t>
-            </a:r>
-            <a:endParaRPr lang="en-US" dirty="0"/>
+              <a:rPr lang="en-US" dirty="0"/>
+              <a:t>Circles, polygons and other complex objects can be reduced to rectangles(MBRs)</a:t>
+            </a:r>
           </a:p>
         </p:txBody>
       </p:sp>
@@ -27155,13 +26138,6 @@
   <p:clrMapOvr>
     <a:masterClrMapping/>
   </p:clrMapOvr>
-  <p:timing>
-    <p:tnLst>
-      <p:par>
-        <p:cTn id="1" dur="indefinite" restart="never" nodeType="tmRoot"/>
-      </p:par>
-    </p:tnLst>
-  </p:timing>
 </p:sld>
 </file>
 
@@ -27198,14 +26174,11 @@
           <a:lstStyle/>
           <a:p>
             <a:r>
-              <a:rPr lang="en-US" dirty="0" smtClean="0">
+              <a:rPr lang="en-US" dirty="0">
                 <a:effectLst/>
               </a:rPr>
               <a:t>Points</a:t>
             </a:r>
-            <a:endParaRPr lang="en-US" dirty="0">
-              <a:effectLst/>
-            </a:endParaRPr>
           </a:p>
         </p:txBody>
       </p:sp>
@@ -27227,22 +26200,18 @@
           <a:lstStyle/>
           <a:p>
             <a:r>
-              <a:rPr lang="en-US" dirty="0" smtClean="0"/>
+              <a:rPr lang="en-US" dirty="0"/>
               <a:t>Method </a:t>
             </a:r>
           </a:p>
           <a:p>
             <a:pPr lvl="1"/>
             <a:r>
-              <a:rPr lang="en-US" dirty="0" smtClean="0"/>
-              <a:t>divide </a:t>
-            </a:r>
-            <a:r>
               <a:rPr lang="en-US" dirty="0"/>
-              <a:t>the whole space into </a:t>
-            </a:r>
-            <a:r>
-              <a:rPr lang="en-US" b="1" dirty="0" smtClean="0">
+              <a:t>divide the whole space into </a:t>
+            </a:r>
+            <a:r>
+              <a:rPr lang="en-US" b="1" dirty="0">
                 <a:solidFill>
                   <a:srgbClr val="FF0000"/>
                 </a:solidFill>
@@ -27250,30 +26219,26 @@
               <a:t>disjoint</a:t>
             </a:r>
             <a:r>
-              <a:rPr lang="en-US" b="1" dirty="0" smtClean="0"/>
+              <a:rPr lang="en-US" b="1" dirty="0"/>
               <a:t> </a:t>
             </a:r>
             <a:r>
-              <a:rPr lang="en-US" dirty="0" smtClean="0"/>
+              <a:rPr lang="en-US" dirty="0"/>
               <a:t>sub-regions </a:t>
             </a:r>
           </a:p>
           <a:p>
             <a:pPr lvl="2"/>
             <a:r>
-              <a:rPr lang="en-US" dirty="0" smtClean="0"/>
-              <a:t>each sub-region contains </a:t>
-            </a:r>
-            <a:r>
               <a:rPr lang="en-US" dirty="0"/>
-              <a:t>no more than </a:t>
+              <a:t>each sub-region contains no more than </a:t>
             </a:r>
             <a:r>
               <a:rPr lang="en-US" i="1" dirty="0"/>
               <a:t>C </a:t>
             </a:r>
             <a:r>
-              <a:rPr lang="en-US" dirty="0" smtClean="0"/>
+              <a:rPr lang="en-US" dirty="0"/>
               <a:t>points </a:t>
             </a:r>
           </a:p>
@@ -27284,47 +26249,31 @@
               <a:t>usually </a:t>
             </a:r>
             <a:r>
-              <a:rPr lang="en-US" i="1" dirty="0" smtClean="0"/>
+              <a:rPr lang="en-US" i="1" dirty="0"/>
               <a:t>C </a:t>
             </a:r>
             <a:r>
-              <a:rPr lang="en-US" dirty="0" smtClean="0"/>
-              <a:t>= 1 /the </a:t>
-            </a:r>
-            <a:r>
               <a:rPr lang="en-US" dirty="0"/>
-              <a:t>capacity of a disk </a:t>
-            </a:r>
-            <a:r>
-              <a:rPr lang="en-US" dirty="0" smtClean="0"/>
-              <a:t>page(number </a:t>
-            </a:r>
+              <a:t>= 1 /the capacity of a disk page(number of data records the page can hold)</a:t>
+            </a:r>
+          </a:p>
+          <a:p>
             <a:r>
               <a:rPr lang="en-US" dirty="0"/>
-              <a:t>of data records the page can </a:t>
-            </a:r>
-            <a:r>
-              <a:rPr lang="en-US" dirty="0" smtClean="0"/>
-              <a:t>hold)</a:t>
-            </a:r>
-          </a:p>
-          <a:p>
-            <a:r>
-              <a:rPr lang="en-US" dirty="0" smtClean="0"/>
               <a:t>Operations</a:t>
             </a:r>
           </a:p>
           <a:p>
             <a:pPr lvl="1"/>
             <a:r>
-              <a:rPr lang="en-US" dirty="0" smtClean="0"/>
+              <a:rPr lang="en-US" dirty="0"/>
               <a:t>Insertion</a:t>
             </a:r>
           </a:p>
           <a:p>
             <a:pPr lvl="2"/>
             <a:r>
-              <a:rPr lang="en-US" b="1" dirty="0" smtClean="0">
+              <a:rPr lang="en-US" b="1" dirty="0">
                 <a:solidFill>
                   <a:schemeClr val="tx1"/>
                 </a:solidFill>
@@ -27332,14 +26281,14 @@
               <a:t>Split</a:t>
             </a:r>
             <a:r>
-              <a:rPr lang="en-US" dirty="0" smtClean="0"/>
+              <a:rPr lang="en-US" dirty="0"/>
               <a:t>: further partition of a region</a:t>
             </a:r>
           </a:p>
           <a:p>
             <a:pPr lvl="3"/>
             <a:r>
-              <a:rPr lang="en-US" dirty="0" smtClean="0"/>
+              <a:rPr lang="en-US" dirty="0"/>
               <a:t>introduce a hyper-plane and divided region into disjoint sub-regions</a:t>
             </a:r>
           </a:p>
@@ -27355,13 +26304,6 @@
   <p:clrMapOvr>
     <a:masterClrMapping/>
   </p:clrMapOvr>
-  <p:timing>
-    <p:tnLst>
-      <p:par>
-        <p:cTn id="1" dur="indefinite" restart="never" nodeType="tmRoot"/>
-      </p:par>
-    </p:tnLst>
-  </p:timing>
 </p:sld>
 </file>
 
@@ -27419,90 +26361,88 @@
           <a:lstStyle/>
           <a:p>
             <a:r>
-              <a:rPr lang="en-US" dirty="0" smtClean="0"/>
+              <a:rPr lang="en-US" dirty="0"/>
               <a:t>Attribute of Split</a:t>
             </a:r>
-            <a:endParaRPr lang="en-US" dirty="0"/>
           </a:p>
           <a:p>
             <a:pPr lvl="1"/>
             <a:r>
-              <a:rPr lang="en-US" dirty="0" smtClean="0"/>
+              <a:rPr lang="en-US" dirty="0"/>
               <a:t>Position of Hyper-plane</a:t>
             </a:r>
-            <a:endParaRPr lang="en-US" dirty="0"/>
           </a:p>
           <a:p>
             <a:pPr lvl="2"/>
             <a:r>
-              <a:rPr lang="en-US" dirty="0" smtClean="0"/>
+              <a:rPr lang="en-US" dirty="0"/>
               <a:t>Fixed</a:t>
             </a:r>
           </a:p>
           <a:p>
             <a:pPr lvl="3"/>
             <a:r>
-              <a:rPr lang="en-US" dirty="0" smtClean="0"/>
+              <a:rPr lang="en-US" dirty="0"/>
               <a:t>Hyper-plane is predetermined</a:t>
             </a:r>
           </a:p>
           <a:p>
             <a:pPr lvl="2"/>
             <a:r>
-              <a:rPr lang="en-US" dirty="0" smtClean="0"/>
+              <a:rPr lang="en-US" dirty="0"/>
               <a:t>Adaptable</a:t>
             </a:r>
           </a:p>
           <a:p>
             <a:pPr lvl="3"/>
             <a:r>
-              <a:rPr lang="en-US" dirty="0" smtClean="0"/>
+              <a:rPr lang="en-US" dirty="0"/>
               <a:t>Let the data point determine the position of the hyper-plane</a:t>
             </a:r>
           </a:p>
           <a:p>
             <a:pPr lvl="1"/>
             <a:r>
-              <a:rPr lang="en-US" dirty="0" smtClean="0"/>
+              <a:rPr lang="en-US" dirty="0"/>
               <a:t>Dimensionality</a:t>
             </a:r>
           </a:p>
           <a:p>
             <a:pPr lvl="2"/>
             <a:r>
-              <a:rPr lang="en-US" dirty="0" smtClean="0"/>
+              <a:rPr lang="en-US" dirty="0"/>
               <a:t>One hyper-plane</a:t>
             </a:r>
           </a:p>
           <a:p>
             <a:pPr lvl="2"/>
             <a:r>
-              <a:rPr lang="en-US" dirty="0" smtClean="0"/>
+              <a:rPr lang="en-US" dirty="0"/>
               <a:t>K hyper-plane</a:t>
             </a:r>
           </a:p>
           <a:p>
             <a:pPr lvl="1"/>
             <a:r>
-              <a:rPr lang="en-US" dirty="0" smtClean="0"/>
+              <a:rPr lang="en-US" dirty="0"/>
               <a:t>Locality</a:t>
             </a:r>
           </a:p>
           <a:p>
             <a:pPr lvl="2"/>
             <a:r>
-              <a:rPr lang="en-US" dirty="0" smtClean="0"/>
+              <a:rPr lang="en-US" dirty="0"/>
               <a:t>Grid method: split all regions in this direction</a:t>
             </a:r>
           </a:p>
           <a:p>
             <a:pPr lvl="2"/>
             <a:r>
-              <a:rPr lang="en-US" dirty="0" err="1" smtClean="0"/>
+              <a:rPr lang="en-US" dirty="0" err="1"/>
               <a:t>Brickwall</a:t>
             </a:r>
             <a:r>
-              <a:rPr lang="en-US" dirty="0" smtClean="0"/>
+              <a:rPr lang="en-US" dirty="0"/>
               <a:t> method: split only the region that need to be spitted</a:t>
             </a:r>
           </a:p>
@@ -27537,8 +26477,8 @@
         </p:blipFill>
         <p:spPr>
           <a:xfrm>
-            <a:off x="1609436" y="2057400"/>
-            <a:ext cx="5772150" cy="2276475"/>
+            <a:off x="4267200" y="383381"/>
+            <a:ext cx="4624964" cy="1824037"/>
           </a:xfrm>
           <a:prstGeom prst="rect">
             <a:avLst/>
@@ -27674,14 +26614,11 @@
           <a:lstStyle/>
           <a:p>
             <a:r>
-              <a:rPr lang="en-US" dirty="0" smtClean="0">
+              <a:rPr lang="en-US" dirty="0">
                 <a:effectLst/>
               </a:rPr>
               <a:t>Rectangles</a:t>
             </a:r>
-            <a:endParaRPr lang="en-US" dirty="0">
-              <a:effectLst/>
-            </a:endParaRPr>
           </a:p>
         </p:txBody>
       </p:sp>
@@ -27709,155 +26646,74 @@
           <a:p>
             <a:r>
               <a:rPr lang="en-US" dirty="0"/>
-              <a:t>Methods </a:t>
-            </a:r>
-            <a:r>
-              <a:rPr lang="en-US" dirty="0" smtClean="0"/>
-              <a:t>classification</a:t>
+              <a:t>Methods classification</a:t>
             </a:r>
           </a:p>
           <a:p>
             <a:pPr lvl="1"/>
             <a:r>
-              <a:rPr lang="en-US" dirty="0" smtClean="0"/>
-              <a:t>(1) transform </a:t>
-            </a:r>
-            <a:r>
               <a:rPr lang="en-US" dirty="0"/>
-              <a:t>the rectangles </a:t>
-            </a:r>
-            <a:r>
-              <a:rPr lang="en-US" dirty="0" smtClean="0"/>
-              <a:t>into points </a:t>
+              <a:t>(1) transform the rectangles into points in a space of higher dimensionality</a:t>
+            </a:r>
+          </a:p>
+          <a:p>
+            <a:pPr lvl="2"/>
+            <a:r>
+              <a:rPr lang="en-US" dirty="0" err="1"/>
+              <a:t>Eg</a:t>
             </a:r>
             <a:r>
               <a:rPr lang="en-US" dirty="0"/>
-              <a:t>in a space of higher </a:t>
-            </a:r>
-            <a:r>
-              <a:rPr lang="en-US" dirty="0" smtClean="0"/>
-              <a:t>dimensionality</a:t>
+              <a:t>: 2-d rectangle be considered as 4-d point</a:t>
+            </a:r>
+          </a:p>
+          <a:p>
+            <a:pPr lvl="1"/>
+            <a:r>
+              <a:rPr lang="en-US" dirty="0"/>
+              <a:t>(2) use </a:t>
+            </a:r>
+            <a:r>
+              <a:rPr lang="en-US" i="1" dirty="0"/>
+              <a:t>space filling curves</a:t>
+            </a:r>
+            <a:r>
+              <a:rPr lang="en-US" dirty="0"/>
+              <a:t> to map a k-d space onto a 1-d space</a:t>
             </a:r>
           </a:p>
           <a:p>
             <a:pPr lvl="2"/>
             <a:r>
-              <a:rPr lang="en-US" dirty="0" err="1" smtClean="0"/>
+              <a:rPr lang="en-US" dirty="0" err="1"/>
               <a:t>Eg</a:t>
             </a:r>
             <a:r>
-              <a:rPr lang="en-US" dirty="0" smtClean="0"/>
-              <a:t>: 2-d rectangle be considered as 4-d point</a:t>
+              <a:rPr lang="en-US" dirty="0"/>
+              <a:t>: transform k-dimensional objects to line segments, using the so-called </a:t>
+            </a:r>
+            <a:r>
+              <a:rPr lang="en-US" i="1" dirty="0"/>
+              <a:t>z-transform. </a:t>
+            </a:r>
+          </a:p>
+          <a:p>
+            <a:pPr lvl="2"/>
+            <a:r>
+              <a:rPr lang="en-US" dirty="0"/>
+              <a:t>preserve the distance</a:t>
+            </a:r>
+          </a:p>
+          <a:p>
+            <a:pPr lvl="3"/>
+            <a:r>
+              <a:rPr lang="en-US" dirty="0"/>
+              <a:t>points that are close in the k-d space are likely to be close in the 1-d transformed space</a:t>
             </a:r>
           </a:p>
           <a:p>
             <a:pPr lvl="1"/>
-            <a:r>
-              <a:rPr lang="en-US" dirty="0" smtClean="0"/>
-              <a:t>(2) use </a:t>
-            </a:r>
-            <a:r>
-              <a:rPr lang="en-US" i="1" dirty="0"/>
-              <a:t>space filling </a:t>
-            </a:r>
-            <a:r>
-              <a:rPr lang="en-US" i="1" dirty="0" smtClean="0"/>
-              <a:t>curves</a:t>
-            </a:r>
-            <a:r>
-              <a:rPr lang="en-US" dirty="0" smtClean="0"/>
-              <a:t> </a:t>
-            </a:r>
-            <a:r>
-              <a:rPr lang="en-US" dirty="0"/>
-              <a:t>to map </a:t>
-            </a:r>
-            <a:r>
-              <a:rPr lang="en-US" dirty="0" smtClean="0"/>
-              <a:t>a k-d </a:t>
-            </a:r>
-            <a:r>
-              <a:rPr lang="en-US" dirty="0"/>
-              <a:t>space onto a 1-d </a:t>
-            </a:r>
-            <a:r>
-              <a:rPr lang="en-US" dirty="0" smtClean="0"/>
-              <a:t>space</a:t>
-            </a:r>
-          </a:p>
-          <a:p>
-            <a:pPr lvl="2"/>
-            <a:r>
-              <a:rPr lang="en-US" dirty="0" err="1" smtClean="0"/>
-              <a:t>Eg</a:t>
-            </a:r>
-            <a:r>
-              <a:rPr lang="en-US" dirty="0" smtClean="0"/>
-              <a:t>: transform </a:t>
-            </a:r>
-            <a:r>
-              <a:rPr lang="en-US" dirty="0"/>
-              <a:t>k-dimensional objects </a:t>
-            </a:r>
-            <a:r>
-              <a:rPr lang="en-US" dirty="0" smtClean="0"/>
-              <a:t>to line </a:t>
-            </a:r>
-            <a:r>
-              <a:rPr lang="en-US" dirty="0" smtClean="0"/>
-              <a:t>segments, using </a:t>
-            </a:r>
-            <a:r>
-              <a:rPr lang="en-US" dirty="0"/>
-              <a:t>the so-called </a:t>
-            </a:r>
-            <a:r>
-              <a:rPr lang="en-US" i="1" dirty="0" smtClean="0"/>
-              <a:t>z-transform. </a:t>
-            </a:r>
-          </a:p>
-          <a:p>
-            <a:pPr lvl="2"/>
-            <a:r>
-              <a:rPr lang="en-US" dirty="0" smtClean="0"/>
-              <a:t>preserve </a:t>
-            </a:r>
-            <a:r>
-              <a:rPr lang="en-US" dirty="0"/>
-              <a:t>the </a:t>
-            </a:r>
-            <a:r>
-              <a:rPr lang="en-US" dirty="0" smtClean="0"/>
-              <a:t>distance</a:t>
-            </a:r>
-            <a:endParaRPr lang="en-US" dirty="0" smtClean="0"/>
-          </a:p>
-          <a:p>
-            <a:pPr lvl="3"/>
-            <a:r>
-              <a:rPr lang="en-US" dirty="0" smtClean="0"/>
-              <a:t>points </a:t>
-            </a:r>
-            <a:r>
-              <a:rPr lang="en-US" dirty="0"/>
-              <a:t>that are close in the </a:t>
-            </a:r>
-            <a:r>
-              <a:rPr lang="en-US" dirty="0" smtClean="0"/>
-              <a:t>k-d space </a:t>
-            </a:r>
-            <a:r>
-              <a:rPr lang="en-US" dirty="0"/>
-              <a:t>are likely to be close in the </a:t>
-            </a:r>
-            <a:r>
-              <a:rPr lang="en-US" dirty="0" smtClean="0"/>
-              <a:t>1-d transformed space</a:t>
-            </a:r>
-          </a:p>
-          <a:p>
-            <a:pPr lvl="1"/>
-            <a:endParaRPr lang="en-US" dirty="0" smtClean="0"/>
+            <a:endParaRPr lang="en-US" dirty="0"/>
           </a:p>
         </p:txBody>
       </p:sp>
@@ -27871,13 +26727,6 @@
   <p:clrMapOvr>
     <a:masterClrMapping/>
   </p:clrMapOvr>
-  <p:timing>
-    <p:tnLst>
-      <p:par>
-        <p:cTn id="1" dur="indefinite" restart="never" nodeType="tmRoot"/>
-      </p:par>
-    </p:tnLst>
-  </p:timing>
 </p:sld>
 </file>
 
@@ -27941,99 +26790,84 @@
           <a:p>
             <a:pPr lvl="1"/>
             <a:r>
-              <a:rPr lang="en-US" dirty="0" smtClean="0"/>
-              <a:t>(3) </a:t>
-            </a:r>
-            <a:r>
               <a:rPr lang="en-US" dirty="0"/>
-              <a:t>divide the original space into appropriate sub-regions 	</a:t>
+              <a:t>(3) divide the original space into appropriate sub-regions 	</a:t>
             </a:r>
           </a:p>
           <a:p>
             <a:pPr lvl="2"/>
             <a:r>
-              <a:rPr lang="en-US" b="1" dirty="0" smtClean="0"/>
+              <a:rPr lang="en-US" b="1" dirty="0"/>
               <a:t>Disjoint regions</a:t>
             </a:r>
             <a:r>
-              <a:rPr lang="en-US" dirty="0" smtClean="0"/>
-              <a:t>: any of the methods </a:t>
-            </a:r>
-            <a:r>
               <a:rPr lang="en-US" dirty="0"/>
-              <a:t>for points could be used for </a:t>
-            </a:r>
-            <a:r>
-              <a:rPr lang="en-US" dirty="0" smtClean="0"/>
-              <a:t>rectangles</a:t>
+              <a:t>: any of the methods for points could be used for rectangles</a:t>
             </a:r>
           </a:p>
           <a:p>
             <a:pPr lvl="3"/>
             <a:r>
-              <a:rPr lang="en-US" dirty="0" smtClean="0"/>
+              <a:rPr lang="en-US" dirty="0"/>
               <a:t>rectangle intersect a splitting hyper-plane</a:t>
             </a:r>
           </a:p>
           <a:p>
             <a:pPr lvl="4"/>
             <a:r>
-              <a:rPr lang="en-US" dirty="0" smtClean="0"/>
+              <a:rPr lang="en-US" dirty="0"/>
               <a:t>Solution: cut the offending rectangle in two pieces and tag the pieces, to indicate that they belong to the same rectangle.</a:t>
             </a:r>
           </a:p>
           <a:p>
             <a:pPr lvl="4"/>
             <a:r>
-              <a:rPr lang="en-US" dirty="0" smtClean="0"/>
+              <a:rPr lang="en-US" dirty="0"/>
               <a:t>Splitting hyper-planes can be of arbitrary orientation(not necessarily parallel to the axes).</a:t>
             </a:r>
-            <a:endParaRPr lang="en-US" dirty="0"/>
           </a:p>
           <a:p>
             <a:pPr lvl="2"/>
             <a:r>
-              <a:rPr lang="en-US" b="1" dirty="0" smtClean="0"/>
+              <a:rPr lang="en-US" b="1" dirty="0"/>
               <a:t>Overlapping regions</a:t>
             </a:r>
             <a:r>
-              <a:rPr lang="en-US" dirty="0" smtClean="0"/>
+              <a:rPr lang="en-US" dirty="0"/>
               <a:t>:</a:t>
             </a:r>
-            <a:endParaRPr lang="en-US" dirty="0"/>
           </a:p>
           <a:p>
             <a:pPr lvl="3"/>
             <a:r>
-              <a:rPr lang="en-US" dirty="0" err="1" smtClean="0"/>
+              <a:rPr lang="en-US" dirty="0" err="1"/>
               <a:t>Guttman</a:t>
             </a:r>
             <a:r>
-              <a:rPr lang="en-US" dirty="0" smtClean="0"/>
+              <a:rPr lang="en-US" dirty="0"/>
               <a:t> proposed R-Trees</a:t>
             </a:r>
           </a:p>
           <a:p>
             <a:pPr lvl="4"/>
             <a:r>
-              <a:rPr lang="en-US" dirty="0" smtClean="0"/>
+              <a:rPr lang="en-US" dirty="0"/>
               <a:t>extension of B-trees for multi-dimensional objects that are either points or regions.</a:t>
             </a:r>
           </a:p>
           <a:p>
             <a:pPr lvl="4"/>
             <a:r>
-              <a:rPr lang="en-US" dirty="0" smtClean="0"/>
+              <a:rPr lang="en-US" dirty="0"/>
               <a:t>Guarantee that the space utilization is at least 50%.</a:t>
             </a:r>
           </a:p>
           <a:p>
             <a:pPr lvl="4"/>
             <a:r>
-              <a:rPr lang="en-US" dirty="0" smtClean="0"/>
+              <a:rPr lang="en-US" dirty="0"/>
               <a:t>if R-Trees are built using the dynamic insertion algorithms, the structure may provide excessive space overlap and "dead-space" in the nodes that result in bad performance. (R+-tree address this problem)</a:t>
             </a:r>
-            <a:endParaRPr lang="en-US" dirty="0"/>
           </a:p>
         </p:txBody>
       </p:sp>
@@ -28047,13 +26881,6 @@
   <p:clrMapOvr>
     <a:masterClrMapping/>
   </p:clrMapOvr>
-  <p:timing>
-    <p:tnLst>
-      <p:par>
-        <p:cTn id="1" dur="indefinite" restart="never" nodeType="tmRoot"/>
-      </p:par>
-    </p:tnLst>
-  </p:timing>
 </p:sld>
 </file>
 
